--- a/Deep Digging in Browser.pptx
+++ b/Deep Digging in Browser.pptx
@@ -5,21 +5,25 @@
     <p:sldMasterId id="2147483648" r:id="rId1"/>
   </p:sldMasterIdLst>
   <p:sldIdLst>
-    <p:sldId id="256" r:id="rId3"/>
-    <p:sldId id="257" r:id="rId4"/>
-    <p:sldId id="273" r:id="rId5"/>
-    <p:sldId id="258" r:id="rId6"/>
-    <p:sldId id="259" r:id="rId7"/>
-    <p:sldId id="260" r:id="rId8"/>
-    <p:sldId id="263" r:id="rId9"/>
-    <p:sldId id="264" r:id="rId10"/>
-    <p:sldId id="265" r:id="rId11"/>
-    <p:sldId id="266" r:id="rId12"/>
-    <p:sldId id="268" r:id="rId13"/>
-    <p:sldId id="269" r:id="rId14"/>
-    <p:sldId id="270" r:id="rId15"/>
-    <p:sldId id="271" r:id="rId16"/>
-    <p:sldId id="262" r:id="rId17"/>
+    <p:sldId id="256" r:id="rId2"/>
+    <p:sldId id="275" r:id="rId3"/>
+    <p:sldId id="274" r:id="rId4"/>
+    <p:sldId id="257" r:id="rId5"/>
+    <p:sldId id="260" r:id="rId6"/>
+    <p:sldId id="258" r:id="rId7"/>
+    <p:sldId id="276" r:id="rId8"/>
+    <p:sldId id="273" r:id="rId9"/>
+    <p:sldId id="277" r:id="rId10"/>
+    <p:sldId id="278" r:id="rId11"/>
+    <p:sldId id="263" r:id="rId12"/>
+    <p:sldId id="264" r:id="rId13"/>
+    <p:sldId id="265" r:id="rId14"/>
+    <p:sldId id="266" r:id="rId15"/>
+    <p:sldId id="268" r:id="rId16"/>
+    <p:sldId id="269" r:id="rId17"/>
+    <p:sldId id="270" r:id="rId18"/>
+    <p:sldId id="271" r:id="rId19"/>
+    <p:sldId id="262" r:id="rId20"/>
   </p:sldIdLst>
   <p:sldSz cx="12192000" cy="6858000"/>
   <p:notesSz cx="6858000" cy="9144000"/>
@@ -118,6 +122,11 @@
       </a:defRPr>
     </a:lvl9pPr>
   </p:defaultTextStyle>
+  <p:extLst>
+    <p:ext uri="{EFAFB233-063F-42B5-8137-9DF3F51BA10A}">
+      <p15:sldGuideLst xmlns:p15="http://schemas.microsoft.com/office/powerpoint/2012/main"/>
+    </p:ext>
+  </p:extLst>
 </p:presentation>
 </file>
 
@@ -252,6 +261,7 @@
           <a:p>
             <a:fld id="{D997B5FA-0921-464F-AAE1-844C04324D75}" type="datetimeFigureOut">
               <a:rPr lang="zh-CN" altLang="en-US" smtClean="0"/>
+              <a:t>2018/12/26</a:t>
             </a:fld>
             <a:endParaRPr lang="zh-CN" altLang="en-US"/>
           </a:p>
@@ -293,6 +303,7 @@
           <a:p>
             <a:fld id="{565CE74E-AB26-4998-AD42-012C4C1AD076}" type="slidenum">
               <a:rPr lang="zh-CN" altLang="en-US" smtClean="0"/>
+              <a:t>‹#›</a:t>
             </a:fld>
             <a:endParaRPr lang="zh-CN" altLang="en-US"/>
           </a:p>
@@ -366,7 +377,6 @@
               <a:rPr lang="zh-CN" altLang="en-US" smtClean="0"/>
               <a:t>单击此处编辑母版文本样式</a:t>
             </a:r>
-            <a:endParaRPr lang="zh-CN" altLang="en-US" smtClean="0"/>
           </a:p>
           <a:p>
             <a:pPr lvl="1"/>
@@ -374,7 +384,6 @@
               <a:rPr lang="zh-CN" altLang="en-US" smtClean="0"/>
               <a:t>第二级</a:t>
             </a:r>
-            <a:endParaRPr lang="zh-CN" altLang="en-US" smtClean="0"/>
           </a:p>
           <a:p>
             <a:pPr lvl="2"/>
@@ -382,7 +391,6 @@
               <a:rPr lang="zh-CN" altLang="en-US" smtClean="0"/>
               <a:t>第三级</a:t>
             </a:r>
-            <a:endParaRPr lang="zh-CN" altLang="en-US" smtClean="0"/>
           </a:p>
           <a:p>
             <a:pPr lvl="3"/>
@@ -390,7 +398,6 @@
               <a:rPr lang="zh-CN" altLang="en-US" smtClean="0"/>
               <a:t>第四级</a:t>
             </a:r>
-            <a:endParaRPr lang="zh-CN" altLang="en-US" smtClean="0"/>
           </a:p>
           <a:p>
             <a:pPr lvl="4"/>
@@ -419,6 +426,7 @@
           <a:p>
             <a:fld id="{D997B5FA-0921-464F-AAE1-844C04324D75}" type="datetimeFigureOut">
               <a:rPr lang="zh-CN" altLang="en-US" smtClean="0"/>
+              <a:t>2018/12/26</a:t>
             </a:fld>
             <a:endParaRPr lang="zh-CN" altLang="en-US"/>
           </a:p>
@@ -460,6 +468,7 @@
           <a:p>
             <a:fld id="{565CE74E-AB26-4998-AD42-012C4C1AD076}" type="slidenum">
               <a:rPr lang="zh-CN" altLang="en-US" smtClean="0"/>
+              <a:t>‹#›</a:t>
             </a:fld>
             <a:endParaRPr lang="zh-CN" altLang="en-US"/>
           </a:p>
@@ -543,7 +552,6 @@
               <a:rPr lang="zh-CN" altLang="en-US" smtClean="0"/>
               <a:t>单击此处编辑母版文本样式</a:t>
             </a:r>
-            <a:endParaRPr lang="zh-CN" altLang="en-US" smtClean="0"/>
           </a:p>
           <a:p>
             <a:pPr lvl="1"/>
@@ -551,7 +559,6 @@
               <a:rPr lang="zh-CN" altLang="en-US" smtClean="0"/>
               <a:t>第二级</a:t>
             </a:r>
-            <a:endParaRPr lang="zh-CN" altLang="en-US" smtClean="0"/>
           </a:p>
           <a:p>
             <a:pPr lvl="2"/>
@@ -559,7 +566,6 @@
               <a:rPr lang="zh-CN" altLang="en-US" smtClean="0"/>
               <a:t>第三级</a:t>
             </a:r>
-            <a:endParaRPr lang="zh-CN" altLang="en-US" smtClean="0"/>
           </a:p>
           <a:p>
             <a:pPr lvl="3"/>
@@ -567,7 +573,6 @@
               <a:rPr lang="zh-CN" altLang="en-US" smtClean="0"/>
               <a:t>第四级</a:t>
             </a:r>
-            <a:endParaRPr lang="zh-CN" altLang="en-US" smtClean="0"/>
           </a:p>
           <a:p>
             <a:pPr lvl="4"/>
@@ -596,6 +601,7 @@
           <a:p>
             <a:fld id="{D997B5FA-0921-464F-AAE1-844C04324D75}" type="datetimeFigureOut">
               <a:rPr lang="zh-CN" altLang="en-US" smtClean="0"/>
+              <a:t>2018/12/26</a:t>
             </a:fld>
             <a:endParaRPr lang="zh-CN" altLang="en-US"/>
           </a:p>
@@ -637,6 +643,7 @@
           <a:p>
             <a:fld id="{565CE74E-AB26-4998-AD42-012C4C1AD076}" type="slidenum">
               <a:rPr lang="zh-CN" altLang="en-US" smtClean="0"/>
+              <a:t>‹#›</a:t>
             </a:fld>
             <a:endParaRPr lang="zh-CN" altLang="en-US"/>
           </a:p>
@@ -710,7 +717,6 @@
               <a:rPr lang="zh-CN" altLang="en-US" smtClean="0"/>
               <a:t>单击此处编辑母版文本样式</a:t>
             </a:r>
-            <a:endParaRPr lang="zh-CN" altLang="en-US" smtClean="0"/>
           </a:p>
           <a:p>
             <a:pPr lvl="1"/>
@@ -718,7 +724,6 @@
               <a:rPr lang="zh-CN" altLang="en-US" smtClean="0"/>
               <a:t>第二级</a:t>
             </a:r>
-            <a:endParaRPr lang="zh-CN" altLang="en-US" smtClean="0"/>
           </a:p>
           <a:p>
             <a:pPr lvl="2"/>
@@ -726,7 +731,6 @@
               <a:rPr lang="zh-CN" altLang="en-US" smtClean="0"/>
               <a:t>第三级</a:t>
             </a:r>
-            <a:endParaRPr lang="zh-CN" altLang="en-US" smtClean="0"/>
           </a:p>
           <a:p>
             <a:pPr lvl="3"/>
@@ -734,7 +738,6 @@
               <a:rPr lang="zh-CN" altLang="en-US" smtClean="0"/>
               <a:t>第四级</a:t>
             </a:r>
-            <a:endParaRPr lang="zh-CN" altLang="en-US" smtClean="0"/>
           </a:p>
           <a:p>
             <a:pPr lvl="4"/>
@@ -763,6 +766,7 @@
           <a:p>
             <a:fld id="{D997B5FA-0921-464F-AAE1-844C04324D75}" type="datetimeFigureOut">
               <a:rPr lang="zh-CN" altLang="en-US" smtClean="0"/>
+              <a:t>2018/12/26</a:t>
             </a:fld>
             <a:endParaRPr lang="zh-CN" altLang="en-US"/>
           </a:p>
@@ -804,6 +808,7 @@
           <a:p>
             <a:fld id="{565CE74E-AB26-4998-AD42-012C4C1AD076}" type="slidenum">
               <a:rPr lang="zh-CN" altLang="en-US" smtClean="0"/>
+              <a:t>‹#›</a:t>
             </a:fld>
             <a:endParaRPr lang="zh-CN" altLang="en-US"/>
           </a:p>
@@ -982,7 +987,6 @@
               <a:rPr lang="zh-CN" altLang="en-US" smtClean="0"/>
               <a:t>单击此处编辑母版文本样式</a:t>
             </a:r>
-            <a:endParaRPr lang="zh-CN" altLang="en-US" smtClean="0"/>
           </a:p>
         </p:txBody>
       </p:sp>
@@ -1003,6 +1007,7 @@
           <a:p>
             <a:fld id="{D997B5FA-0921-464F-AAE1-844C04324D75}" type="datetimeFigureOut">
               <a:rPr lang="zh-CN" altLang="en-US" smtClean="0"/>
+              <a:t>2018/12/26</a:t>
             </a:fld>
             <a:endParaRPr lang="zh-CN" altLang="en-US"/>
           </a:p>
@@ -1044,6 +1049,7 @@
           <a:p>
             <a:fld id="{565CE74E-AB26-4998-AD42-012C4C1AD076}" type="slidenum">
               <a:rPr lang="zh-CN" altLang="en-US" smtClean="0"/>
+              <a:t>‹#›</a:t>
             </a:fld>
             <a:endParaRPr lang="zh-CN" altLang="en-US"/>
           </a:p>
@@ -1122,7 +1128,6 @@
               <a:rPr lang="zh-CN" altLang="en-US" smtClean="0"/>
               <a:t>单击此处编辑母版文本样式</a:t>
             </a:r>
-            <a:endParaRPr lang="zh-CN" altLang="en-US" smtClean="0"/>
           </a:p>
           <a:p>
             <a:pPr lvl="1"/>
@@ -1130,7 +1135,6 @@
               <a:rPr lang="zh-CN" altLang="en-US" smtClean="0"/>
               <a:t>第二级</a:t>
             </a:r>
-            <a:endParaRPr lang="zh-CN" altLang="en-US" smtClean="0"/>
           </a:p>
           <a:p>
             <a:pPr lvl="2"/>
@@ -1138,7 +1142,6 @@
               <a:rPr lang="zh-CN" altLang="en-US" smtClean="0"/>
               <a:t>第三级</a:t>
             </a:r>
-            <a:endParaRPr lang="zh-CN" altLang="en-US" smtClean="0"/>
           </a:p>
           <a:p>
             <a:pPr lvl="3"/>
@@ -1146,7 +1149,6 @@
               <a:rPr lang="zh-CN" altLang="en-US" smtClean="0"/>
               <a:t>第四级</a:t>
             </a:r>
-            <a:endParaRPr lang="zh-CN" altLang="en-US" smtClean="0"/>
           </a:p>
           <a:p>
             <a:pPr lvl="4"/>
@@ -1183,7 +1185,6 @@
               <a:rPr lang="zh-CN" altLang="en-US" smtClean="0"/>
               <a:t>单击此处编辑母版文本样式</a:t>
             </a:r>
-            <a:endParaRPr lang="zh-CN" altLang="en-US" smtClean="0"/>
           </a:p>
           <a:p>
             <a:pPr lvl="1"/>
@@ -1191,7 +1192,6 @@
               <a:rPr lang="zh-CN" altLang="en-US" smtClean="0"/>
               <a:t>第二级</a:t>
             </a:r>
-            <a:endParaRPr lang="zh-CN" altLang="en-US" smtClean="0"/>
           </a:p>
           <a:p>
             <a:pPr lvl="2"/>
@@ -1199,7 +1199,6 @@
               <a:rPr lang="zh-CN" altLang="en-US" smtClean="0"/>
               <a:t>第三级</a:t>
             </a:r>
-            <a:endParaRPr lang="zh-CN" altLang="en-US" smtClean="0"/>
           </a:p>
           <a:p>
             <a:pPr lvl="3"/>
@@ -1207,7 +1206,6 @@
               <a:rPr lang="zh-CN" altLang="en-US" smtClean="0"/>
               <a:t>第四级</a:t>
             </a:r>
-            <a:endParaRPr lang="zh-CN" altLang="en-US" smtClean="0"/>
           </a:p>
           <a:p>
             <a:pPr lvl="4"/>
@@ -1236,6 +1234,7 @@
           <a:p>
             <a:fld id="{D997B5FA-0921-464F-AAE1-844C04324D75}" type="datetimeFigureOut">
               <a:rPr lang="zh-CN" altLang="en-US" smtClean="0"/>
+              <a:t>2018/12/26</a:t>
             </a:fld>
             <a:endParaRPr lang="zh-CN" altLang="en-US"/>
           </a:p>
@@ -1277,6 +1276,7 @@
           <a:p>
             <a:fld id="{565CE74E-AB26-4998-AD42-012C4C1AD076}" type="slidenum">
               <a:rPr lang="zh-CN" altLang="en-US" smtClean="0"/>
+              <a:t>‹#›</a:t>
             </a:fld>
             <a:endParaRPr lang="zh-CN" altLang="en-US"/>
           </a:p>
@@ -1397,7 +1397,6 @@
               <a:rPr lang="zh-CN" altLang="en-US" smtClean="0"/>
               <a:t>单击此处编辑母版文本样式</a:t>
             </a:r>
-            <a:endParaRPr lang="zh-CN" altLang="en-US" smtClean="0"/>
           </a:p>
         </p:txBody>
       </p:sp>
@@ -1426,7 +1425,6 @@
               <a:rPr lang="zh-CN" altLang="en-US" smtClean="0"/>
               <a:t>单击此处编辑母版文本样式</a:t>
             </a:r>
-            <a:endParaRPr lang="zh-CN" altLang="en-US" smtClean="0"/>
           </a:p>
           <a:p>
             <a:pPr lvl="1"/>
@@ -1434,7 +1432,6 @@
               <a:rPr lang="zh-CN" altLang="en-US" smtClean="0"/>
               <a:t>第二级</a:t>
             </a:r>
-            <a:endParaRPr lang="zh-CN" altLang="en-US" smtClean="0"/>
           </a:p>
           <a:p>
             <a:pPr lvl="2"/>
@@ -1442,7 +1439,6 @@
               <a:rPr lang="zh-CN" altLang="en-US" smtClean="0"/>
               <a:t>第三级</a:t>
             </a:r>
-            <a:endParaRPr lang="zh-CN" altLang="en-US" smtClean="0"/>
           </a:p>
           <a:p>
             <a:pPr lvl="3"/>
@@ -1450,7 +1446,6 @@
               <a:rPr lang="zh-CN" altLang="en-US" smtClean="0"/>
               <a:t>第四级</a:t>
             </a:r>
-            <a:endParaRPr lang="zh-CN" altLang="en-US" smtClean="0"/>
           </a:p>
           <a:p>
             <a:pPr lvl="4"/>
@@ -1524,7 +1519,6 @@
               <a:rPr lang="zh-CN" altLang="en-US" smtClean="0"/>
               <a:t>单击此处编辑母版文本样式</a:t>
             </a:r>
-            <a:endParaRPr lang="zh-CN" altLang="en-US" smtClean="0"/>
           </a:p>
         </p:txBody>
       </p:sp>
@@ -1553,7 +1547,6 @@
               <a:rPr lang="zh-CN" altLang="en-US" smtClean="0"/>
               <a:t>单击此处编辑母版文本样式</a:t>
             </a:r>
-            <a:endParaRPr lang="zh-CN" altLang="en-US" smtClean="0"/>
           </a:p>
           <a:p>
             <a:pPr lvl="1"/>
@@ -1561,7 +1554,6 @@
               <a:rPr lang="zh-CN" altLang="en-US" smtClean="0"/>
               <a:t>第二级</a:t>
             </a:r>
-            <a:endParaRPr lang="zh-CN" altLang="en-US" smtClean="0"/>
           </a:p>
           <a:p>
             <a:pPr lvl="2"/>
@@ -1569,7 +1561,6 @@
               <a:rPr lang="zh-CN" altLang="en-US" smtClean="0"/>
               <a:t>第三级</a:t>
             </a:r>
-            <a:endParaRPr lang="zh-CN" altLang="en-US" smtClean="0"/>
           </a:p>
           <a:p>
             <a:pPr lvl="3"/>
@@ -1577,7 +1568,6 @@
               <a:rPr lang="zh-CN" altLang="en-US" smtClean="0"/>
               <a:t>第四级</a:t>
             </a:r>
-            <a:endParaRPr lang="zh-CN" altLang="en-US" smtClean="0"/>
           </a:p>
           <a:p>
             <a:pPr lvl="4"/>
@@ -1606,6 +1596,7 @@
           <a:p>
             <a:fld id="{D997B5FA-0921-464F-AAE1-844C04324D75}" type="datetimeFigureOut">
               <a:rPr lang="zh-CN" altLang="en-US" smtClean="0"/>
+              <a:t>2018/12/26</a:t>
             </a:fld>
             <a:endParaRPr lang="zh-CN" altLang="en-US"/>
           </a:p>
@@ -1647,6 +1638,7 @@
           <a:p>
             <a:fld id="{565CE74E-AB26-4998-AD42-012C4C1AD076}" type="slidenum">
               <a:rPr lang="zh-CN" altLang="en-US" smtClean="0"/>
+              <a:t>‹#›</a:t>
             </a:fld>
             <a:endParaRPr lang="zh-CN" altLang="en-US"/>
           </a:p>
@@ -1717,6 +1709,7 @@
           <a:p>
             <a:fld id="{D997B5FA-0921-464F-AAE1-844C04324D75}" type="datetimeFigureOut">
               <a:rPr lang="zh-CN" altLang="en-US" smtClean="0"/>
+              <a:t>2018/12/26</a:t>
             </a:fld>
             <a:endParaRPr lang="zh-CN" altLang="en-US"/>
           </a:p>
@@ -1758,6 +1751,7 @@
           <a:p>
             <a:fld id="{565CE74E-AB26-4998-AD42-012C4C1AD076}" type="slidenum">
               <a:rPr lang="zh-CN" altLang="en-US" smtClean="0"/>
+              <a:t>‹#›</a:t>
             </a:fld>
             <a:endParaRPr lang="zh-CN" altLang="en-US"/>
           </a:p>
@@ -1805,6 +1799,7 @@
           <a:p>
             <a:fld id="{D997B5FA-0921-464F-AAE1-844C04324D75}" type="datetimeFigureOut">
               <a:rPr lang="zh-CN" altLang="en-US" smtClean="0"/>
+              <a:t>2018/12/26</a:t>
             </a:fld>
             <a:endParaRPr lang="zh-CN" altLang="en-US"/>
           </a:p>
@@ -1846,6 +1841,7 @@
           <a:p>
             <a:fld id="{565CE74E-AB26-4998-AD42-012C4C1AD076}" type="slidenum">
               <a:rPr lang="zh-CN" altLang="en-US" smtClean="0"/>
+              <a:t>‹#›</a:t>
             </a:fld>
             <a:endParaRPr lang="zh-CN" altLang="en-US"/>
           </a:p>
@@ -1961,7 +1957,6 @@
               <a:rPr lang="zh-CN" altLang="en-US" smtClean="0"/>
               <a:t>单击此处编辑母版文本样式</a:t>
             </a:r>
-            <a:endParaRPr lang="zh-CN" altLang="en-US" smtClean="0"/>
           </a:p>
           <a:p>
             <a:pPr lvl="1"/>
@@ -1969,7 +1964,6 @@
               <a:rPr lang="zh-CN" altLang="en-US" smtClean="0"/>
               <a:t>第二级</a:t>
             </a:r>
-            <a:endParaRPr lang="zh-CN" altLang="en-US" smtClean="0"/>
           </a:p>
           <a:p>
             <a:pPr lvl="2"/>
@@ -1977,7 +1971,6 @@
               <a:rPr lang="zh-CN" altLang="en-US" smtClean="0"/>
               <a:t>第三级</a:t>
             </a:r>
-            <a:endParaRPr lang="zh-CN" altLang="en-US" smtClean="0"/>
           </a:p>
           <a:p>
             <a:pPr lvl="3"/>
@@ -1985,7 +1978,6 @@
               <a:rPr lang="zh-CN" altLang="en-US" smtClean="0"/>
               <a:t>第四级</a:t>
             </a:r>
-            <a:endParaRPr lang="zh-CN" altLang="en-US" smtClean="0"/>
           </a:p>
           <a:p>
             <a:pPr lvl="4"/>
@@ -2059,7 +2051,6 @@
               <a:rPr lang="zh-CN" altLang="en-US" smtClean="0"/>
               <a:t>单击此处编辑母版文本样式</a:t>
             </a:r>
-            <a:endParaRPr lang="zh-CN" altLang="en-US" smtClean="0"/>
           </a:p>
         </p:txBody>
       </p:sp>
@@ -2080,6 +2071,7 @@
           <a:p>
             <a:fld id="{D997B5FA-0921-464F-AAE1-844C04324D75}" type="datetimeFigureOut">
               <a:rPr lang="zh-CN" altLang="en-US" smtClean="0"/>
+              <a:t>2018/12/26</a:t>
             </a:fld>
             <a:endParaRPr lang="zh-CN" altLang="en-US"/>
           </a:p>
@@ -2121,6 +2113,7 @@
           <a:p>
             <a:fld id="{565CE74E-AB26-4998-AD42-012C4C1AD076}" type="slidenum">
               <a:rPr lang="zh-CN" altLang="en-US" smtClean="0"/>
+              <a:t>‹#›</a:t>
             </a:fld>
             <a:endParaRPr lang="zh-CN" altLang="en-US"/>
           </a:p>
@@ -2306,7 +2299,6 @@
               <a:rPr lang="zh-CN" altLang="en-US" smtClean="0"/>
               <a:t>单击此处编辑母版文本样式</a:t>
             </a:r>
-            <a:endParaRPr lang="zh-CN" altLang="en-US" smtClean="0"/>
           </a:p>
         </p:txBody>
       </p:sp>
@@ -2327,6 +2319,7 @@
           <a:p>
             <a:fld id="{D997B5FA-0921-464F-AAE1-844C04324D75}" type="datetimeFigureOut">
               <a:rPr lang="zh-CN" altLang="en-US" smtClean="0"/>
+              <a:t>2018/12/26</a:t>
             </a:fld>
             <a:endParaRPr lang="zh-CN" altLang="en-US"/>
           </a:p>
@@ -2368,6 +2361,7 @@
           <a:p>
             <a:fld id="{565CE74E-AB26-4998-AD42-012C4C1AD076}" type="slidenum">
               <a:rPr lang="zh-CN" altLang="en-US" smtClean="0"/>
+              <a:t>‹#›</a:t>
             </a:fld>
             <a:endParaRPr lang="zh-CN" altLang="en-US"/>
           </a:p>
@@ -2466,7 +2460,6 @@
               <a:rPr lang="zh-CN" altLang="en-US" smtClean="0"/>
               <a:t>单击此处编辑母版文本样式</a:t>
             </a:r>
-            <a:endParaRPr lang="zh-CN" altLang="en-US" smtClean="0"/>
           </a:p>
           <a:p>
             <a:pPr lvl="1"/>
@@ -2474,7 +2467,6 @@
               <a:rPr lang="zh-CN" altLang="en-US" smtClean="0"/>
               <a:t>第二级</a:t>
             </a:r>
-            <a:endParaRPr lang="zh-CN" altLang="en-US" smtClean="0"/>
           </a:p>
           <a:p>
             <a:pPr lvl="2"/>
@@ -2482,7 +2474,6 @@
               <a:rPr lang="zh-CN" altLang="en-US" smtClean="0"/>
               <a:t>第三级</a:t>
             </a:r>
-            <a:endParaRPr lang="zh-CN" altLang="en-US" smtClean="0"/>
           </a:p>
           <a:p>
             <a:pPr lvl="3"/>
@@ -2490,7 +2481,6 @@
               <a:rPr lang="zh-CN" altLang="en-US" smtClean="0"/>
               <a:t>第四级</a:t>
             </a:r>
-            <a:endParaRPr lang="zh-CN" altLang="en-US" smtClean="0"/>
           </a:p>
           <a:p>
             <a:pPr lvl="4"/>
@@ -2537,6 +2527,7 @@
           <a:p>
             <a:fld id="{D997B5FA-0921-464F-AAE1-844C04324D75}" type="datetimeFigureOut">
               <a:rPr lang="zh-CN" altLang="en-US" smtClean="0"/>
+              <a:t>2018/12/26</a:t>
             </a:fld>
             <a:endParaRPr lang="zh-CN" altLang="en-US"/>
           </a:p>
@@ -2614,6 +2605,7 @@
           <a:p>
             <a:fld id="{565CE74E-AB26-4998-AD42-012C4C1AD076}" type="slidenum">
               <a:rPr lang="zh-CN" altLang="en-US" smtClean="0"/>
+              <a:t>‹#›</a:t>
             </a:fld>
             <a:endParaRPr lang="zh-CN" altLang="en-US"/>
           </a:p>
@@ -2927,7 +2919,14 @@
         <p:cNvGrpSpPr/>
         <p:nvPr/>
       </p:nvGrpSpPr>
-      <p:grpSpPr/>
+      <p:grpSpPr>
+        <a:xfrm>
+          <a:off x="0" y="0"/>
+          <a:ext cx="0" cy="0"/>
+          <a:chOff x="0" y="0"/>
+          <a:chExt cx="0" cy="0"/>
+        </a:xfrm>
+      </p:grpSpPr>
       <p:sp>
         <p:nvSpPr>
           <p:cNvPr id="2" name="标题 1"/>
@@ -2941,12 +2940,12 @@
         <p:spPr/>
         <p:txBody>
           <a:bodyPr/>
+          <a:lstStyle/>
           <a:p>
             <a:r>
               <a:rPr lang="en-US" altLang="zh-CN"/>
               <a:t>Deep Digging in Browser</a:t>
             </a:r>
-            <a:endParaRPr lang="en-US" altLang="zh-CN"/>
           </a:p>
         </p:txBody>
       </p:sp>
@@ -2963,12 +2962,12 @@
         <p:spPr/>
         <p:txBody>
           <a:bodyPr/>
+          <a:lstStyle/>
           <a:p>
             <a:r>
               <a:rPr lang="en-US" altLang="zh-CN"/>
               <a:t>FE zzy</a:t>
             </a:r>
-            <a:endParaRPr lang="en-US" altLang="zh-CN"/>
           </a:p>
         </p:txBody>
       </p:sp>
@@ -2989,7 +2988,14 @@
         <p:cNvGrpSpPr/>
         <p:nvPr/>
       </p:nvGrpSpPr>
-      <p:grpSpPr/>
+      <p:grpSpPr>
+        <a:xfrm>
+          <a:off x="0" y="0"/>
+          <a:ext cx="0" cy="0"/>
+          <a:chOff x="0" y="0"/>
+          <a:chExt cx="0" cy="0"/>
+        </a:xfrm>
+      </p:grpSpPr>
       <p:sp>
         <p:nvSpPr>
           <p:cNvPr id="2" name="标题 1"/>
@@ -3003,12 +3009,17 @@
         <p:spPr/>
         <p:txBody>
           <a:bodyPr/>
-          <a:p>
-            <a:r>
-              <a:rPr lang="en-US" altLang="zh-CN"/>
-              <a:t>Promise</a:t>
-            </a:r>
-            <a:endParaRPr lang="en-US" altLang="zh-CN"/>
+          <a:lstStyle/>
+          <a:p>
+            <a:r>
+              <a:rPr lang="en-US" altLang="zh-CN" dirty="0" smtClean="0"/>
+              <a:t>V8</a:t>
+            </a:r>
+            <a:r>
+              <a:rPr lang="zh-CN" altLang="en-US" dirty="0" smtClean="0"/>
+              <a:t>工作简述</a:t>
+            </a:r>
+            <a:endParaRPr lang="zh-CN" altLang="en-US" dirty="0"/>
           </a:p>
         </p:txBody>
       </p:sp>
@@ -3025,23 +3036,99 @@
         <p:spPr/>
         <p:txBody>
           <a:bodyPr/>
-          <a:p>
-            <a:r>
-              <a:rPr lang="en-US" altLang="zh-CN"/>
-              <a:t>p instanceof Promise?</a:t>
-            </a:r>
-            <a:endParaRPr lang="en-US" altLang="zh-CN"/>
-          </a:p>
-          <a:p>
-            <a:r>
-              <a:rPr lang="en-US" altLang="zh-CN"/>
-              <a:t>async/await makes the job of working with Promises easier</a:t>
-            </a:r>
-            <a:endParaRPr lang="en-US" altLang="zh-CN"/>
+          <a:lstStyle/>
+          <a:p>
+            <a:r>
+              <a:rPr lang="zh-CN" altLang="en-US" dirty="0" smtClean="0"/>
+              <a:t>第一次运行代码时，</a:t>
+            </a:r>
+            <a:r>
+              <a:rPr lang="en-US" altLang="zh-CN" dirty="0" smtClean="0"/>
+              <a:t>V8</a:t>
+            </a:r>
+            <a:r>
+              <a:rPr lang="zh-CN" altLang="en-US" dirty="0" smtClean="0"/>
+              <a:t>的</a:t>
+            </a:r>
+            <a:r>
+              <a:rPr lang="en-US" altLang="zh-CN" dirty="0" smtClean="0"/>
+              <a:t>full-</a:t>
+            </a:r>
+            <a:r>
+              <a:rPr lang="en-US" altLang="zh-CN" dirty="0" err="1" smtClean="0"/>
+              <a:t>codegen</a:t>
+            </a:r>
+            <a:r>
+              <a:rPr lang="zh-CN" altLang="en-US" dirty="0" smtClean="0"/>
+              <a:t>将</a:t>
+            </a:r>
+            <a:r>
+              <a:rPr lang="en-US" altLang="zh-CN" dirty="0" err="1" smtClean="0"/>
+              <a:t>js</a:t>
+            </a:r>
+            <a:r>
+              <a:rPr lang="zh-CN" altLang="en-US" dirty="0" smtClean="0"/>
+              <a:t>代码解析为机器码</a:t>
+            </a:r>
+            <a:endParaRPr lang="en-US" altLang="zh-CN" dirty="0" smtClean="0"/>
+          </a:p>
+          <a:p>
+            <a:r>
+              <a:rPr lang="zh-CN" altLang="en-US" dirty="0" smtClean="0"/>
+              <a:t>当代码运行了一段时间之后，</a:t>
+            </a:r>
+            <a:r>
+              <a:rPr lang="en-US" altLang="zh-CN" dirty="0" smtClean="0"/>
+              <a:t>profiler</a:t>
+            </a:r>
+            <a:r>
+              <a:rPr lang="zh-CN" altLang="en-US" dirty="0" smtClean="0"/>
+              <a:t>线程就会收集到足够的信息确定哪些个函数需要优化</a:t>
+            </a:r>
+            <a:endParaRPr lang="en-US" altLang="zh-CN" dirty="0" smtClean="0"/>
+          </a:p>
+          <a:p>
+            <a:r>
+              <a:rPr lang="zh-CN" altLang="en-US" dirty="0" smtClean="0"/>
+              <a:t>然后，</a:t>
+            </a:r>
+            <a:r>
+              <a:rPr lang="en-US" altLang="zh-CN" dirty="0" smtClean="0"/>
+              <a:t>Crankshaft</a:t>
+            </a:r>
+            <a:r>
+              <a:rPr lang="zh-CN" altLang="en-US" dirty="0" smtClean="0"/>
+              <a:t>就开始了，它把</a:t>
+            </a:r>
+            <a:r>
+              <a:rPr lang="en-US" altLang="zh-CN" dirty="0" smtClean="0"/>
+              <a:t>JS</a:t>
+            </a:r>
+            <a:r>
+              <a:rPr lang="zh-CN" altLang="en-US" dirty="0" smtClean="0"/>
+              <a:t>抽象语法树转化为一个</a:t>
+            </a:r>
+            <a:r>
+              <a:rPr lang="en-US" altLang="zh-CN" dirty="0" smtClean="0"/>
+              <a:t>high-level static single-assignment </a:t>
+            </a:r>
+            <a:r>
+              <a:rPr lang="zh-CN" altLang="en-US" dirty="0" smtClean="0"/>
+              <a:t>表示并完成绝大部分的优化工作</a:t>
+            </a:r>
+            <a:endParaRPr lang="en-US" altLang="zh-CN" dirty="0" smtClean="0"/>
+          </a:p>
+          <a:p>
+            <a:endParaRPr lang="zh-CN" altLang="en-US" dirty="0"/>
           </a:p>
         </p:txBody>
       </p:sp>
     </p:spTree>
+    <p:extLst>
+      <p:ext uri="{BB962C8B-B14F-4D97-AF65-F5344CB8AC3E}">
+        <p14:creationId xmlns:p14="http://schemas.microsoft.com/office/powerpoint/2010/main" val="1086129714"/>
+      </p:ext>
+    </p:extLst>
   </p:cSld>
   <p:clrMapOvr>
     <a:masterClrMapping/>
@@ -3058,7 +3145,14 @@
         <p:cNvGrpSpPr/>
         <p:nvPr/>
       </p:nvGrpSpPr>
-      <p:grpSpPr/>
+      <p:grpSpPr>
+        <a:xfrm>
+          <a:off x="0" y="0"/>
+          <a:ext cx="0" cy="0"/>
+          <a:chOff x="0" y="0"/>
+          <a:chExt cx="0" cy="0"/>
+        </a:xfrm>
+      </p:grpSpPr>
       <p:sp>
         <p:nvSpPr>
           <p:cNvPr id="2" name="标题 1"/>
@@ -3072,12 +3166,17 @@
         <p:spPr/>
         <p:txBody>
           <a:bodyPr/>
-          <a:p>
-            <a:r>
-              <a:rPr lang="zh-CN" altLang="en-US"/>
-              <a:t>来自亮哥的一段代码</a:t>
-            </a:r>
-            <a:endParaRPr lang="zh-CN" altLang="en-US"/>
+          <a:lstStyle/>
+          <a:p>
+            <a:r>
+              <a:rPr lang="zh-CN" altLang="en-US" dirty="0"/>
+              <a:t>事件</a:t>
+            </a:r>
+            <a:r>
+              <a:rPr lang="zh-CN" altLang="en-US" dirty="0" smtClean="0"/>
+              <a:t>循环概述</a:t>
+            </a:r>
+            <a:endParaRPr lang="en-US" altLang="zh-CN" dirty="0"/>
           </a:p>
         </p:txBody>
       </p:sp>
@@ -3094,75 +3193,98 @@
         <p:spPr/>
         <p:txBody>
           <a:bodyPr/>
-          <a:p>
-            <a:pPr marL="0" indent="0">
-              <a:buNone/>
-            </a:pPr>
-            <a:r>
-              <a:rPr lang="en-US" altLang="zh-CN"/>
-              <a:t>new Promise((resolve, reject) =&gt; {</a:t>
-            </a:r>
-            <a:endParaRPr lang="en-US" altLang="zh-CN"/>
-          </a:p>
-          <a:p>
-            <a:pPr marL="0" indent="0">
-              <a:buNone/>
-            </a:pPr>
-            <a:r>
-              <a:rPr lang="en-US" altLang="zh-CN"/>
-              <a:t>	resolve(1);</a:t>
-            </a:r>
-            <a:endParaRPr lang="en-US" altLang="zh-CN"/>
-          </a:p>
-          <a:p>
-            <a:pPr marL="0" indent="0">
-              <a:buNone/>
-            </a:pPr>
-            <a:r>
-              <a:rPr lang="en-US" altLang="zh-CN"/>
-              <a:t>	Promise.resolve().then(() =&gt; console.log(2));</a:t>
-            </a:r>
-            <a:endParaRPr lang="en-US" altLang="zh-CN"/>
-          </a:p>
-          <a:p>
-            <a:pPr marL="0" indent="0">
-              <a:buNone/>
-            </a:pPr>
-            <a:r>
-              <a:rPr lang="en-US" altLang="zh-CN"/>
-              <a:t>	console.log(4);</a:t>
-            </a:r>
-            <a:endParaRPr lang="en-US" altLang="zh-CN"/>
-          </a:p>
-          <a:p>
-            <a:pPr marL="0" indent="0">
-              <a:buNone/>
-            </a:pPr>
-            <a:r>
-              <a:rPr lang="en-US" altLang="zh-CN"/>
-              <a:t>}).then(val =&gt; console.log(val));</a:t>
-            </a:r>
-            <a:endParaRPr lang="en-US" altLang="zh-CN"/>
-          </a:p>
-          <a:p>
-            <a:pPr marL="0" indent="0">
-              <a:buNone/>
-            </a:pPr>
-            <a:r>
-              <a:rPr lang="en-US" altLang="zh-CN"/>
-              <a:t>console.log(3);</a:t>
-            </a:r>
-            <a:endParaRPr lang="en-US" altLang="zh-CN"/>
-          </a:p>
-          <a:p>
-            <a:pPr marL="0" indent="0">
-              <a:buNone/>
-            </a:pPr>
-            <a:r>
-              <a:rPr lang="en-US" altLang="zh-CN"/>
-              <a:t>//4 3 2 1</a:t>
-            </a:r>
-            <a:endParaRPr lang="en-US" altLang="zh-CN"/>
+          <a:lstStyle/>
+          <a:p>
+            <a:r>
+              <a:rPr lang="zh-CN" altLang="en-US" dirty="0" smtClean="0"/>
+              <a:t>事实上，虽然我们经常使用</a:t>
+            </a:r>
+            <a:r>
+              <a:rPr lang="en-US" altLang="zh-CN" dirty="0" smtClean="0"/>
+              <a:t>JS</a:t>
+            </a:r>
+            <a:r>
+              <a:rPr lang="zh-CN" altLang="en-US" dirty="0" smtClean="0"/>
+              <a:t>中的异步方法</a:t>
+            </a:r>
+            <a:r>
+              <a:rPr lang="en-US" altLang="zh-CN" dirty="0" smtClean="0"/>
+              <a:t>(</a:t>
+            </a:r>
+            <a:r>
+              <a:rPr lang="en-US" altLang="zh-CN" dirty="0" err="1" smtClean="0"/>
+              <a:t>setTimeout</a:t>
+            </a:r>
+            <a:r>
+              <a:rPr lang="en-US" altLang="zh-CN" dirty="0" smtClean="0"/>
+              <a:t>)</a:t>
+            </a:r>
+            <a:r>
+              <a:rPr lang="zh-CN" altLang="en-US" dirty="0" smtClean="0"/>
+              <a:t>，</a:t>
+            </a:r>
+            <a:r>
+              <a:rPr lang="en-US" altLang="zh-CN" dirty="0" smtClean="0"/>
+              <a:t>JS</a:t>
+            </a:r>
+            <a:r>
+              <a:rPr lang="zh-CN" altLang="en-US" dirty="0" smtClean="0"/>
+              <a:t>本身并没有异步的概念，具体体现为</a:t>
+            </a:r>
+            <a:r>
+              <a:rPr lang="en-US" altLang="zh-CN" dirty="0" smtClean="0"/>
+              <a:t>JS</a:t>
+            </a:r>
+            <a:r>
+              <a:rPr lang="zh-CN" altLang="en-US" dirty="0" smtClean="0"/>
+              <a:t>引擎只是单线程地执行你程序中的一段代码。</a:t>
+            </a:r>
+            <a:endParaRPr lang="en-US" altLang="zh-CN" dirty="0" smtClean="0"/>
+          </a:p>
+          <a:p>
+            <a:endParaRPr lang="en-US" altLang="zh-CN" dirty="0"/>
+          </a:p>
+          <a:p>
+            <a:r>
+              <a:rPr lang="zh-CN" altLang="en-US" dirty="0" smtClean="0"/>
+              <a:t>真正的事件循环由</a:t>
+            </a:r>
+            <a:r>
+              <a:rPr lang="en-US" altLang="zh-CN" dirty="0" smtClean="0"/>
+              <a:t>JS</a:t>
+            </a:r>
+            <a:r>
+              <a:rPr lang="zh-CN" altLang="en-US" dirty="0" smtClean="0"/>
+              <a:t>的宿主环境实现</a:t>
+            </a:r>
+            <a:r>
+              <a:rPr lang="en-US" altLang="zh-CN" dirty="0" smtClean="0"/>
+              <a:t>(</a:t>
+            </a:r>
+            <a:r>
+              <a:rPr lang="zh-CN" altLang="en-US" dirty="0" smtClean="0"/>
+              <a:t>浏览器或</a:t>
+            </a:r>
+            <a:r>
+              <a:rPr lang="en-US" altLang="zh-CN" dirty="0" smtClean="0"/>
+              <a:t>Node.js)</a:t>
+            </a:r>
+            <a:r>
+              <a:rPr lang="zh-CN" altLang="en-US" dirty="0" smtClean="0"/>
+              <a:t>，它们维持了一个事件循环结构，在合适的时间告诉</a:t>
+            </a:r>
+            <a:r>
+              <a:rPr lang="en-US" altLang="zh-CN" dirty="0" smtClean="0"/>
+              <a:t>JS</a:t>
+            </a:r>
+            <a:r>
+              <a:rPr lang="zh-CN" altLang="en-US" dirty="0" smtClean="0"/>
+              <a:t>引擎执行什么代码</a:t>
+            </a:r>
+            <a:endParaRPr lang="en-US" altLang="zh-CN" dirty="0"/>
+          </a:p>
+          <a:p>
+            <a:endParaRPr lang="en-US" altLang="zh-CN" dirty="0"/>
           </a:p>
         </p:txBody>
       </p:sp>
@@ -3183,7 +3305,14 @@
         <p:cNvGrpSpPr/>
         <p:nvPr/>
       </p:nvGrpSpPr>
-      <p:grpSpPr/>
+      <p:grpSpPr>
+        <a:xfrm>
+          <a:off x="0" y="0"/>
+          <a:ext cx="0" cy="0"/>
+          <a:chOff x="0" y="0"/>
+          <a:chExt cx="0" cy="0"/>
+        </a:xfrm>
+      </p:grpSpPr>
       <p:sp>
         <p:nvSpPr>
           <p:cNvPr id="2" name="标题 1"/>
@@ -3197,12 +3326,521 @@
         <p:spPr/>
         <p:txBody>
           <a:bodyPr/>
+          <a:lstStyle/>
+          <a:p>
+            <a:r>
+              <a:rPr lang="en-US" altLang="zh-CN" dirty="0"/>
+              <a:t>Tick</a:t>
+            </a:r>
+          </a:p>
+        </p:txBody>
+      </p:sp>
+      <p:sp>
+        <p:nvSpPr>
+          <p:cNvPr id="3" name="内容占位符 2"/>
+          <p:cNvSpPr>
+            <a:spLocks noGrp="1"/>
+          </p:cNvSpPr>
+          <p:nvPr>
+            <p:ph idx="1"/>
+          </p:nvPr>
+        </p:nvSpPr>
+        <p:spPr/>
+        <p:txBody>
+          <a:bodyPr/>
+          <a:lstStyle/>
+          <a:p>
+            <a:r>
+              <a:rPr lang="zh-CN" altLang="en-US" dirty="0" smtClean="0"/>
+              <a:t>但其实事件循环只有一个简单的工作：监测</a:t>
+            </a:r>
+            <a:r>
+              <a:rPr lang="en-US" altLang="zh-CN" dirty="0" smtClean="0"/>
+              <a:t>call stack,</a:t>
+            </a:r>
+            <a:r>
+              <a:rPr lang="zh-CN" altLang="en-US" dirty="0" smtClean="0"/>
+              <a:t>如果发现它为空，就将事件队列中的第一个事件的回调函数推入</a:t>
+            </a:r>
+            <a:r>
+              <a:rPr lang="en-US" altLang="zh-CN" dirty="0" smtClean="0"/>
+              <a:t>call stack</a:t>
+            </a:r>
+            <a:r>
+              <a:rPr lang="zh-CN" altLang="en-US" dirty="0" smtClean="0"/>
+              <a:t>中执行。</a:t>
+            </a:r>
+            <a:endParaRPr lang="en-US" altLang="zh-CN" dirty="0" smtClean="0"/>
+          </a:p>
+          <a:p>
+            <a:endParaRPr lang="en-US" altLang="zh-CN" dirty="0"/>
+          </a:p>
+          <a:p>
+            <a:endParaRPr lang="en-US" altLang="zh-CN" dirty="0" smtClean="0"/>
+          </a:p>
+          <a:p>
+            <a:r>
+              <a:rPr lang="zh-CN" altLang="en-US" dirty="0" smtClean="0"/>
+              <a:t>监测到</a:t>
+            </a:r>
+            <a:r>
+              <a:rPr lang="en-US" altLang="zh-CN" dirty="0" smtClean="0"/>
+              <a:t>call stack</a:t>
+            </a:r>
+            <a:r>
+              <a:rPr lang="zh-CN" altLang="en-US" dirty="0" smtClean="0"/>
+              <a:t>为空</a:t>
+            </a:r>
+            <a:r>
+              <a:rPr lang="en-US" altLang="zh-CN" dirty="0" smtClean="0"/>
+              <a:t>-&gt; </a:t>
+            </a:r>
+            <a:r>
+              <a:rPr lang="zh-CN" altLang="en-US" dirty="0" smtClean="0"/>
+              <a:t>将回调推入 </a:t>
+            </a:r>
+            <a:r>
+              <a:rPr lang="en-US" altLang="zh-CN" dirty="0" smtClean="0"/>
+              <a:t>call stack -&gt; </a:t>
+            </a:r>
+            <a:r>
+              <a:rPr lang="zh-CN" altLang="en-US" dirty="0"/>
+              <a:t>回</a:t>
+            </a:r>
+            <a:r>
+              <a:rPr lang="zh-CN" altLang="en-US" dirty="0" smtClean="0"/>
+              <a:t>调执行完毕，这个过程我们可以称之为一个</a:t>
+            </a:r>
+            <a:r>
+              <a:rPr lang="en-US" altLang="zh-CN" dirty="0" smtClean="0"/>
+              <a:t>tick</a:t>
+            </a:r>
+            <a:endParaRPr lang="en-US" altLang="zh-CN" dirty="0"/>
+          </a:p>
+          <a:p>
+            <a:endParaRPr lang="zh-CN" altLang="en-US" dirty="0"/>
+          </a:p>
+        </p:txBody>
+      </p:sp>
+    </p:spTree>
+  </p:cSld>
+  <p:clrMapOvr>
+    <a:masterClrMapping/>
+  </p:clrMapOvr>
+</p:sld>
+</file>
+
+<file path=ppt/slides/slide13.xml><?xml version="1.0" encoding="utf-8"?>
+<p:sld xmlns:a="http://schemas.openxmlformats.org/drawingml/2006/main" xmlns:r="http://schemas.openxmlformats.org/officeDocument/2006/relationships" xmlns:p="http://schemas.openxmlformats.org/presentationml/2006/main">
+  <p:cSld>
+    <p:spTree>
+      <p:nvGrpSpPr>
+        <p:cNvPr id="1" name=""/>
+        <p:cNvGrpSpPr/>
+        <p:nvPr/>
+      </p:nvGrpSpPr>
+      <p:grpSpPr>
+        <a:xfrm>
+          <a:off x="0" y="0"/>
+          <a:ext cx="0" cy="0"/>
+          <a:chOff x="0" y="0"/>
+          <a:chExt cx="0" cy="0"/>
+        </a:xfrm>
+      </p:grpSpPr>
+      <p:sp>
+        <p:nvSpPr>
+          <p:cNvPr id="2" name="标题 1"/>
+          <p:cNvSpPr>
+            <a:spLocks noGrp="1"/>
+          </p:cNvSpPr>
+          <p:nvPr>
+            <p:ph type="title"/>
+          </p:nvPr>
+        </p:nvSpPr>
+        <p:spPr/>
+        <p:txBody>
+          <a:bodyPr/>
+          <a:lstStyle/>
+          <a:p>
+            <a:r>
+              <a:rPr lang="en-US" altLang="zh-CN" dirty="0"/>
+              <a:t>ES6 </a:t>
+            </a:r>
+            <a:r>
+              <a:rPr lang="zh-CN" altLang="en-US" dirty="0" smtClean="0"/>
+              <a:t>中的</a:t>
+            </a:r>
+            <a:r>
+              <a:rPr lang="en-US" altLang="zh-CN" dirty="0" smtClean="0"/>
+              <a:t>Job </a:t>
+            </a:r>
+            <a:r>
+              <a:rPr lang="en-US" altLang="zh-CN" dirty="0"/>
+              <a:t>Queue</a:t>
+            </a:r>
+          </a:p>
+        </p:txBody>
+      </p:sp>
+      <p:sp>
+        <p:nvSpPr>
+          <p:cNvPr id="3" name="内容占位符 2"/>
+          <p:cNvSpPr>
+            <a:spLocks noGrp="1"/>
+          </p:cNvSpPr>
+          <p:nvPr>
+            <p:ph idx="1"/>
+          </p:nvPr>
+        </p:nvSpPr>
+        <p:spPr/>
+        <p:txBody>
+          <a:bodyPr/>
+          <a:lstStyle/>
+          <a:p>
+            <a:r>
+              <a:rPr lang="en-US" altLang="zh-CN" dirty="0"/>
+              <a:t>It's a layer on top of the Event Loop queue. </a:t>
+            </a:r>
+            <a:endParaRPr lang="en-US" altLang="zh-CN" dirty="0" smtClean="0"/>
+          </a:p>
+          <a:p>
+            <a:endParaRPr lang="en-US" altLang="zh-CN" dirty="0"/>
+          </a:p>
+          <a:p>
+            <a:r>
+              <a:rPr lang="zh-CN" altLang="en-US" dirty="0" smtClean="0"/>
+              <a:t>绝大多数出现在使用</a:t>
+            </a:r>
+            <a:r>
+              <a:rPr lang="en-US" altLang="zh-CN" dirty="0" smtClean="0"/>
+              <a:t>Promise</a:t>
+            </a:r>
+            <a:r>
+              <a:rPr lang="zh-CN" altLang="en-US" dirty="0" smtClean="0"/>
+              <a:t>的场景中</a:t>
+            </a:r>
+            <a:endParaRPr lang="en-US" altLang="zh-CN" dirty="0" smtClean="0"/>
+          </a:p>
+          <a:p>
+            <a:endParaRPr lang="en-US" altLang="zh-CN" dirty="0" smtClean="0"/>
+          </a:p>
+          <a:p>
+            <a:r>
+              <a:rPr lang="en-US" altLang="zh-CN" dirty="0" smtClean="0"/>
+              <a:t>Job queue</a:t>
+            </a:r>
+            <a:r>
+              <a:rPr lang="zh-CN" altLang="en-US" dirty="0" smtClean="0"/>
+              <a:t>的一个很直观的区别在于，一个回调函数被执行的时候，不可能立即</a:t>
+            </a:r>
+            <a:r>
+              <a:rPr lang="en-US" altLang="zh-CN" dirty="0" smtClean="0"/>
+              <a:t>(</a:t>
+            </a:r>
+            <a:r>
+              <a:rPr lang="zh-CN" altLang="en-US" dirty="0" smtClean="0"/>
+              <a:t>在当前</a:t>
+            </a:r>
+            <a:r>
+              <a:rPr lang="en-US" altLang="zh-CN" dirty="0" smtClean="0"/>
+              <a:t>tick</a:t>
+            </a:r>
+            <a:r>
+              <a:rPr lang="zh-CN" altLang="en-US" dirty="0" smtClean="0"/>
+              <a:t>内</a:t>
+            </a:r>
+            <a:r>
+              <a:rPr lang="en-US" altLang="zh-CN" dirty="0" smtClean="0"/>
+              <a:t>)</a:t>
+            </a:r>
+            <a:r>
+              <a:rPr lang="zh-CN" altLang="en-US" dirty="0" smtClean="0"/>
+              <a:t>就添加一个新回调到</a:t>
+            </a:r>
+            <a:r>
+              <a:rPr lang="zh-CN" altLang="en-US" dirty="0" smtClean="0"/>
+              <a:t>事件队列中</a:t>
+            </a:r>
+            <a:r>
+              <a:rPr lang="en-US" altLang="zh-CN" dirty="0" smtClean="0"/>
+              <a:t>,</a:t>
+            </a:r>
+            <a:r>
+              <a:rPr lang="zh-CN" altLang="en-US" dirty="0" smtClean="0"/>
+              <a:t>但是可能添加一个</a:t>
+            </a:r>
+            <a:r>
+              <a:rPr lang="en-US" altLang="zh-CN" dirty="0" smtClean="0"/>
+              <a:t>item</a:t>
+            </a:r>
+            <a:r>
+              <a:rPr lang="zh-CN" altLang="en-US" dirty="0" smtClean="0"/>
+              <a:t>到</a:t>
+            </a:r>
+            <a:r>
+              <a:rPr lang="en-US" altLang="zh-CN" dirty="0" smtClean="0"/>
+              <a:t>job queue</a:t>
+            </a:r>
+            <a:r>
+              <a:rPr lang="zh-CN" altLang="en-US" dirty="0" smtClean="0"/>
+              <a:t>的末尾并在当前</a:t>
+            </a:r>
+            <a:r>
+              <a:rPr lang="en-US" altLang="zh-CN" dirty="0" smtClean="0"/>
+              <a:t>tick</a:t>
+            </a:r>
+            <a:r>
+              <a:rPr lang="zh-CN" altLang="en-US" dirty="0" smtClean="0"/>
+              <a:t>执行</a:t>
+            </a:r>
+            <a:endParaRPr lang="en-US" altLang="zh-CN" dirty="0" smtClean="0"/>
+          </a:p>
+        </p:txBody>
+      </p:sp>
+    </p:spTree>
+  </p:cSld>
+  <p:clrMapOvr>
+    <a:masterClrMapping/>
+  </p:clrMapOvr>
+</p:sld>
+</file>
+
+<file path=ppt/slides/slide14.xml><?xml version="1.0" encoding="utf-8"?>
+<p:sld xmlns:a="http://schemas.openxmlformats.org/drawingml/2006/main" xmlns:r="http://schemas.openxmlformats.org/officeDocument/2006/relationships" xmlns:p="http://schemas.openxmlformats.org/presentationml/2006/main">
+  <p:cSld>
+    <p:spTree>
+      <p:nvGrpSpPr>
+        <p:cNvPr id="1" name=""/>
+        <p:cNvGrpSpPr/>
+        <p:nvPr/>
+      </p:nvGrpSpPr>
+      <p:grpSpPr>
+        <a:xfrm>
+          <a:off x="0" y="0"/>
+          <a:ext cx="0" cy="0"/>
+          <a:chOff x="0" y="0"/>
+          <a:chExt cx="0" cy="0"/>
+        </a:xfrm>
+      </p:grpSpPr>
+      <p:sp>
+        <p:nvSpPr>
+          <p:cNvPr id="2" name="标题 1"/>
+          <p:cNvSpPr>
+            <a:spLocks noGrp="1"/>
+          </p:cNvSpPr>
+          <p:nvPr>
+            <p:ph type="title"/>
+          </p:nvPr>
+        </p:nvSpPr>
+        <p:spPr/>
+        <p:txBody>
+          <a:bodyPr/>
+          <a:lstStyle/>
+          <a:p>
+            <a:r>
+              <a:rPr lang="en-US" altLang="zh-CN"/>
+              <a:t>Promise</a:t>
+            </a:r>
+          </a:p>
+        </p:txBody>
+      </p:sp>
+      <p:sp>
+        <p:nvSpPr>
+          <p:cNvPr id="3" name="内容占位符 2"/>
+          <p:cNvSpPr>
+            <a:spLocks noGrp="1"/>
+          </p:cNvSpPr>
+          <p:nvPr>
+            <p:ph idx="1"/>
+          </p:nvPr>
+        </p:nvSpPr>
+        <p:spPr/>
+        <p:txBody>
+          <a:bodyPr/>
+          <a:lstStyle/>
+          <a:p>
+            <a:r>
+              <a:rPr lang="en-US" altLang="zh-CN"/>
+              <a:t>p instanceof Promise?</a:t>
+            </a:r>
+          </a:p>
+          <a:p>
+            <a:r>
+              <a:rPr lang="en-US" altLang="zh-CN"/>
+              <a:t>async/await makes the job of working with Promises easier</a:t>
+            </a:r>
+          </a:p>
+        </p:txBody>
+      </p:sp>
+    </p:spTree>
+  </p:cSld>
+  <p:clrMapOvr>
+    <a:masterClrMapping/>
+  </p:clrMapOvr>
+</p:sld>
+</file>
+
+<file path=ppt/slides/slide15.xml><?xml version="1.0" encoding="utf-8"?>
+<p:sld xmlns:a="http://schemas.openxmlformats.org/drawingml/2006/main" xmlns:r="http://schemas.openxmlformats.org/officeDocument/2006/relationships" xmlns:p="http://schemas.openxmlformats.org/presentationml/2006/main">
+  <p:cSld>
+    <p:spTree>
+      <p:nvGrpSpPr>
+        <p:cNvPr id="1" name=""/>
+        <p:cNvGrpSpPr/>
+        <p:nvPr/>
+      </p:nvGrpSpPr>
+      <p:grpSpPr>
+        <a:xfrm>
+          <a:off x="0" y="0"/>
+          <a:ext cx="0" cy="0"/>
+          <a:chOff x="0" y="0"/>
+          <a:chExt cx="0" cy="0"/>
+        </a:xfrm>
+      </p:grpSpPr>
+      <p:sp>
+        <p:nvSpPr>
+          <p:cNvPr id="2" name="标题 1"/>
+          <p:cNvSpPr>
+            <a:spLocks noGrp="1"/>
+          </p:cNvSpPr>
+          <p:nvPr>
+            <p:ph type="title"/>
+          </p:nvPr>
+        </p:nvSpPr>
+        <p:spPr/>
+        <p:txBody>
+          <a:bodyPr/>
+          <a:lstStyle/>
+          <a:p>
+            <a:r>
+              <a:rPr lang="zh-CN" altLang="en-US"/>
+              <a:t>来自亮哥的一段代码</a:t>
+            </a:r>
+          </a:p>
+        </p:txBody>
+      </p:sp>
+      <p:sp>
+        <p:nvSpPr>
+          <p:cNvPr id="3" name="内容占位符 2"/>
+          <p:cNvSpPr>
+            <a:spLocks noGrp="1"/>
+          </p:cNvSpPr>
+          <p:nvPr>
+            <p:ph idx="1"/>
+          </p:nvPr>
+        </p:nvSpPr>
+        <p:spPr/>
+        <p:txBody>
+          <a:bodyPr/>
+          <a:lstStyle/>
+          <a:p>
+            <a:pPr marL="0" indent="0">
+              <a:buNone/>
+            </a:pPr>
+            <a:r>
+              <a:rPr lang="en-US" altLang="zh-CN"/>
+              <a:t>new Promise((resolve, reject) =&gt; {</a:t>
+            </a:r>
+          </a:p>
+          <a:p>
+            <a:pPr marL="0" indent="0">
+              <a:buNone/>
+            </a:pPr>
+            <a:r>
+              <a:rPr lang="en-US" altLang="zh-CN"/>
+              <a:t>	resolve(1);</a:t>
+            </a:r>
+          </a:p>
+          <a:p>
+            <a:pPr marL="0" indent="0">
+              <a:buNone/>
+            </a:pPr>
+            <a:r>
+              <a:rPr lang="en-US" altLang="zh-CN"/>
+              <a:t>	Promise.resolve().then(() =&gt; console.log(2));</a:t>
+            </a:r>
+          </a:p>
+          <a:p>
+            <a:pPr marL="0" indent="0">
+              <a:buNone/>
+            </a:pPr>
+            <a:r>
+              <a:rPr lang="en-US" altLang="zh-CN"/>
+              <a:t>	console.log(4);</a:t>
+            </a:r>
+          </a:p>
+          <a:p>
+            <a:pPr marL="0" indent="0">
+              <a:buNone/>
+            </a:pPr>
+            <a:r>
+              <a:rPr lang="en-US" altLang="zh-CN"/>
+              <a:t>}).then(val =&gt; console.log(val));</a:t>
+            </a:r>
+          </a:p>
+          <a:p>
+            <a:pPr marL="0" indent="0">
+              <a:buNone/>
+            </a:pPr>
+            <a:r>
+              <a:rPr lang="en-US" altLang="zh-CN"/>
+              <a:t>console.log(3);</a:t>
+            </a:r>
+          </a:p>
+          <a:p>
+            <a:pPr marL="0" indent="0">
+              <a:buNone/>
+            </a:pPr>
+            <a:r>
+              <a:rPr lang="en-US" altLang="zh-CN"/>
+              <a:t>//4 3 2 1</a:t>
+            </a:r>
+          </a:p>
+        </p:txBody>
+      </p:sp>
+    </p:spTree>
+  </p:cSld>
+  <p:clrMapOvr>
+    <a:masterClrMapping/>
+  </p:clrMapOvr>
+</p:sld>
+</file>
+
+<file path=ppt/slides/slide16.xml><?xml version="1.0" encoding="utf-8"?>
+<p:sld xmlns:a="http://schemas.openxmlformats.org/drawingml/2006/main" xmlns:r="http://schemas.openxmlformats.org/officeDocument/2006/relationships" xmlns:p="http://schemas.openxmlformats.org/presentationml/2006/main">
+  <p:cSld>
+    <p:spTree>
+      <p:nvGrpSpPr>
+        <p:cNvPr id="1" name=""/>
+        <p:cNvGrpSpPr/>
+        <p:nvPr/>
+      </p:nvGrpSpPr>
+      <p:grpSpPr>
+        <a:xfrm>
+          <a:off x="0" y="0"/>
+          <a:ext cx="0" cy="0"/>
+          <a:chOff x="0" y="0"/>
+          <a:chExt cx="0" cy="0"/>
+        </a:xfrm>
+      </p:grpSpPr>
+      <p:sp>
+        <p:nvSpPr>
+          <p:cNvPr id="2" name="标题 1"/>
+          <p:cNvSpPr>
+            <a:spLocks noGrp="1"/>
+          </p:cNvSpPr>
+          <p:nvPr>
+            <p:ph type="title"/>
+          </p:nvPr>
+        </p:nvSpPr>
+        <p:spPr/>
+        <p:txBody>
+          <a:bodyPr/>
+          <a:lstStyle/>
           <a:p>
             <a:r>
               <a:rPr lang="en-US" altLang="zh-CN"/>
               <a:t>Key</a:t>
             </a:r>
-            <a:endParaRPr lang="en-US" altLang="zh-CN"/>
           </a:p>
         </p:txBody>
       </p:sp>
@@ -3219,6 +3857,7 @@
         <p:spPr/>
         <p:txBody>
           <a:bodyPr/>
+          <a:lstStyle/>
           <a:p>
             <a:r>
               <a:rPr lang="en-US" altLang="zh-CN"/>
@@ -3256,7 +3895,6 @@
               <a:rPr lang="en-US" altLang="zh-CN"/>
               <a:t>Job Queue					--ECMAScript-262</a:t>
             </a:r>
-            <a:endParaRPr lang="en-US" altLang="zh-CN"/>
           </a:p>
           <a:p>
             <a:endParaRPr lang="en-US" altLang="zh-CN"/>
@@ -3272,7 +3910,7 @@
           <p:nvPr/>
         </p:nvPicPr>
         <p:blipFill>
-          <a:blip r:embed="rId1"/>
+          <a:blip r:embed="rId2"/>
           <a:stretch>
             <a:fillRect/>
           </a:stretch>
@@ -3295,7 +3933,7 @@
 </p:sld>
 </file>
 
-<file path=ppt/slides/slide13.xml><?xml version="1.0" encoding="utf-8"?>
+<file path=ppt/slides/slide17.xml><?xml version="1.0" encoding="utf-8"?>
 <p:sld xmlns:a="http://schemas.openxmlformats.org/drawingml/2006/main" xmlns:r="http://schemas.openxmlformats.org/officeDocument/2006/relationships" xmlns:p="http://schemas.openxmlformats.org/presentationml/2006/main">
   <p:cSld>
     <p:spTree>
@@ -3304,7 +3942,14 @@
         <p:cNvGrpSpPr/>
         <p:nvPr/>
       </p:nvGrpSpPr>
-      <p:grpSpPr/>
+      <p:grpSpPr>
+        <a:xfrm>
+          <a:off x="0" y="0"/>
+          <a:ext cx="0" cy="0"/>
+          <a:chOff x="0" y="0"/>
+          <a:chExt cx="0" cy="0"/>
+        </a:xfrm>
+      </p:grpSpPr>
       <p:sp>
         <p:nvSpPr>
           <p:cNvPr id="2" name="标题 1"/>
@@ -3318,12 +3963,12 @@
         <p:spPr/>
         <p:txBody>
           <a:bodyPr/>
+          <a:lstStyle/>
           <a:p>
             <a:r>
               <a:rPr lang="en-US" altLang="zh-CN"/>
               <a:t>Key</a:t>
             </a:r>
-            <a:endParaRPr lang="en-US" altLang="zh-CN"/>
           </a:p>
         </p:txBody>
       </p:sp>
@@ -3336,7 +3981,7 @@
           <p:nvPr/>
         </p:nvPicPr>
         <p:blipFill>
-          <a:blip r:embed="rId1"/>
+          <a:blip r:embed="rId2"/>
           <a:stretch>
             <a:fillRect/>
           </a:stretch>
@@ -3359,7 +4004,7 @@
 </p:sld>
 </file>
 
-<file path=ppt/slides/slide14.xml><?xml version="1.0" encoding="utf-8"?>
+<file path=ppt/slides/slide18.xml><?xml version="1.0" encoding="utf-8"?>
 <p:sld xmlns:a="http://schemas.openxmlformats.org/drawingml/2006/main" xmlns:r="http://schemas.openxmlformats.org/officeDocument/2006/relationships" xmlns:p="http://schemas.openxmlformats.org/presentationml/2006/main">
   <p:cSld>
     <p:spTree>
@@ -3368,7 +4013,14 @@
         <p:cNvGrpSpPr/>
         <p:nvPr/>
       </p:nvGrpSpPr>
-      <p:grpSpPr/>
+      <p:grpSpPr>
+        <a:xfrm>
+          <a:off x="0" y="0"/>
+          <a:ext cx="0" cy="0"/>
+          <a:chOff x="0" y="0"/>
+          <a:chExt cx="0" cy="0"/>
+        </a:xfrm>
+      </p:grpSpPr>
       <p:sp>
         <p:nvSpPr>
           <p:cNvPr id="2" name="标题 1"/>
@@ -3382,12 +4034,12 @@
         <p:spPr/>
         <p:txBody>
           <a:bodyPr/>
+          <a:lstStyle/>
           <a:p>
             <a:r>
               <a:rPr lang="en-US" altLang="zh-CN"/>
               <a:t>Key</a:t>
             </a:r>
-            <a:endParaRPr lang="en-US" altLang="zh-CN"/>
           </a:p>
         </p:txBody>
       </p:sp>
@@ -3400,7 +4052,7 @@
           <p:nvPr/>
         </p:nvPicPr>
         <p:blipFill>
-          <a:blip r:embed="rId1"/>
+          <a:blip r:embed="rId2"/>
           <a:stretch>
             <a:fillRect/>
           </a:stretch>
@@ -3423,7 +4075,7 @@
 </p:sld>
 </file>
 
-<file path=ppt/slides/slide15.xml><?xml version="1.0" encoding="utf-8"?>
+<file path=ppt/slides/slide19.xml><?xml version="1.0" encoding="utf-8"?>
 <p:sld xmlns:a="http://schemas.openxmlformats.org/drawingml/2006/main" xmlns:r="http://schemas.openxmlformats.org/officeDocument/2006/relationships" xmlns:p="http://schemas.openxmlformats.org/presentationml/2006/main">
   <p:cSld>
     <p:spTree>
@@ -3432,7 +4084,14 @@
         <p:cNvGrpSpPr/>
         <p:nvPr/>
       </p:nvGrpSpPr>
-      <p:grpSpPr/>
+      <p:grpSpPr>
+        <a:xfrm>
+          <a:off x="0" y="0"/>
+          <a:ext cx="0" cy="0"/>
+          <a:chOff x="0" y="0"/>
+          <a:chExt cx="0" cy="0"/>
+        </a:xfrm>
+      </p:grpSpPr>
       <p:sp>
         <p:nvSpPr>
           <p:cNvPr id="2" name="标题 1"/>
@@ -3446,12 +4105,12 @@
         <p:spPr/>
         <p:txBody>
           <a:bodyPr/>
+          <a:lstStyle/>
           <a:p>
             <a:r>
               <a:rPr lang="en-US" altLang="zh-CN"/>
               <a:t>References</a:t>
             </a:r>
-            <a:endParaRPr lang="en-US" altLang="zh-CN"/>
           </a:p>
         </p:txBody>
       </p:sp>
@@ -3468,12 +4127,12 @@
         <p:spPr/>
         <p:txBody>
           <a:bodyPr/>
+          <a:lstStyle/>
           <a:p>
             <a:r>
               <a:rPr lang="en-US" altLang="zh-CN"/>
               <a:t>[1]. Concurrency model and Event Loop -- Wiki (https://developer.mozilla.org/en-US/docs/Web/JavaScript/EventLoop#Event_loop)</a:t>
             </a:r>
-            <a:endParaRPr lang="en-US" altLang="zh-CN"/>
           </a:p>
           <a:p>
             <a:r>
@@ -3486,9 +4145,6 @@
               </a:rPr>
               <a:t>tasks,microtasks,queues and schedules</a:t>
             </a:r>
-            <a:endParaRPr lang="en-US" altLang="zh-CN">
-              <a:sym typeface="+mn-ea"/>
-            </a:endParaRPr>
           </a:p>
           <a:p>
             <a:r>
@@ -3521,7 +4177,14 @@
         <p:cNvGrpSpPr/>
         <p:nvPr/>
       </p:nvGrpSpPr>
-      <p:grpSpPr/>
+      <p:grpSpPr>
+        <a:xfrm>
+          <a:off x="0" y="0"/>
+          <a:ext cx="0" cy="0"/>
+          <a:chOff x="0" y="0"/>
+          <a:chExt cx="0" cy="0"/>
+        </a:xfrm>
+      </p:grpSpPr>
       <p:sp>
         <p:nvSpPr>
           <p:cNvPr id="2" name="标题 1"/>
@@ -3535,12 +4198,13 @@
         <p:spPr/>
         <p:txBody>
           <a:bodyPr/>
-          <a:p>
-            <a:r>
-              <a:rPr lang="en-US" altLang="zh-CN"/>
-              <a:t>JavaScript Engines Implement</a:t>
-            </a:r>
-            <a:endParaRPr lang="en-US" altLang="zh-CN"/>
+          <a:lstStyle/>
+          <a:p>
+            <a:r>
+              <a:rPr lang="zh-CN" altLang="en-US" dirty="0" smtClean="0"/>
+              <a:t>几个概念</a:t>
+            </a:r>
+            <a:endParaRPr lang="zh-CN" altLang="en-US" dirty="0"/>
           </a:p>
         </p:txBody>
       </p:sp>
@@ -3557,44 +4221,40 @@
         <p:spPr/>
         <p:txBody>
           <a:bodyPr/>
-          <a:p>
-            <a:r>
-              <a:rPr lang="en-US" altLang="zh-CN"/>
-              <a:t>Javascript </a:t>
-            </a:r>
-            <a:r>
-              <a:rPr lang="zh-CN" altLang="en-US"/>
-              <a:t>引擎实现一个调用堆栈和内存堆</a:t>
-            </a:r>
-            <a:endParaRPr lang="zh-CN" altLang="en-US"/>
-          </a:p>
-        </p:txBody>
-      </p:sp>
-      <p:pic>
-        <p:nvPicPr>
-          <p:cNvPr id="4" name="图片 3" descr="JS_WebAPI"/>
-          <p:cNvPicPr>
-            <a:picLocks noChangeAspect="1"/>
-          </p:cNvPicPr>
-          <p:nvPr/>
-        </p:nvPicPr>
-        <p:blipFill>
-          <a:blip r:embed="rId1"/>
-          <a:stretch>
-            <a:fillRect/>
-          </a:stretch>
-        </p:blipFill>
-        <p:spPr>
-          <a:xfrm>
-            <a:off x="2785745" y="2703830"/>
-            <a:ext cx="5784850" cy="3895725"/>
-          </a:xfrm>
-          <a:prstGeom prst="rect">
-            <a:avLst/>
-          </a:prstGeom>
-        </p:spPr>
-      </p:pic>
+          <a:lstStyle/>
+          <a:p>
+            <a:r>
+              <a:rPr lang="en-US" altLang="zh-CN" dirty="0" smtClean="0"/>
+              <a:t>JS Engine</a:t>
+            </a:r>
+          </a:p>
+          <a:p>
+            <a:r>
+              <a:rPr lang="en-US" altLang="zh-CN" dirty="0" smtClean="0"/>
+              <a:t>Runtime</a:t>
+            </a:r>
+          </a:p>
+          <a:p>
+            <a:r>
+              <a:rPr lang="en-US" altLang="zh-CN" dirty="0" smtClean="0"/>
+              <a:t>Call Stack</a:t>
+            </a:r>
+          </a:p>
+          <a:p>
+            <a:r>
+              <a:rPr lang="en-US" altLang="zh-CN" dirty="0" smtClean="0"/>
+              <a:t>Event Loop</a:t>
+            </a:r>
+            <a:endParaRPr lang="zh-CN" altLang="en-US" dirty="0"/>
+          </a:p>
+        </p:txBody>
+      </p:sp>
     </p:spTree>
+    <p:extLst>
+      <p:ext uri="{BB962C8B-B14F-4D97-AF65-F5344CB8AC3E}">
+        <p14:creationId xmlns:p14="http://schemas.microsoft.com/office/powerpoint/2010/main" val="3039165526"/>
+      </p:ext>
+    </p:extLst>
   </p:cSld>
   <p:clrMapOvr>
     <a:masterClrMapping/>
@@ -3611,7 +4271,14 @@
         <p:cNvGrpSpPr/>
         <p:nvPr/>
       </p:nvGrpSpPr>
-      <p:grpSpPr/>
+      <p:grpSpPr>
+        <a:xfrm>
+          <a:off x="0" y="0"/>
+          <a:ext cx="0" cy="0"/>
+          <a:chOff x="0" y="0"/>
+          <a:chExt cx="0" cy="0"/>
+        </a:xfrm>
+      </p:grpSpPr>
       <p:sp>
         <p:nvSpPr>
           <p:cNvPr id="2" name="标题 1"/>
@@ -3625,34 +4292,147 @@
         <p:spPr/>
         <p:txBody>
           <a:bodyPr/>
-          <a:p>
-            <a:r>
-              <a:rPr lang="en-US" altLang="zh-CN"/>
-              <a:t>Understanding</a:t>
-            </a:r>
-            <a:endParaRPr lang="en-US" altLang="zh-CN"/>
-          </a:p>
-        </p:txBody>
-      </p:sp>
-      <p:sp>
-        <p:nvSpPr>
-          <p:cNvPr id="3" name="内容占位符 2"/>
-          <p:cNvSpPr>
-            <a:spLocks noGrp="1"/>
-          </p:cNvSpPr>
-          <p:nvPr>
-            <p:ph idx="1"/>
-          </p:nvPr>
-        </p:nvSpPr>
-        <p:spPr/>
-        <p:txBody>
-          <a:bodyPr/>
-          <a:p>
-            <a:endParaRPr lang="zh-CN" altLang="en-US"/>
+          <a:lstStyle/>
+          <a:p>
+            <a:r>
+              <a:rPr lang="en-US" altLang="zh-CN" dirty="0" err="1" smtClean="0"/>
+              <a:t>Javascript</a:t>
+            </a:r>
+            <a:r>
+              <a:rPr lang="en-US" altLang="zh-CN" dirty="0" smtClean="0"/>
+              <a:t> </a:t>
+            </a:r>
+            <a:r>
+              <a:rPr lang="zh-CN" altLang="en-US" dirty="0" smtClean="0"/>
+              <a:t>引擎</a:t>
+            </a:r>
+            <a:endParaRPr lang="zh-CN" altLang="en-US" dirty="0"/>
+          </a:p>
+        </p:txBody>
+      </p:sp>
+      <p:pic>
+        <p:nvPicPr>
+          <p:cNvPr id="1026" name="Picture 2" descr="https://cdn-images-1.medium.com/max/1600/1*OnH_DlbNAPvB9KLxUCyMsA.png"/>
+          <p:cNvPicPr>
+            <a:picLocks noChangeAspect="1" noChangeArrowheads="1"/>
+          </p:cNvPicPr>
+          <p:nvPr/>
+        </p:nvPicPr>
+        <p:blipFill>
+          <a:blip r:embed="rId2">
+            <a:extLst>
+              <a:ext uri="{28A0092B-C50C-407E-A947-70E740481C1C}">
+                <a14:useLocalDpi xmlns:a14="http://schemas.microsoft.com/office/drawing/2010/main" val="0"/>
+              </a:ext>
+            </a:extLst>
+          </a:blip>
+          <a:srcRect/>
+          <a:stretch>
+            <a:fillRect/>
+          </a:stretch>
+        </p:blipFill>
+        <p:spPr bwMode="auto">
+          <a:xfrm>
+            <a:off x="0" y="1690688"/>
+            <a:ext cx="5885197" cy="4413898"/>
+          </a:xfrm>
+          <a:prstGeom prst="rect">
+            <a:avLst/>
+          </a:prstGeom>
+          <a:noFill/>
+          <a:extLst>
+            <a:ext uri="{909E8E84-426E-40DD-AFC4-6F175D3DCCD1}">
+              <a14:hiddenFill xmlns:a14="http://schemas.microsoft.com/office/drawing/2010/main">
+                <a:solidFill>
+                  <a:srgbClr val="FFFFFF"/>
+                </a:solidFill>
+              </a14:hiddenFill>
+            </a:ext>
+          </a:extLst>
+        </p:spPr>
+      </p:pic>
+      <p:sp>
+        <p:nvSpPr>
+          <p:cNvPr id="5" name="文本框 4"/>
+          <p:cNvSpPr txBox="1"/>
+          <p:nvPr/>
+        </p:nvSpPr>
+        <p:spPr>
+          <a:xfrm>
+            <a:off x="5808700" y="2273844"/>
+            <a:ext cx="4134118" cy="461665"/>
+          </a:xfrm>
+          <a:prstGeom prst="rect">
+            <a:avLst/>
+          </a:prstGeom>
+          <a:noFill/>
+        </p:spPr>
+        <p:txBody>
+          <a:bodyPr wrap="square" rtlCol="0">
+            <a:spAutoFit/>
+          </a:bodyPr>
+          <a:lstStyle/>
+          <a:p>
+            <a:r>
+              <a:rPr lang="zh-CN" altLang="en-US" sz="2400" dirty="0" smtClean="0"/>
+              <a:t>内存堆</a:t>
+            </a:r>
+            <a:r>
+              <a:rPr lang="en-US" altLang="zh-CN" sz="2400" dirty="0" smtClean="0"/>
+              <a:t>: </a:t>
+            </a:r>
+            <a:r>
+              <a:rPr lang="zh-CN" altLang="en-US" sz="2400" dirty="0" smtClean="0"/>
+              <a:t>发生内存分配的地方</a:t>
+            </a:r>
+            <a:endParaRPr lang="zh-CN" altLang="en-US" sz="2400" dirty="0"/>
+          </a:p>
+        </p:txBody>
+      </p:sp>
+      <p:sp>
+        <p:nvSpPr>
+          <p:cNvPr id="6" name="文本框 5"/>
+          <p:cNvSpPr txBox="1"/>
+          <p:nvPr/>
+        </p:nvSpPr>
+        <p:spPr>
+          <a:xfrm>
+            <a:off x="5808700" y="4189215"/>
+            <a:ext cx="5498621" cy="461665"/>
+          </a:xfrm>
+          <a:prstGeom prst="rect">
+            <a:avLst/>
+          </a:prstGeom>
+          <a:noFill/>
+        </p:spPr>
+        <p:txBody>
+          <a:bodyPr wrap="none" rtlCol="0">
+            <a:spAutoFit/>
+          </a:bodyPr>
+          <a:lstStyle/>
+          <a:p>
+            <a:r>
+              <a:rPr lang="zh-CN" altLang="en-US" sz="2400" dirty="0" smtClean="0"/>
+              <a:t>调用栈</a:t>
+            </a:r>
+            <a:r>
+              <a:rPr lang="en-US" altLang="zh-CN" sz="2400" dirty="0" smtClean="0"/>
+              <a:t>:</a:t>
+            </a:r>
+            <a:r>
+              <a:rPr lang="zh-CN" altLang="en-US" sz="2400" dirty="0" smtClean="0"/>
+              <a:t>代码执行时函数栈帧存储的地方</a:t>
+            </a:r>
+            <a:endParaRPr lang="zh-CN" altLang="en-US" sz="2400" dirty="0"/>
           </a:p>
         </p:txBody>
       </p:sp>
     </p:spTree>
+    <p:extLst>
+      <p:ext uri="{BB962C8B-B14F-4D97-AF65-F5344CB8AC3E}">
+        <p14:creationId xmlns:p14="http://schemas.microsoft.com/office/powerpoint/2010/main" val="1857954743"/>
+      </p:ext>
+    </p:extLst>
   </p:cSld>
   <p:clrMapOvr>
     <a:masterClrMapping/>
@@ -3669,7 +4449,14 @@
         <p:cNvGrpSpPr/>
         <p:nvPr/>
       </p:nvGrpSpPr>
-      <p:grpSpPr/>
+      <p:grpSpPr>
+        <a:xfrm>
+          <a:off x="0" y="0"/>
+          <a:ext cx="0" cy="0"/>
+          <a:chOff x="0" y="0"/>
+          <a:chExt cx="0" cy="0"/>
+        </a:xfrm>
+      </p:grpSpPr>
       <p:sp>
         <p:nvSpPr>
           <p:cNvPr id="2" name="标题 1"/>
@@ -3683,143 +4470,96 @@
         <p:spPr/>
         <p:txBody>
           <a:bodyPr/>
-          <a:p>
-            <a:r>
-              <a:rPr lang="en-US" altLang="zh-CN"/>
-              <a:t>Event Loop</a:t>
-            </a:r>
-            <a:endParaRPr lang="en-US" altLang="zh-CN"/>
-          </a:p>
-        </p:txBody>
-      </p:sp>
-      <p:sp>
-        <p:nvSpPr>
-          <p:cNvPr id="3" name="内容占位符 2"/>
-          <p:cNvSpPr>
-            <a:spLocks noGrp="1"/>
-          </p:cNvSpPr>
-          <p:nvPr>
-            <p:ph idx="1"/>
-          </p:nvPr>
-        </p:nvSpPr>
-        <p:spPr/>
-        <p:txBody>
-          <a:bodyPr>
-            <a:normAutofit lnSpcReduction="10000"/>
+          <a:lstStyle/>
+          <a:p>
+            <a:r>
+              <a:rPr lang="zh-CN" altLang="en-US" dirty="0" smtClean="0"/>
+              <a:t>运行时的情况</a:t>
+            </a:r>
+            <a:endParaRPr lang="en-US" altLang="zh-CN" dirty="0"/>
+          </a:p>
+        </p:txBody>
+      </p:sp>
+      <p:pic>
+        <p:nvPicPr>
+          <p:cNvPr id="2050" name="Picture 2" descr="https://cdn-images-1.medium.com/max/1600/1*4lHHyfEhVB0LnQ3HlhSs8g.png"/>
+          <p:cNvPicPr>
+            <a:picLocks noChangeAspect="1" noChangeArrowheads="1"/>
+          </p:cNvPicPr>
+          <p:nvPr/>
+        </p:nvPicPr>
+        <p:blipFill>
+          <a:blip r:embed="rId2">
+            <a:extLst>
+              <a:ext uri="{28A0092B-C50C-407E-A947-70E740481C1C}">
+                <a14:useLocalDpi xmlns:a14="http://schemas.microsoft.com/office/drawing/2010/main" val="0"/>
+              </a:ext>
+            </a:extLst>
+          </a:blip>
+          <a:srcRect/>
+          <a:stretch>
+            <a:fillRect/>
+          </a:stretch>
+        </p:blipFill>
+        <p:spPr bwMode="auto">
+          <a:xfrm>
+            <a:off x="709367" y="1270413"/>
+            <a:ext cx="7029406" cy="5272055"/>
+          </a:xfrm>
+          <a:prstGeom prst="rect">
+            <a:avLst/>
+          </a:prstGeom>
+          <a:noFill/>
+          <a:extLst>
+            <a:ext uri="{909E8E84-426E-40DD-AFC4-6F175D3DCCD1}">
+              <a14:hiddenFill xmlns:a14="http://schemas.microsoft.com/office/drawing/2010/main">
+                <a:solidFill>
+                  <a:srgbClr val="FFFFFF"/>
+                </a:solidFill>
+              </a14:hiddenFill>
+            </a:ext>
+          </a:extLst>
+        </p:spPr>
+      </p:pic>
+      <p:sp>
+        <p:nvSpPr>
+          <p:cNvPr id="6" name="文本框 5"/>
+          <p:cNvSpPr txBox="1"/>
+          <p:nvPr/>
+        </p:nvSpPr>
+        <p:spPr>
+          <a:xfrm>
+            <a:off x="8511507" y="3251179"/>
+            <a:ext cx="1830230" cy="1604155"/>
+          </a:xfrm>
+          <a:prstGeom prst="rect">
+            <a:avLst/>
+          </a:prstGeom>
+          <a:noFill/>
+        </p:spPr>
+        <p:txBody>
+          <a:bodyPr wrap="square" rtlCol="0">
+            <a:spAutoFit/>
           </a:bodyPr>
-          <a:p>
-            <a:r>
-              <a:rPr lang="en-US" altLang="zh-CN"/>
-              <a:t>“</a:t>
-            </a:r>
-            <a:r>
-              <a:rPr lang="zh-CN" altLang="en-US"/>
-              <a:t>事件循环</a:t>
-            </a:r>
-            <a:r>
-              <a:rPr lang="en-US" altLang="zh-CN"/>
-              <a:t>”</a:t>
-            </a:r>
-            <a:r>
-              <a:rPr lang="zh-CN" altLang="en-US"/>
-              <a:t>这个名字来源于它往往这样来实现：</a:t>
-            </a:r>
-            <a:endParaRPr lang="zh-CN" altLang="en-US"/>
-          </a:p>
-          <a:p>
-            <a:pPr marL="0" indent="0">
-              <a:buNone/>
-            </a:pPr>
-            <a:r>
-              <a:rPr lang="zh-CN" altLang="en-US"/>
-              <a:t>   </a:t>
-            </a:r>
-            <a:r>
-              <a:rPr lang="en-US" altLang="zh-CN"/>
-              <a:t>while (queue.waitForMessage()) {</a:t>
-            </a:r>
-            <a:br>
-              <a:rPr lang="en-US" altLang="zh-CN"/>
-            </a:br>
-            <a:r>
-              <a:rPr lang="en-US" altLang="zh-CN"/>
-              <a:t>	queue.processNextMessage();</a:t>
-            </a:r>
-            <a:endParaRPr lang="en-US" altLang="zh-CN"/>
-          </a:p>
-          <a:p>
-            <a:pPr marL="0" indent="0">
-              <a:buNone/>
-            </a:pPr>
-            <a:r>
-              <a:rPr lang="en-US" altLang="zh-CN"/>
-              <a:t>   }</a:t>
-            </a:r>
-            <a:endParaRPr lang="en-US" altLang="zh-CN"/>
-          </a:p>
-          <a:p>
-            <a:pPr marL="0" indent="0">
-              <a:buNone/>
-            </a:pPr>
-            <a:r>
-              <a:rPr lang="en-US" altLang="zh-CN"/>
-              <a:t>    </a:t>
-            </a:r>
-            <a:r>
-              <a:rPr lang="zh-CN" altLang="en-US"/>
-              <a:t>如果当前没有</a:t>
-            </a:r>
-            <a:r>
-              <a:rPr lang="en-US" altLang="zh-CN"/>
-              <a:t>message, queue.waitForMessage()</a:t>
-            </a:r>
-            <a:r>
-              <a:rPr lang="zh-CN" altLang="en-US"/>
-              <a:t>这个方法会同步地一直等待</a:t>
-            </a:r>
-            <a:endParaRPr lang="zh-CN" altLang="en-US"/>
-          </a:p>
-          <a:p>
-            <a:pPr marL="0" indent="0">
-              <a:buNone/>
-            </a:pPr>
-            <a:r>
-              <a:rPr lang="zh-CN" altLang="en-US"/>
-              <a:t>     这个模型的优势在于它必须处理完一个消息</a:t>
-            </a:r>
-            <a:r>
-              <a:rPr lang="en-US" altLang="zh-CN"/>
-              <a:t>(run to completion),</a:t>
-            </a:r>
-            <a:r>
-              <a:rPr lang="zh-CN" altLang="en-US"/>
-              <a:t>才会处理下一个消息</a:t>
-            </a:r>
-            <a:r>
-              <a:rPr lang="en-US" altLang="zh-CN"/>
-              <a:t>,</a:t>
-            </a:r>
-            <a:r>
-              <a:rPr lang="zh-CN" altLang="en-US"/>
-              <a:t>使程序可追溯性更强。不像</a:t>
-            </a:r>
-            <a:r>
-              <a:rPr lang="en-US" altLang="zh-CN"/>
-              <a:t>C</a:t>
-            </a:r>
-            <a:r>
-              <a:rPr lang="zh-CN" altLang="en-US"/>
-              <a:t>语言可能随时从一个线程切换到另一个线程。但是缺点也在于此</a:t>
-            </a:r>
-            <a:r>
-              <a:rPr lang="en-US" altLang="zh-CN"/>
-              <a:t>,</a:t>
-            </a:r>
-            <a:r>
-              <a:rPr lang="zh-CN" altLang="en-US"/>
-              <a:t>若同步代码阻塞则会影响用户交互</a:t>
-            </a:r>
-            <a:endParaRPr lang="zh-CN" altLang="en-US"/>
+          <a:lstStyle/>
+          <a:p>
+            <a:r>
+              <a:rPr lang="zh-CN" altLang="en-US" sz="2400" dirty="0" smtClean="0">
+                <a:solidFill>
+                  <a:schemeClr val="accent1">
+                    <a:lumMod val="50000"/>
+                  </a:schemeClr>
+                </a:solidFill>
+              </a:rPr>
+              <a:t>事件循环和回调队列的概念就由此而来</a:t>
+            </a:r>
+            <a:endParaRPr lang="zh-CN" altLang="en-US" sz="2400" dirty="0">
+              <a:solidFill>
+                <a:schemeClr val="accent1">
+                  <a:lumMod val="50000"/>
+                </a:schemeClr>
+              </a:solidFill>
+            </a:endParaRPr>
           </a:p>
         </p:txBody>
       </p:sp>
@@ -3840,7 +4580,14 @@
         <p:cNvGrpSpPr/>
         <p:nvPr/>
       </p:nvGrpSpPr>
-      <p:grpSpPr/>
+      <p:grpSpPr>
+        <a:xfrm>
+          <a:off x="0" y="0"/>
+          <a:ext cx="0" cy="0"/>
+          <a:chOff x="0" y="0"/>
+          <a:chExt cx="0" cy="0"/>
+        </a:xfrm>
+      </p:grpSpPr>
       <p:sp>
         <p:nvSpPr>
           <p:cNvPr id="2" name="标题 1"/>
@@ -3854,49 +4601,85 @@
         <p:spPr/>
         <p:txBody>
           <a:bodyPr/>
-          <a:p>
-            <a:r>
-              <a:rPr lang="en-US" altLang="zh-CN"/>
-              <a:t>Event Loop</a:t>
-            </a:r>
-            <a:endParaRPr lang="en-US" altLang="zh-CN"/>
-          </a:p>
-        </p:txBody>
-      </p:sp>
-      <p:sp>
-        <p:nvSpPr>
-          <p:cNvPr id="3" name="内容占位符 2"/>
-          <p:cNvSpPr>
-            <a:spLocks noGrp="1"/>
-          </p:cNvSpPr>
+          <a:lstStyle/>
+          <a:p>
+            <a:r>
+              <a:rPr lang="en-US" altLang="zh-CN" dirty="0"/>
+              <a:t>Call </a:t>
+            </a:r>
+            <a:r>
+              <a:rPr lang="en-US" altLang="zh-CN" dirty="0" smtClean="0"/>
+              <a:t>Stack</a:t>
+            </a:r>
+            <a:r>
+              <a:rPr lang="zh-CN" altLang="en-US" dirty="0" smtClean="0"/>
+              <a:t>：记录程序运行到哪</a:t>
+            </a:r>
+            <a:endParaRPr lang="en-US" altLang="zh-CN" dirty="0"/>
+          </a:p>
+        </p:txBody>
+      </p:sp>
+      <p:pic>
+        <p:nvPicPr>
+          <p:cNvPr id="6" name="内容占位符 5" descr="1-E3zTWtEOiDWw7d0n7Vp-mA"/>
+          <p:cNvPicPr>
+            <a:picLocks noGrp="1" noChangeAspect="1"/>
+          </p:cNvPicPr>
           <p:nvPr>
             <p:ph idx="1"/>
           </p:nvPr>
-        </p:nvSpPr>
-        <p:spPr/>
-        <p:txBody>
-          <a:bodyPr/>
-          <a:p>
-            <a:r>
-              <a:rPr lang="en-US"/>
-              <a:t>Event Loop Model</a:t>
-            </a:r>
-            <a:r>
-              <a:rPr lang="zh-CN" altLang="en-US"/>
-              <a:t> </a:t>
-            </a:r>
-            <a:r>
-              <a:rPr lang="en-US" altLang="zh-CN"/>
-              <a:t>never blocking</a:t>
-            </a:r>
-            <a:endParaRPr lang="en-US" altLang="zh-CN"/>
-          </a:p>
-          <a:p>
-            <a:r>
-              <a:rPr lang="en-US" altLang="zh-CN"/>
-              <a:t>Javascript, unlike a lot of other languages, never blocks. Handling I/O is typically performed via events and callbacks, so when the application is waiting for an IndexedDB query to return or an XHR request to return, it can still process oter things like user input</a:t>
-            </a:r>
-            <a:endParaRPr lang="en-US" altLang="zh-CN"/>
+        </p:nvPicPr>
+        <p:blipFill>
+          <a:blip r:embed="rId2"/>
+          <a:stretch>
+            <a:fillRect/>
+          </a:stretch>
+        </p:blipFill>
+        <p:spPr>
+          <a:xfrm>
+            <a:off x="838200" y="1828800"/>
+            <a:ext cx="7483243" cy="4352742"/>
+          </a:xfrm>
+          <a:prstGeom prst="rect">
+            <a:avLst/>
+          </a:prstGeom>
+        </p:spPr>
+      </p:pic>
+      <p:sp>
+        <p:nvSpPr>
+          <p:cNvPr id="3" name="文本框 2"/>
+          <p:cNvSpPr txBox="1"/>
+          <p:nvPr/>
+        </p:nvSpPr>
+        <p:spPr>
+          <a:xfrm>
+            <a:off x="8873544" y="2086376"/>
+            <a:ext cx="2480256" cy="2677656"/>
+          </a:xfrm>
+          <a:prstGeom prst="rect">
+            <a:avLst/>
+          </a:prstGeom>
+          <a:noFill/>
+        </p:spPr>
+        <p:txBody>
+          <a:bodyPr wrap="square" rtlCol="0">
+            <a:spAutoFit/>
+          </a:bodyPr>
+          <a:lstStyle/>
+          <a:p>
+            <a:r>
+              <a:rPr lang="zh-CN" altLang="en-US" sz="2800" dirty="0" smtClean="0"/>
+              <a:t>栈帧</a:t>
+            </a:r>
+            <a:r>
+              <a:rPr lang="en-US" altLang="zh-CN" sz="2800" dirty="0" smtClean="0"/>
+              <a:t>:</a:t>
+            </a:r>
+            <a:r>
+              <a:rPr lang="zh-CN" altLang="en-US" sz="2800" dirty="0" smtClean="0"/>
+              <a:t>调用栈中的每个实体被称为栈帧，用于保存调用位置和内部变量等信息</a:t>
+            </a:r>
+            <a:endParaRPr lang="zh-CN" altLang="en-US" sz="2800" dirty="0"/>
           </a:p>
         </p:txBody>
       </p:sp>
@@ -3917,7 +4700,14 @@
         <p:cNvGrpSpPr/>
         <p:nvPr/>
       </p:nvGrpSpPr>
-      <p:grpSpPr/>
+      <p:grpSpPr>
+        <a:xfrm>
+          <a:off x="0" y="0"/>
+          <a:ext cx="0" cy="0"/>
+          <a:chOff x="0" y="0"/>
+          <a:chExt cx="0" cy="0"/>
+        </a:xfrm>
+      </p:grpSpPr>
       <p:sp>
         <p:nvSpPr>
           <p:cNvPr id="2" name="标题 1"/>
@@ -3931,41 +4721,142 @@
         <p:spPr/>
         <p:txBody>
           <a:bodyPr/>
+          <a:lstStyle/>
           <a:p>
             <a:r>
               <a:rPr lang="en-US" altLang="zh-CN"/>
-              <a:t>Call Stack</a:t>
-            </a:r>
-            <a:endParaRPr lang="en-US" altLang="zh-CN"/>
-          </a:p>
-        </p:txBody>
-      </p:sp>
-      <p:pic>
-        <p:nvPicPr>
-          <p:cNvPr id="6" name="内容占位符 5" descr="1-E3zTWtEOiDWw7d0n7Vp-mA"/>
-          <p:cNvPicPr>
-            <a:picLocks noChangeAspect="1"/>
-          </p:cNvPicPr>
+              <a:t>Event Loop</a:t>
+            </a:r>
+          </a:p>
+        </p:txBody>
+      </p:sp>
+      <p:sp>
+        <p:nvSpPr>
+          <p:cNvPr id="3" name="内容占位符 2"/>
+          <p:cNvSpPr>
+            <a:spLocks noGrp="1"/>
+          </p:cNvSpPr>
           <p:nvPr>
             <p:ph idx="1"/>
           </p:nvPr>
-        </p:nvPicPr>
-        <p:blipFill>
-          <a:blip r:embed="rId1"/>
-          <a:stretch>
-            <a:fillRect/>
-          </a:stretch>
-        </p:blipFill>
-        <p:spPr>
-          <a:xfrm>
-            <a:off x="2812415" y="1691005"/>
-            <a:ext cx="6566535" cy="3819525"/>
-          </a:xfrm>
-          <a:prstGeom prst="rect">
-            <a:avLst/>
-          </a:prstGeom>
-        </p:spPr>
-      </p:pic>
+        </p:nvSpPr>
+        <p:spPr/>
+        <p:txBody>
+          <a:bodyPr>
+            <a:normAutofit lnSpcReduction="10000"/>
+          </a:bodyPr>
+          <a:lstStyle/>
+          <a:p>
+            <a:r>
+              <a:rPr lang="en-US" altLang="zh-CN"/>
+              <a:t>“</a:t>
+            </a:r>
+            <a:r>
+              <a:rPr lang="zh-CN" altLang="en-US"/>
+              <a:t>事件循环</a:t>
+            </a:r>
+            <a:r>
+              <a:rPr lang="en-US" altLang="zh-CN"/>
+              <a:t>”</a:t>
+            </a:r>
+            <a:r>
+              <a:rPr lang="zh-CN" altLang="en-US"/>
+              <a:t>这个名字来源于它往往这样来实现：</a:t>
+            </a:r>
+          </a:p>
+          <a:p>
+            <a:pPr marL="0" indent="0">
+              <a:buNone/>
+            </a:pPr>
+            <a:r>
+              <a:rPr lang="zh-CN" altLang="en-US"/>
+              <a:t>   </a:t>
+            </a:r>
+            <a:r>
+              <a:rPr lang="en-US" altLang="zh-CN"/>
+              <a:t>while (queue.waitForMessage()) {</a:t>
+            </a:r>
+            <a:br>
+              <a:rPr lang="en-US" altLang="zh-CN"/>
+            </a:br>
+            <a:r>
+              <a:rPr lang="en-US" altLang="zh-CN"/>
+              <a:t>	queue.processNextMessage();</a:t>
+            </a:r>
+          </a:p>
+          <a:p>
+            <a:pPr marL="0" indent="0">
+              <a:buNone/>
+            </a:pPr>
+            <a:r>
+              <a:rPr lang="en-US" altLang="zh-CN"/>
+              <a:t>   }</a:t>
+            </a:r>
+          </a:p>
+          <a:p>
+            <a:pPr marL="0" indent="0">
+              <a:buNone/>
+            </a:pPr>
+            <a:r>
+              <a:rPr lang="en-US" altLang="zh-CN"/>
+              <a:t>    </a:t>
+            </a:r>
+            <a:r>
+              <a:rPr lang="zh-CN" altLang="en-US"/>
+              <a:t>如果当前没有</a:t>
+            </a:r>
+            <a:r>
+              <a:rPr lang="en-US" altLang="zh-CN"/>
+              <a:t>message, queue.waitForMessage()</a:t>
+            </a:r>
+            <a:r>
+              <a:rPr lang="zh-CN" altLang="en-US"/>
+              <a:t>这个方法会同步地一直等待</a:t>
+            </a:r>
+          </a:p>
+          <a:p>
+            <a:pPr marL="0" indent="0">
+              <a:buNone/>
+            </a:pPr>
+            <a:r>
+              <a:rPr lang="zh-CN" altLang="en-US"/>
+              <a:t>     这个模型的优势在于它必须处理完一个消息</a:t>
+            </a:r>
+            <a:r>
+              <a:rPr lang="en-US" altLang="zh-CN"/>
+              <a:t>(run to completion),</a:t>
+            </a:r>
+            <a:r>
+              <a:rPr lang="zh-CN" altLang="en-US"/>
+              <a:t>才会处理下一个消息</a:t>
+            </a:r>
+            <a:r>
+              <a:rPr lang="en-US" altLang="zh-CN"/>
+              <a:t>,</a:t>
+            </a:r>
+            <a:r>
+              <a:rPr lang="zh-CN" altLang="en-US"/>
+              <a:t>使程序可追溯性更强。不像</a:t>
+            </a:r>
+            <a:r>
+              <a:rPr lang="en-US" altLang="zh-CN"/>
+              <a:t>C</a:t>
+            </a:r>
+            <a:r>
+              <a:rPr lang="zh-CN" altLang="en-US"/>
+              <a:t>语言可能随时从一个线程切换到另一个线程。但是缺点也在于此</a:t>
+            </a:r>
+            <a:r>
+              <a:rPr lang="en-US" altLang="zh-CN"/>
+              <a:t>,</a:t>
+            </a:r>
+            <a:r>
+              <a:rPr lang="zh-CN" altLang="en-US"/>
+              <a:t>若同步代码阻塞则会影响用户交互</a:t>
+            </a:r>
+          </a:p>
+        </p:txBody>
+      </p:sp>
     </p:spTree>
   </p:cSld>
   <p:clrMapOvr>
@@ -3983,7 +4874,14 @@
         <p:cNvGrpSpPr/>
         <p:nvPr/>
       </p:nvGrpSpPr>
-      <p:grpSpPr/>
+      <p:grpSpPr>
+        <a:xfrm>
+          <a:off x="0" y="0"/>
+          <a:ext cx="0" cy="0"/>
+          <a:chOff x="0" y="0"/>
+          <a:chExt cx="0" cy="0"/>
+        </a:xfrm>
+      </p:grpSpPr>
       <p:sp>
         <p:nvSpPr>
           <p:cNvPr id="2" name="标题 1"/>
@@ -3997,12 +4895,13 @@
         <p:spPr/>
         <p:txBody>
           <a:bodyPr/>
-          <a:p>
-            <a:r>
-              <a:rPr lang="en-US" altLang="zh-CN"/>
-              <a:t>Dissecting the Event Loop</a:t>
-            </a:r>
-            <a:endParaRPr lang="en-US" altLang="zh-CN"/>
+          <a:lstStyle/>
+          <a:p>
+            <a:r>
+              <a:rPr lang="zh-CN" altLang="en-US" dirty="0" smtClean="0"/>
+              <a:t>详解</a:t>
+            </a:r>
+            <a:endParaRPr lang="zh-CN" altLang="en-US" dirty="0"/>
           </a:p>
         </p:txBody>
       </p:sp>
@@ -4019,36 +4918,34 @@
         <p:spPr/>
         <p:txBody>
           <a:bodyPr/>
-          <a:p>
-            <a:r>
-              <a:rPr lang="en-US" altLang="zh-CN"/>
-              <a:t>Until ES6, Javascript itself has actually never had any direct notion of asynchrony built into it</a:t>
-            </a:r>
-            <a:endParaRPr lang="en-US" altLang="zh-CN"/>
-          </a:p>
-          <a:p>
-            <a:r>
-              <a:rPr lang="en-US" altLang="zh-CN"/>
-              <a:t>WebAPIs, in essence, they are threads that you can't access, you can just make calls to them. They are the pieces of the browser in which concurrency kicks in. In Node.js, these are the C++ APIs</a:t>
-            </a:r>
-            <a:endParaRPr lang="en-US" altLang="zh-CN"/>
-          </a:p>
-          <a:p>
-            <a:endParaRPr lang="en-US" altLang="zh-CN"/>
-          </a:p>
-          <a:p>
-            <a:r>
-              <a:rPr lang="en-US" altLang="zh-CN"/>
-              <a:t>After all, the event loop has one simple job--to monitor the Call Stack and the Callback Queue. If the Call Stack is empty, it will take the first event from the queue and will push it to the Call Stack, which effectively runs it.</a:t>
-            </a:r>
-            <a:endParaRPr lang="en-US" altLang="zh-CN"/>
-          </a:p>
-          <a:p>
-            <a:endParaRPr lang="en-US" altLang="zh-CN"/>
+          <a:lstStyle/>
+          <a:p>
+            <a:r>
+              <a:rPr lang="en-US" altLang="zh-CN" dirty="0" smtClean="0"/>
+              <a:t>JS Engine</a:t>
+            </a:r>
+          </a:p>
+          <a:p>
+            <a:endParaRPr lang="en-US" altLang="zh-CN" dirty="0"/>
+          </a:p>
+          <a:p>
+            <a:endParaRPr lang="en-US" altLang="zh-CN" dirty="0" smtClean="0"/>
+          </a:p>
+          <a:p>
+            <a:r>
+              <a:rPr lang="en-US" altLang="zh-CN" dirty="0" smtClean="0"/>
+              <a:t>Event Loop</a:t>
+            </a:r>
+            <a:endParaRPr lang="zh-CN" altLang="en-US" dirty="0"/>
           </a:p>
         </p:txBody>
       </p:sp>
     </p:spTree>
+    <p:extLst>
+      <p:ext uri="{BB962C8B-B14F-4D97-AF65-F5344CB8AC3E}">
+        <p14:creationId xmlns:p14="http://schemas.microsoft.com/office/powerpoint/2010/main" val="3322039454"/>
+      </p:ext>
+    </p:extLst>
   </p:cSld>
   <p:clrMapOvr>
     <a:masterClrMapping/>
@@ -4065,7 +4962,14 @@
         <p:cNvGrpSpPr/>
         <p:nvPr/>
       </p:nvGrpSpPr>
-      <p:grpSpPr/>
+      <p:grpSpPr>
+        <a:xfrm>
+          <a:off x="0" y="0"/>
+          <a:ext cx="0" cy="0"/>
+          <a:chOff x="0" y="0"/>
+          <a:chExt cx="0" cy="0"/>
+        </a:xfrm>
+      </p:grpSpPr>
       <p:sp>
         <p:nvSpPr>
           <p:cNvPr id="2" name="标题 1"/>
@@ -4079,12 +4983,17 @@
         <p:spPr/>
         <p:txBody>
           <a:bodyPr/>
-          <a:p>
-            <a:r>
-              <a:rPr lang="en-US" altLang="zh-CN"/>
-              <a:t>Tick</a:t>
-            </a:r>
-            <a:endParaRPr lang="en-US" altLang="zh-CN"/>
+          <a:lstStyle/>
+          <a:p>
+            <a:r>
+              <a:rPr lang="en-US" altLang="zh-CN" dirty="0" err="1" smtClean="0"/>
+              <a:t>Javascript</a:t>
+            </a:r>
+            <a:r>
+              <a:rPr lang="en-US" altLang="zh-CN" dirty="0" smtClean="0"/>
+              <a:t> Engine</a:t>
+            </a:r>
+            <a:endParaRPr lang="en-US" altLang="zh-CN" dirty="0"/>
           </a:p>
         </p:txBody>
       </p:sp>
@@ -4098,11 +5007,231 @@
             <p:ph idx="1"/>
           </p:nvPr>
         </p:nvSpPr>
-        <p:spPr/>
-        <p:txBody>
-          <a:bodyPr/>
-          <a:p>
-            <a:endParaRPr lang="zh-CN" altLang="en-US"/>
+        <p:spPr>
+          <a:xfrm>
+            <a:off x="838200" y="1455314"/>
+            <a:ext cx="10515600" cy="4721650"/>
+          </a:xfrm>
+        </p:spPr>
+        <p:txBody>
+          <a:bodyPr>
+            <a:normAutofit/>
+          </a:bodyPr>
+          <a:lstStyle/>
+          <a:p>
+            <a:r>
+              <a:rPr lang="en-US" altLang="zh-CN" dirty="0" smtClean="0"/>
+              <a:t>JS</a:t>
+            </a:r>
+            <a:r>
+              <a:rPr lang="zh-CN" altLang="en-US" dirty="0" smtClean="0"/>
+              <a:t>引擎现在有两种实现方式：</a:t>
+            </a:r>
+            <a:r>
+              <a:rPr lang="zh-CN" altLang="en-US" dirty="0" smtClean="0"/>
+              <a:t>标准的</a:t>
+            </a:r>
+            <a:r>
+              <a:rPr lang="en-US" altLang="zh-CN" dirty="0" smtClean="0"/>
+              <a:t>JS</a:t>
+            </a:r>
+            <a:r>
+              <a:rPr lang="zh-CN" altLang="en-US" dirty="0" smtClean="0"/>
+              <a:t>解释执行器或</a:t>
+            </a:r>
+            <a:r>
+              <a:rPr lang="en-US" altLang="zh-CN" dirty="0" smtClean="0"/>
+              <a:t>JIT Compiler</a:t>
+            </a:r>
+          </a:p>
+          <a:p>
+            <a:r>
+              <a:rPr lang="en-US" altLang="zh-CN" dirty="0" smtClean="0"/>
+              <a:t>JS</a:t>
+            </a:r>
+            <a:r>
+              <a:rPr lang="zh-CN" altLang="en-US" dirty="0" smtClean="0"/>
+              <a:t>引擎有很多</a:t>
+            </a:r>
+            <a:r>
+              <a:rPr lang="en-US" altLang="zh-CN" dirty="0" smtClean="0"/>
+              <a:t>(V8, Rhine, </a:t>
+            </a:r>
+            <a:r>
+              <a:rPr lang="en-US" altLang="zh-CN" dirty="0" err="1" smtClean="0"/>
+              <a:t>SpiderMonkey,KJS</a:t>
+            </a:r>
+            <a:r>
+              <a:rPr lang="en-US" altLang="zh-CN" dirty="0" smtClean="0"/>
+              <a:t>…)</a:t>
+            </a:r>
+          </a:p>
+          <a:p>
+            <a:r>
+              <a:rPr lang="zh-CN" altLang="en-US" dirty="0" smtClean="0"/>
+              <a:t>为</a:t>
+            </a:r>
+            <a:r>
+              <a:rPr lang="zh-CN" altLang="en-US" dirty="0" smtClean="0"/>
+              <a:t>什么</a:t>
+            </a:r>
+            <a:r>
+              <a:rPr lang="en-US" altLang="zh-CN" dirty="0" smtClean="0"/>
+              <a:t>Node.js</a:t>
+            </a:r>
+            <a:r>
+              <a:rPr lang="zh-CN" altLang="en-US" dirty="0" smtClean="0"/>
+              <a:t>使用</a:t>
+            </a:r>
+            <a:r>
+              <a:rPr lang="en-US" altLang="zh-CN" dirty="0" smtClean="0"/>
+              <a:t>V8</a:t>
+            </a:r>
+            <a:r>
+              <a:rPr lang="zh-CN" altLang="en-US" dirty="0" smtClean="0"/>
+              <a:t>作为其运行时环境</a:t>
+            </a:r>
+            <a:r>
+              <a:rPr lang="en-US" altLang="zh-CN" dirty="0" smtClean="0"/>
+              <a:t>?</a:t>
+            </a:r>
+          </a:p>
+          <a:p>
+            <a:r>
+              <a:rPr lang="en-US" altLang="zh-CN" dirty="0" smtClean="0"/>
+              <a:t>V8</a:t>
+            </a:r>
+            <a:r>
+              <a:rPr lang="zh-CN" altLang="en-US" dirty="0" smtClean="0"/>
+              <a:t>就是为了提升</a:t>
+            </a:r>
+            <a:r>
+              <a:rPr lang="en-US" altLang="zh-CN" dirty="0" smtClean="0"/>
+              <a:t>JS</a:t>
+            </a:r>
+            <a:r>
+              <a:rPr lang="zh-CN" altLang="en-US" dirty="0" smtClean="0"/>
+              <a:t>的性能而设计的，</a:t>
+            </a:r>
+            <a:r>
+              <a:rPr lang="en-US" altLang="zh-CN" dirty="0" smtClean="0"/>
+              <a:t>V8</a:t>
+            </a:r>
+            <a:r>
+              <a:rPr lang="zh-CN" altLang="en-US" dirty="0" smtClean="0"/>
+              <a:t>引擎不会直接解释执行</a:t>
+            </a:r>
+            <a:r>
+              <a:rPr lang="en-US" altLang="zh-CN" dirty="0" err="1" smtClean="0"/>
+              <a:t>js</a:t>
+            </a:r>
+            <a:r>
+              <a:rPr lang="zh-CN" altLang="en-US" dirty="0" smtClean="0"/>
+              <a:t>代码，而是实现了一个</a:t>
+            </a:r>
+            <a:r>
+              <a:rPr lang="en-US" altLang="zh-CN" dirty="0" smtClean="0"/>
+              <a:t>JIT(Just-In-Time) compiler,</a:t>
+            </a:r>
+            <a:r>
+              <a:rPr lang="zh-CN" altLang="en-US" dirty="0" smtClean="0"/>
+              <a:t>一个实时的编译器，在运行时将</a:t>
+            </a:r>
+            <a:r>
+              <a:rPr lang="en-US" altLang="zh-CN" dirty="0" err="1" smtClean="0"/>
+              <a:t>js</a:t>
+            </a:r>
+            <a:r>
+              <a:rPr lang="zh-CN" altLang="en-US" dirty="0" smtClean="0"/>
+              <a:t>代码编译为运行效率更高的机器代码</a:t>
+            </a:r>
+            <a:endParaRPr lang="en-US" altLang="zh-CN" dirty="0" smtClean="0"/>
+          </a:p>
+          <a:p>
+            <a:r>
+              <a:rPr lang="zh-CN" altLang="en-US" dirty="0" smtClean="0"/>
+              <a:t>同样</a:t>
+            </a:r>
+            <a:r>
+              <a:rPr lang="en-US" altLang="zh-CN" dirty="0" err="1" smtClean="0"/>
+              <a:t>SpiderMonkey</a:t>
+            </a:r>
+            <a:r>
+              <a:rPr lang="zh-CN" altLang="en-US" dirty="0" smtClean="0"/>
+              <a:t>和</a:t>
+            </a:r>
+            <a:r>
+              <a:rPr lang="en-US" altLang="zh-CN" dirty="0" smtClean="0"/>
+              <a:t>Rhino(Mozilla)</a:t>
+            </a:r>
+            <a:r>
+              <a:rPr lang="zh-CN" altLang="en-US" dirty="0" smtClean="0"/>
+              <a:t>也实现了</a:t>
+            </a:r>
+            <a:r>
+              <a:rPr lang="en-US" altLang="zh-CN" dirty="0" smtClean="0"/>
+              <a:t>JIT</a:t>
+            </a:r>
+            <a:r>
+              <a:rPr lang="zh-CN" altLang="en-US" dirty="0" smtClean="0"/>
+              <a:t>，但是</a:t>
+            </a:r>
+            <a:r>
+              <a:rPr lang="en-US" altLang="zh-CN" dirty="0" smtClean="0"/>
+              <a:t>V8</a:t>
+            </a:r>
+            <a:r>
+              <a:rPr lang="zh-CN" altLang="en-US" dirty="0" smtClean="0"/>
+              <a:t>不会生产字节码或任何中间代码</a:t>
+            </a:r>
+            <a:endParaRPr lang="en-US" altLang="zh-CN" dirty="0" smtClean="0"/>
+          </a:p>
+          <a:p>
+            <a:r>
+              <a:rPr lang="en-US" altLang="zh-CN" dirty="0" smtClean="0"/>
+              <a:t>V8</a:t>
+            </a:r>
+            <a:r>
+              <a:rPr lang="zh-CN" altLang="en-US" dirty="0" smtClean="0"/>
+              <a:t>拥有两个编译器</a:t>
+            </a:r>
+            <a:r>
+              <a:rPr lang="en-US" altLang="zh-CN" dirty="0" smtClean="0"/>
+              <a:t>:full-</a:t>
+            </a:r>
+            <a:r>
+              <a:rPr lang="en-US" altLang="zh-CN" dirty="0" err="1" smtClean="0"/>
+              <a:t>codegen</a:t>
+            </a:r>
+            <a:r>
+              <a:rPr lang="en-US" altLang="zh-CN" dirty="0" smtClean="0"/>
+              <a:t>(</a:t>
+            </a:r>
+            <a:r>
+              <a:rPr lang="zh-CN" altLang="en-US" dirty="0" smtClean="0"/>
+              <a:t>快速生成运行效率较低的机器代码</a:t>
+            </a:r>
+            <a:r>
+              <a:rPr lang="en-US" altLang="zh-CN" dirty="0" smtClean="0"/>
+              <a:t>)</a:t>
+            </a:r>
+            <a:r>
+              <a:rPr lang="zh-CN" altLang="en-US" dirty="0" smtClean="0"/>
+              <a:t>、</a:t>
+            </a:r>
+            <a:r>
+              <a:rPr lang="en-US" altLang="zh-CN" dirty="0" smtClean="0"/>
+              <a:t>Crankshaft(JIT</a:t>
+            </a:r>
+            <a:r>
+              <a:rPr lang="zh-CN" altLang="en-US" dirty="0" smtClean="0"/>
+              <a:t>编译器，优化代码的主力</a:t>
+            </a:r>
+            <a:r>
+              <a:rPr lang="en-US" altLang="zh-CN" dirty="0" smtClean="0"/>
+              <a:t>)</a:t>
+            </a:r>
+            <a:endParaRPr lang="en-US" altLang="zh-CN" dirty="0" smtClean="0"/>
           </a:p>
         </p:txBody>
       </p:sp>
@@ -4123,7 +5252,14 @@
         <p:cNvGrpSpPr/>
         <p:nvPr/>
       </p:nvGrpSpPr>
-      <p:grpSpPr/>
+      <p:grpSpPr>
+        <a:xfrm>
+          <a:off x="0" y="0"/>
+          <a:ext cx="0" cy="0"/>
+          <a:chOff x="0" y="0"/>
+          <a:chExt cx="0" cy="0"/>
+        </a:xfrm>
+      </p:grpSpPr>
       <p:sp>
         <p:nvSpPr>
           <p:cNvPr id="2" name="标题 1"/>
@@ -4137,12 +5273,17 @@
         <p:spPr/>
         <p:txBody>
           <a:bodyPr/>
-          <a:p>
-            <a:r>
-              <a:rPr lang="en-US" altLang="zh-CN"/>
-              <a:t>ES6 Job Queue</a:t>
-            </a:r>
-            <a:endParaRPr lang="en-US" altLang="zh-CN"/>
+          <a:lstStyle/>
+          <a:p>
+            <a:r>
+              <a:rPr lang="en-US" altLang="zh-CN" dirty="0" smtClean="0"/>
+              <a:t>V8 </a:t>
+            </a:r>
+            <a:r>
+              <a:rPr lang="zh-CN" altLang="en-US" dirty="0" smtClean="0"/>
+              <a:t>中的线程</a:t>
+            </a:r>
+            <a:endParaRPr lang="zh-CN" altLang="en-US" dirty="0"/>
           </a:p>
         </p:txBody>
       </p:sp>
@@ -4159,53 +5300,110 @@
         <p:spPr/>
         <p:txBody>
           <a:bodyPr/>
-          <a:p>
-            <a:r>
-              <a:rPr lang="en-US" altLang="zh-CN"/>
-              <a:t>It's a layer on top of the Event Loop queue. </a:t>
-            </a:r>
-            <a:endParaRPr lang="en-US" altLang="zh-CN"/>
-          </a:p>
-          <a:p>
-            <a:r>
-              <a:rPr lang="en-US" altLang="zh-CN"/>
-              <a:t>You are most likely to bump into it when dealing with the asynchronous behavior of Promises.</a:t>
-            </a:r>
-            <a:endParaRPr lang="en-US" altLang="zh-CN"/>
-          </a:p>
-          <a:p>
-            <a:r>
-              <a:rPr lang="en-US" altLang="zh-CN"/>
-              <a:t>The Job Queue is a queue that's attached to the end of every tick in the Event Loop queue</a:t>
-            </a:r>
-            <a:endParaRPr lang="en-US" altLang="zh-CN"/>
-          </a:p>
-          <a:p>
-            <a:r>
-              <a:rPr lang="en-US" altLang="zh-CN"/>
-              <a:t>Certain async actions that may occur during a tick of the event loop will not cause a whole new event to be added to the event loop queue, but will instead add an item(aka Job) to the end of the current tick's Job queue(</a:t>
-            </a:r>
-            <a:r>
-              <a:rPr lang="zh-CN" altLang="en-US"/>
-              <a:t>完整的</a:t>
-            </a:r>
-            <a:r>
-              <a:rPr lang="en-US" altLang="zh-CN"/>
-              <a:t>Event Loop </a:t>
-            </a:r>
-            <a:r>
-              <a:rPr lang="zh-CN" altLang="en-US"/>
-              <a:t>的理解</a:t>
-            </a:r>
-            <a:r>
-              <a:rPr lang="en-US" altLang="zh-CN"/>
-              <a:t>)</a:t>
-            </a:r>
-            <a:endParaRPr lang="en-US" altLang="zh-CN"/>
+          <a:lstStyle/>
+          <a:p>
+            <a:r>
+              <a:rPr lang="zh-CN" altLang="en-US" dirty="0" smtClean="0"/>
+              <a:t>主线程</a:t>
+            </a:r>
+            <a:r>
+              <a:rPr lang="en-US" altLang="zh-CN" dirty="0" smtClean="0"/>
+              <a:t>: </a:t>
+            </a:r>
+            <a:r>
+              <a:rPr lang="zh-CN" altLang="en-US" dirty="0" smtClean="0"/>
+              <a:t>取代码，编译、运行之</a:t>
+            </a:r>
+            <a:endParaRPr lang="en-US" altLang="zh-CN" dirty="0" smtClean="0"/>
+          </a:p>
+          <a:p>
+            <a:r>
+              <a:rPr lang="zh-CN" altLang="en-US" dirty="0" smtClean="0"/>
+              <a:t>编译线程</a:t>
+            </a:r>
+            <a:r>
+              <a:rPr lang="en-US" altLang="zh-CN" dirty="0" smtClean="0"/>
+              <a:t>: </a:t>
+            </a:r>
+            <a:r>
+              <a:rPr lang="zh-CN" altLang="en-US" dirty="0" smtClean="0"/>
+              <a:t>分担主线程的编译工作，使主线程可以执行编译过的代码</a:t>
+            </a:r>
+            <a:endParaRPr lang="en-US" altLang="zh-CN" dirty="0" smtClean="0"/>
+          </a:p>
+          <a:p>
+            <a:r>
+              <a:rPr lang="zh-CN" altLang="en-US" dirty="0" smtClean="0"/>
+              <a:t>分析器</a:t>
+            </a:r>
+            <a:r>
+              <a:rPr lang="en-US" altLang="zh-CN" dirty="0" smtClean="0"/>
+              <a:t>(Profiler)</a:t>
+            </a:r>
+            <a:r>
+              <a:rPr lang="zh-CN" altLang="en-US" dirty="0" smtClean="0"/>
+              <a:t>线程</a:t>
+            </a:r>
+            <a:r>
+              <a:rPr lang="en-US" altLang="zh-CN" dirty="0" smtClean="0"/>
+              <a:t>: </a:t>
+            </a:r>
+            <a:r>
+              <a:rPr lang="zh-CN" altLang="en-US" dirty="0" smtClean="0"/>
+              <a:t>在运行</a:t>
+            </a:r>
+            <a:r>
+              <a:rPr lang="zh-CN" altLang="en-US" dirty="0"/>
+              <a:t>代码</a:t>
+            </a:r>
+            <a:r>
+              <a:rPr lang="zh-CN" altLang="en-US" dirty="0" smtClean="0"/>
+              <a:t>时告诉</a:t>
+            </a:r>
+            <a:r>
+              <a:rPr lang="en-US" altLang="zh-CN" dirty="0" smtClean="0"/>
+              <a:t>runtime</a:t>
+            </a:r>
+            <a:r>
+              <a:rPr lang="zh-CN" altLang="en-US" dirty="0" smtClean="0"/>
+              <a:t>环境哪些函数执行时耗时较多，让</a:t>
+            </a:r>
+            <a:r>
+              <a:rPr lang="en-US" altLang="zh-CN" dirty="0" smtClean="0"/>
+              <a:t>Crankshaft</a:t>
+            </a:r>
+            <a:r>
+              <a:rPr lang="zh-CN" altLang="en-US" dirty="0" smtClean="0"/>
+              <a:t>去优化它们</a:t>
+            </a:r>
+            <a:endParaRPr lang="en-US" altLang="zh-CN" dirty="0" smtClean="0"/>
+          </a:p>
+          <a:p>
+            <a:r>
+              <a:rPr lang="zh-CN" altLang="en-US" dirty="0" smtClean="0"/>
+              <a:t>还有一些负责</a:t>
+            </a:r>
+            <a:r>
+              <a:rPr lang="en-US" altLang="zh-CN" dirty="0" smtClean="0"/>
+              <a:t>GC</a:t>
+            </a:r>
+            <a:r>
+              <a:rPr lang="zh-CN" altLang="en-US" dirty="0" smtClean="0"/>
+              <a:t>的线程</a:t>
+            </a:r>
+            <a:endParaRPr lang="en-US" altLang="zh-CN" dirty="0" smtClean="0"/>
+          </a:p>
+          <a:p>
+            <a:endParaRPr lang="en-US" altLang="zh-CN" dirty="0"/>
           </a:p>
         </p:txBody>
       </p:sp>
     </p:spTree>
+    <p:extLst>
+      <p:ext uri="{BB962C8B-B14F-4D97-AF65-F5344CB8AC3E}">
+        <p14:creationId xmlns:p14="http://schemas.microsoft.com/office/powerpoint/2010/main" val="3533138103"/>
+      </p:ext>
+    </p:extLst>
   </p:cSld>
   <p:clrMapOvr>
     <a:masterClrMapping/>
@@ -4464,6 +5662,8 @@
       </a:bgFillStyleLst>
     </a:fmtScheme>
   </a:themeElements>
+  <a:objectDefaults/>
+  <a:extraClrSchemeLst/>
   <a:extLst>
     <a:ext uri="{05A4C25C-085E-4340-85A3-A5531E510DB2}">
       <thm15:themeFamily xmlns:thm15="http://schemas.microsoft.com/office/thememl/2012/main" name="Office Theme" id="{62F939B6-93AF-4DB8-9C6B-D6C7DFDC589F}" vid="{4A3C46E8-61CC-4603-A589-7422A47A8E4A}"/>

--- a/Deep Digging in Browser.pptx
+++ b/Deep Digging in Browser.pptx
@@ -12,18 +12,20 @@
     <p:sldId id="260" r:id="rId6"/>
     <p:sldId id="258" r:id="rId7"/>
     <p:sldId id="276" r:id="rId8"/>
-    <p:sldId id="273" r:id="rId9"/>
-    <p:sldId id="277" r:id="rId10"/>
-    <p:sldId id="278" r:id="rId11"/>
-    <p:sldId id="263" r:id="rId12"/>
-    <p:sldId id="264" r:id="rId13"/>
-    <p:sldId id="265" r:id="rId14"/>
-    <p:sldId id="266" r:id="rId15"/>
-    <p:sldId id="268" r:id="rId16"/>
-    <p:sldId id="269" r:id="rId17"/>
-    <p:sldId id="270" r:id="rId18"/>
-    <p:sldId id="271" r:id="rId19"/>
-    <p:sldId id="262" r:id="rId20"/>
+    <p:sldId id="279" r:id="rId9"/>
+    <p:sldId id="273" r:id="rId10"/>
+    <p:sldId id="277" r:id="rId11"/>
+    <p:sldId id="278" r:id="rId12"/>
+    <p:sldId id="263" r:id="rId13"/>
+    <p:sldId id="264" r:id="rId14"/>
+    <p:sldId id="265" r:id="rId15"/>
+    <p:sldId id="266" r:id="rId16"/>
+    <p:sldId id="280" r:id="rId17"/>
+    <p:sldId id="268" r:id="rId18"/>
+    <p:sldId id="269" r:id="rId19"/>
+    <p:sldId id="270" r:id="rId20"/>
+    <p:sldId id="271" r:id="rId21"/>
+    <p:sldId id="262" r:id="rId22"/>
   </p:sldIdLst>
   <p:sldSz cx="12192000" cy="6858000"/>
   <p:notesSz cx="6858000" cy="9144000"/>
@@ -261,7 +263,7 @@
           <a:p>
             <a:fld id="{D997B5FA-0921-464F-AAE1-844C04324D75}" type="datetimeFigureOut">
               <a:rPr lang="zh-CN" altLang="en-US" smtClean="0"/>
-              <a:t>2018/12/26</a:t>
+              <a:t>2018/12/28</a:t>
             </a:fld>
             <a:endParaRPr lang="zh-CN" altLang="en-US"/>
           </a:p>
@@ -426,7 +428,7 @@
           <a:p>
             <a:fld id="{D997B5FA-0921-464F-AAE1-844C04324D75}" type="datetimeFigureOut">
               <a:rPr lang="zh-CN" altLang="en-US" smtClean="0"/>
-              <a:t>2018/12/26</a:t>
+              <a:t>2018/12/28</a:t>
             </a:fld>
             <a:endParaRPr lang="zh-CN" altLang="en-US"/>
           </a:p>
@@ -601,7 +603,7 @@
           <a:p>
             <a:fld id="{D997B5FA-0921-464F-AAE1-844C04324D75}" type="datetimeFigureOut">
               <a:rPr lang="zh-CN" altLang="en-US" smtClean="0"/>
-              <a:t>2018/12/26</a:t>
+              <a:t>2018/12/28</a:t>
             </a:fld>
             <a:endParaRPr lang="zh-CN" altLang="en-US"/>
           </a:p>
@@ -766,7 +768,7 @@
           <a:p>
             <a:fld id="{D997B5FA-0921-464F-AAE1-844C04324D75}" type="datetimeFigureOut">
               <a:rPr lang="zh-CN" altLang="en-US" smtClean="0"/>
-              <a:t>2018/12/26</a:t>
+              <a:t>2018/12/28</a:t>
             </a:fld>
             <a:endParaRPr lang="zh-CN" altLang="en-US"/>
           </a:p>
@@ -1007,7 +1009,7 @@
           <a:p>
             <a:fld id="{D997B5FA-0921-464F-AAE1-844C04324D75}" type="datetimeFigureOut">
               <a:rPr lang="zh-CN" altLang="en-US" smtClean="0"/>
-              <a:t>2018/12/26</a:t>
+              <a:t>2018/12/28</a:t>
             </a:fld>
             <a:endParaRPr lang="zh-CN" altLang="en-US"/>
           </a:p>
@@ -1234,7 +1236,7 @@
           <a:p>
             <a:fld id="{D997B5FA-0921-464F-AAE1-844C04324D75}" type="datetimeFigureOut">
               <a:rPr lang="zh-CN" altLang="en-US" smtClean="0"/>
-              <a:t>2018/12/26</a:t>
+              <a:t>2018/12/28</a:t>
             </a:fld>
             <a:endParaRPr lang="zh-CN" altLang="en-US"/>
           </a:p>
@@ -1596,7 +1598,7 @@
           <a:p>
             <a:fld id="{D997B5FA-0921-464F-AAE1-844C04324D75}" type="datetimeFigureOut">
               <a:rPr lang="zh-CN" altLang="en-US" smtClean="0"/>
-              <a:t>2018/12/26</a:t>
+              <a:t>2018/12/28</a:t>
             </a:fld>
             <a:endParaRPr lang="zh-CN" altLang="en-US"/>
           </a:p>
@@ -1709,7 +1711,7 @@
           <a:p>
             <a:fld id="{D997B5FA-0921-464F-AAE1-844C04324D75}" type="datetimeFigureOut">
               <a:rPr lang="zh-CN" altLang="en-US" smtClean="0"/>
-              <a:t>2018/12/26</a:t>
+              <a:t>2018/12/28</a:t>
             </a:fld>
             <a:endParaRPr lang="zh-CN" altLang="en-US"/>
           </a:p>
@@ -1799,7 +1801,7 @@
           <a:p>
             <a:fld id="{D997B5FA-0921-464F-AAE1-844C04324D75}" type="datetimeFigureOut">
               <a:rPr lang="zh-CN" altLang="en-US" smtClean="0"/>
-              <a:t>2018/12/26</a:t>
+              <a:t>2018/12/28</a:t>
             </a:fld>
             <a:endParaRPr lang="zh-CN" altLang="en-US"/>
           </a:p>
@@ -2071,7 +2073,7 @@
           <a:p>
             <a:fld id="{D997B5FA-0921-464F-AAE1-844C04324D75}" type="datetimeFigureOut">
               <a:rPr lang="zh-CN" altLang="en-US" smtClean="0"/>
-              <a:t>2018/12/26</a:t>
+              <a:t>2018/12/28</a:t>
             </a:fld>
             <a:endParaRPr lang="zh-CN" altLang="en-US"/>
           </a:p>
@@ -2319,7 +2321,7 @@
           <a:p>
             <a:fld id="{D997B5FA-0921-464F-AAE1-844C04324D75}" type="datetimeFigureOut">
               <a:rPr lang="zh-CN" altLang="en-US" smtClean="0"/>
-              <a:t>2018/12/26</a:t>
+              <a:t>2018/12/28</a:t>
             </a:fld>
             <a:endParaRPr lang="zh-CN" altLang="en-US"/>
           </a:p>
@@ -2527,7 +2529,7 @@
           <a:p>
             <a:fld id="{D997B5FA-0921-464F-AAE1-844C04324D75}" type="datetimeFigureOut">
               <a:rPr lang="zh-CN" altLang="en-US" smtClean="0"/>
-              <a:t>2018/12/26</a:t>
+              <a:t>2018/12/28</a:t>
             </a:fld>
             <a:endParaRPr lang="zh-CN" altLang="en-US"/>
           </a:p>
@@ -3013,11 +3015,11 @@
           <a:p>
             <a:r>
               <a:rPr lang="en-US" altLang="zh-CN" dirty="0" smtClean="0"/>
-              <a:t>V8</a:t>
-            </a:r>
-            <a:r>
-              <a:rPr lang="zh-CN" altLang="en-US" dirty="0" smtClean="0"/>
-              <a:t>工作简述</a:t>
+              <a:t>V8 </a:t>
+            </a:r>
+            <a:r>
+              <a:rPr lang="zh-CN" altLang="en-US" dirty="0" smtClean="0"/>
+              <a:t>中的线程</a:t>
             </a:r>
             <a:endParaRPr lang="zh-CN" altLang="en-US" dirty="0"/>
           </a:p>
@@ -3040,57 +3042,69 @@
           <a:p>
             <a:r>
               <a:rPr lang="zh-CN" altLang="en-US" dirty="0" smtClean="0"/>
-              <a:t>第一次运行代码时，</a:t>
-            </a:r>
-            <a:r>
-              <a:rPr lang="en-US" altLang="zh-CN" dirty="0" smtClean="0"/>
-              <a:t>V8</a:t>
-            </a:r>
-            <a:r>
-              <a:rPr lang="zh-CN" altLang="en-US" dirty="0" smtClean="0"/>
-              <a:t>的</a:t>
-            </a:r>
-            <a:r>
-              <a:rPr lang="en-US" altLang="zh-CN" dirty="0" smtClean="0"/>
-              <a:t>full-</a:t>
-            </a:r>
-            <a:r>
-              <a:rPr lang="en-US" altLang="zh-CN" dirty="0" err="1" smtClean="0"/>
-              <a:t>codegen</a:t>
-            </a:r>
-            <a:r>
-              <a:rPr lang="zh-CN" altLang="en-US" dirty="0" smtClean="0"/>
-              <a:t>将</a:t>
-            </a:r>
-            <a:r>
-              <a:rPr lang="en-US" altLang="zh-CN" dirty="0" err="1" smtClean="0"/>
-              <a:t>js</a:t>
-            </a:r>
-            <a:r>
-              <a:rPr lang="zh-CN" altLang="en-US" dirty="0" smtClean="0"/>
-              <a:t>代码解析为机器码</a:t>
+              <a:t>主线程</a:t>
+            </a:r>
+            <a:r>
+              <a:rPr lang="en-US" altLang="zh-CN" dirty="0" smtClean="0"/>
+              <a:t>: </a:t>
+            </a:r>
+            <a:r>
+              <a:rPr lang="zh-CN" altLang="en-US" dirty="0" smtClean="0"/>
+              <a:t>取代码，编译、运行之</a:t>
             </a:r>
             <a:endParaRPr lang="en-US" altLang="zh-CN" dirty="0" smtClean="0"/>
           </a:p>
           <a:p>
             <a:r>
               <a:rPr lang="zh-CN" altLang="en-US" dirty="0" smtClean="0"/>
-              <a:t>当代码运行了一段时间之后，</a:t>
-            </a:r>
-            <a:r>
-              <a:rPr lang="en-US" altLang="zh-CN" dirty="0" smtClean="0"/>
-              <a:t>profiler</a:t>
-            </a:r>
-            <a:r>
-              <a:rPr lang="zh-CN" altLang="en-US" dirty="0" smtClean="0"/>
-              <a:t>线程就会收集到足够的信息确定哪些个函数需要优化</a:t>
+              <a:t>编译线程</a:t>
+            </a:r>
+            <a:r>
+              <a:rPr lang="en-US" altLang="zh-CN" dirty="0" smtClean="0"/>
+              <a:t>: </a:t>
+            </a:r>
+            <a:r>
+              <a:rPr lang="zh-CN" altLang="en-US" dirty="0" smtClean="0"/>
+              <a:t>分担主线程的编译工作，使主线程可以执行编译过的代码</a:t>
             </a:r>
             <a:endParaRPr lang="en-US" altLang="zh-CN" dirty="0" smtClean="0"/>
           </a:p>
           <a:p>
             <a:r>
               <a:rPr lang="zh-CN" altLang="en-US" dirty="0" smtClean="0"/>
-              <a:t>然后，</a:t>
+              <a:t>分析器</a:t>
+            </a:r>
+            <a:r>
+              <a:rPr lang="en-US" altLang="zh-CN" dirty="0" smtClean="0"/>
+              <a:t>(Profiler)</a:t>
+            </a:r>
+            <a:r>
+              <a:rPr lang="zh-CN" altLang="en-US" dirty="0" smtClean="0"/>
+              <a:t>线程</a:t>
+            </a:r>
+            <a:r>
+              <a:rPr lang="en-US" altLang="zh-CN" dirty="0" smtClean="0"/>
+              <a:t>: </a:t>
+            </a:r>
+            <a:r>
+              <a:rPr lang="zh-CN" altLang="en-US" dirty="0" smtClean="0"/>
+              <a:t>在运行</a:t>
+            </a:r>
+            <a:r>
+              <a:rPr lang="zh-CN" altLang="en-US" dirty="0"/>
+              <a:t>代码</a:t>
+            </a:r>
+            <a:r>
+              <a:rPr lang="zh-CN" altLang="en-US" dirty="0" smtClean="0"/>
+              <a:t>时告诉</a:t>
+            </a:r>
+            <a:r>
+              <a:rPr lang="en-US" altLang="zh-CN" dirty="0" smtClean="0"/>
+              <a:t>runtime</a:t>
+            </a:r>
+            <a:r>
+              <a:rPr lang="zh-CN" altLang="en-US" dirty="0" smtClean="0"/>
+              <a:t>环境哪些函数执行时耗时较多，让</a:t>
             </a:r>
             <a:r>
               <a:rPr lang="en-US" altLang="zh-CN" dirty="0" smtClean="0"/>
@@ -3098,35 +3112,34 @@
             </a:r>
             <a:r>
               <a:rPr lang="zh-CN" altLang="en-US" dirty="0" smtClean="0"/>
-              <a:t>就开始了，它把</a:t>
-            </a:r>
-            <a:r>
-              <a:rPr lang="en-US" altLang="zh-CN" dirty="0" smtClean="0"/>
-              <a:t>JS</a:t>
-            </a:r>
-            <a:r>
-              <a:rPr lang="zh-CN" altLang="en-US" dirty="0" smtClean="0"/>
-              <a:t>抽象语法树转化为一个</a:t>
-            </a:r>
-            <a:r>
-              <a:rPr lang="en-US" altLang="zh-CN" dirty="0" smtClean="0"/>
-              <a:t>high-level static single-assignment </a:t>
-            </a:r>
-            <a:r>
-              <a:rPr lang="zh-CN" altLang="en-US" dirty="0" smtClean="0"/>
-              <a:t>表示并完成绝大部分的优化工作</a:t>
+              <a:t>去优化它们</a:t>
             </a:r>
             <a:endParaRPr lang="en-US" altLang="zh-CN" dirty="0" smtClean="0"/>
           </a:p>
           <a:p>
-            <a:endParaRPr lang="zh-CN" altLang="en-US" dirty="0"/>
+            <a:r>
+              <a:rPr lang="zh-CN" altLang="en-US" dirty="0" smtClean="0"/>
+              <a:t>还有一些负责</a:t>
+            </a:r>
+            <a:r>
+              <a:rPr lang="en-US" altLang="zh-CN" dirty="0" smtClean="0"/>
+              <a:t>GC</a:t>
+            </a:r>
+            <a:r>
+              <a:rPr lang="zh-CN" altLang="en-US" dirty="0" smtClean="0"/>
+              <a:t>的线程</a:t>
+            </a:r>
+            <a:endParaRPr lang="en-US" altLang="zh-CN" dirty="0" smtClean="0"/>
+          </a:p>
+          <a:p>
+            <a:endParaRPr lang="en-US" altLang="zh-CN" dirty="0"/>
           </a:p>
         </p:txBody>
       </p:sp>
     </p:spTree>
     <p:extLst>
       <p:ext uri="{BB962C8B-B14F-4D97-AF65-F5344CB8AC3E}">
-        <p14:creationId xmlns:p14="http://schemas.microsoft.com/office/powerpoint/2010/main" val="1086129714"/>
+        <p14:creationId xmlns:p14="http://schemas.microsoft.com/office/powerpoint/2010/main" val="3533138103"/>
       </p:ext>
     </p:extLst>
   </p:cSld>
@@ -3169,14 +3182,14 @@
           <a:lstStyle/>
           <a:p>
             <a:r>
-              <a:rPr lang="zh-CN" altLang="en-US" dirty="0"/>
-              <a:t>事件</a:t>
-            </a:r>
-            <a:r>
-              <a:rPr lang="zh-CN" altLang="en-US" dirty="0" smtClean="0"/>
-              <a:t>循环概述</a:t>
-            </a:r>
-            <a:endParaRPr lang="en-US" altLang="zh-CN" dirty="0"/>
+              <a:rPr lang="en-US" altLang="zh-CN" dirty="0" smtClean="0"/>
+              <a:t>V8</a:t>
+            </a:r>
+            <a:r>
+              <a:rPr lang="zh-CN" altLang="en-US" dirty="0" smtClean="0"/>
+              <a:t>工作简述</a:t>
+            </a:r>
+            <a:endParaRPr lang="zh-CN" altLang="en-US" dirty="0"/>
           </a:p>
         </p:txBody>
       </p:sp>
@@ -3197,7 +3210,65 @@
           <a:p>
             <a:r>
               <a:rPr lang="zh-CN" altLang="en-US" dirty="0" smtClean="0"/>
-              <a:t>事实上，虽然我们经常使用</a:t>
+              <a:t>第一次运行代码时，</a:t>
+            </a:r>
+            <a:r>
+              <a:rPr lang="en-US" altLang="zh-CN" dirty="0" smtClean="0"/>
+              <a:t>V8</a:t>
+            </a:r>
+            <a:r>
+              <a:rPr lang="zh-CN" altLang="en-US" dirty="0" smtClean="0"/>
+              <a:t>的</a:t>
+            </a:r>
+            <a:r>
+              <a:rPr lang="en-US" altLang="zh-CN" dirty="0" smtClean="0"/>
+              <a:t>full-</a:t>
+            </a:r>
+            <a:r>
+              <a:rPr lang="en-US" altLang="zh-CN" dirty="0" err="1" smtClean="0"/>
+              <a:t>codegen</a:t>
+            </a:r>
+            <a:r>
+              <a:rPr lang="zh-CN" altLang="en-US" dirty="0" smtClean="0"/>
+              <a:t>将</a:t>
+            </a:r>
+            <a:r>
+              <a:rPr lang="en-US" altLang="zh-CN" dirty="0" err="1" smtClean="0"/>
+              <a:t>js</a:t>
+            </a:r>
+            <a:r>
+              <a:rPr lang="zh-CN" altLang="en-US" dirty="0" smtClean="0"/>
+              <a:t>代码解析为机器码</a:t>
+            </a:r>
+            <a:endParaRPr lang="en-US" altLang="zh-CN" dirty="0" smtClean="0"/>
+          </a:p>
+          <a:p>
+            <a:r>
+              <a:rPr lang="zh-CN" altLang="en-US" dirty="0" smtClean="0"/>
+              <a:t>当代码运行了一段时间之后，</a:t>
+            </a:r>
+            <a:r>
+              <a:rPr lang="en-US" altLang="zh-CN" dirty="0" smtClean="0"/>
+              <a:t>profiler</a:t>
+            </a:r>
+            <a:r>
+              <a:rPr lang="zh-CN" altLang="en-US" dirty="0" smtClean="0"/>
+              <a:t>线程就会收集到足够的信息确定哪些个函数需要优化</a:t>
+            </a:r>
+            <a:endParaRPr lang="en-US" altLang="zh-CN" dirty="0" smtClean="0"/>
+          </a:p>
+          <a:p>
+            <a:r>
+              <a:rPr lang="zh-CN" altLang="en-US" dirty="0" smtClean="0"/>
+              <a:t>然后，</a:t>
+            </a:r>
+            <a:r>
+              <a:rPr lang="en-US" altLang="zh-CN" dirty="0" smtClean="0"/>
+              <a:t>Crankshaft</a:t>
+            </a:r>
+            <a:r>
+              <a:rPr lang="zh-CN" altLang="en-US" dirty="0" smtClean="0"/>
+              <a:t>就开始了，它把</a:t>
             </a:r>
             <a:r>
               <a:rPr lang="en-US" altLang="zh-CN" dirty="0" smtClean="0"/>
@@ -3205,90 +3276,60 @@
             </a:r>
             <a:r>
               <a:rPr lang="zh-CN" altLang="en-US" dirty="0" smtClean="0"/>
-              <a:t>中的异步方法</a:t>
-            </a:r>
-            <a:r>
-              <a:rPr lang="en-US" altLang="zh-CN" dirty="0" smtClean="0"/>
-              <a:t>(</a:t>
-            </a:r>
-            <a:r>
-              <a:rPr lang="en-US" altLang="zh-CN" dirty="0" err="1" smtClean="0"/>
-              <a:t>setTimeout</a:t>
+              <a:t>抽象语法树转化为一</a:t>
+            </a:r>
+            <a:r>
+              <a:rPr lang="zh-CN" altLang="en-US" dirty="0" smtClean="0"/>
+              <a:t>个</a:t>
+            </a:r>
+            <a:r>
+              <a:rPr lang="en-US" altLang="zh-CN" dirty="0" smtClean="0"/>
+              <a:t>static </a:t>
+            </a:r>
+            <a:r>
+              <a:rPr lang="en-US" altLang="zh-CN" dirty="0" smtClean="0"/>
+              <a:t>single-assignment </a:t>
+            </a:r>
+            <a:r>
+              <a:rPr lang="zh-CN" altLang="en-US" dirty="0" smtClean="0"/>
+              <a:t>形式并</a:t>
+            </a:r>
+            <a:r>
+              <a:rPr lang="zh-CN" altLang="en-US" dirty="0" smtClean="0"/>
+              <a:t>完成绝大部分的优化</a:t>
+            </a:r>
+            <a:r>
+              <a:rPr lang="zh-CN" altLang="en-US" dirty="0" smtClean="0"/>
+              <a:t>工作</a:t>
+            </a:r>
+            <a:endParaRPr lang="en-US" altLang="zh-CN" dirty="0" smtClean="0"/>
+          </a:p>
+          <a:p>
+            <a:r>
+              <a:rPr lang="en-US" altLang="zh-CN" dirty="0" smtClean="0"/>
+              <a:t>SSA(</a:t>
+            </a:r>
+            <a:r>
+              <a:rPr lang="zh-CN" altLang="en-US" dirty="0" smtClean="0"/>
+              <a:t>静态单赋值形式，最主要的用途是简化变量来优化编译过程</a:t>
             </a:r>
             <a:r>
               <a:rPr lang="en-US" altLang="zh-CN" dirty="0" smtClean="0"/>
               <a:t>)</a:t>
             </a:r>
-            <a:r>
-              <a:rPr lang="zh-CN" altLang="en-US" dirty="0" smtClean="0"/>
-              <a:t>，</a:t>
-            </a:r>
-            <a:r>
-              <a:rPr lang="en-US" altLang="zh-CN" dirty="0" smtClean="0"/>
-              <a:t>JS</a:t>
-            </a:r>
-            <a:r>
-              <a:rPr lang="zh-CN" altLang="en-US" dirty="0" smtClean="0"/>
-              <a:t>本身并没有异步的概念，具体体现为</a:t>
-            </a:r>
-            <a:r>
-              <a:rPr lang="en-US" altLang="zh-CN" dirty="0" smtClean="0"/>
-              <a:t>JS</a:t>
-            </a:r>
-            <a:r>
-              <a:rPr lang="zh-CN" altLang="en-US" dirty="0" smtClean="0"/>
-              <a:t>引擎只是单线程地执行你程序中的一段代码。</a:t>
-            </a:r>
             <a:endParaRPr lang="en-US" altLang="zh-CN" dirty="0" smtClean="0"/>
           </a:p>
           <a:p>
-            <a:endParaRPr lang="en-US" altLang="zh-CN" dirty="0"/>
-          </a:p>
-          <a:p>
-            <a:r>
-              <a:rPr lang="zh-CN" altLang="en-US" dirty="0" smtClean="0"/>
-              <a:t>真正的事件循环由</a:t>
-            </a:r>
-            <a:r>
-              <a:rPr lang="en-US" altLang="zh-CN" dirty="0" smtClean="0"/>
-              <a:t>JS</a:t>
-            </a:r>
-            <a:r>
-              <a:rPr lang="zh-CN" altLang="en-US" dirty="0" smtClean="0"/>
-              <a:t>的宿主环境实现</a:t>
-            </a:r>
-            <a:r>
-              <a:rPr lang="en-US" altLang="zh-CN" dirty="0" smtClean="0"/>
-              <a:t>(</a:t>
-            </a:r>
-            <a:r>
-              <a:rPr lang="zh-CN" altLang="en-US" dirty="0" smtClean="0"/>
-              <a:t>浏览器或</a:t>
-            </a:r>
-            <a:r>
-              <a:rPr lang="en-US" altLang="zh-CN" dirty="0" smtClean="0"/>
-              <a:t>Node.js)</a:t>
-            </a:r>
-            <a:r>
-              <a:rPr lang="zh-CN" altLang="en-US" dirty="0" smtClean="0"/>
-              <a:t>，它们维持了一个事件循环结构，在合适的时间告诉</a:t>
-            </a:r>
-            <a:r>
-              <a:rPr lang="en-US" altLang="zh-CN" dirty="0" smtClean="0"/>
-              <a:t>JS</a:t>
-            </a:r>
-            <a:r>
-              <a:rPr lang="zh-CN" altLang="en-US" dirty="0" smtClean="0"/>
-              <a:t>引擎执行什么代码</a:t>
-            </a:r>
-            <a:endParaRPr lang="en-US" altLang="zh-CN" dirty="0"/>
-          </a:p>
-          <a:p>
-            <a:endParaRPr lang="en-US" altLang="zh-CN" dirty="0"/>
+            <a:endParaRPr lang="zh-CN" altLang="en-US" dirty="0"/>
           </a:p>
         </p:txBody>
       </p:sp>
     </p:spTree>
+    <p:extLst>
+      <p:ext uri="{BB962C8B-B14F-4D97-AF65-F5344CB8AC3E}">
+        <p14:creationId xmlns:p14="http://schemas.microsoft.com/office/powerpoint/2010/main" val="1086129714"/>
+      </p:ext>
+    </p:extLst>
   </p:cSld>
   <p:clrMapOvr>
     <a:masterClrMapping/>
@@ -3329,9 +3370,14 @@
           <a:lstStyle/>
           <a:p>
             <a:r>
-              <a:rPr lang="en-US" altLang="zh-CN" dirty="0"/>
-              <a:t>Tick</a:t>
-            </a:r>
+              <a:rPr lang="zh-CN" altLang="en-US" dirty="0"/>
+              <a:t>事件</a:t>
+            </a:r>
+            <a:r>
+              <a:rPr lang="zh-CN" altLang="en-US" dirty="0" smtClean="0"/>
+              <a:t>循环概述</a:t>
+            </a:r>
+            <a:endParaRPr lang="en-US" altLang="zh-CN" dirty="0"/>
           </a:p>
         </p:txBody>
       </p:sp>
@@ -3352,23 +3398,47 @@
           <a:p>
             <a:r>
               <a:rPr lang="zh-CN" altLang="en-US" dirty="0" smtClean="0"/>
-              <a:t>但其实事件循环只有一个简单的工作：监测</a:t>
-            </a:r>
-            <a:r>
-              <a:rPr lang="en-US" altLang="zh-CN" dirty="0" smtClean="0"/>
-              <a:t>call stack,</a:t>
-            </a:r>
-            <a:r>
-              <a:rPr lang="zh-CN" altLang="en-US" dirty="0" smtClean="0"/>
-              <a:t>如果发现它为空，就将事件队列中的第一个事件的回调函数推入</a:t>
-            </a:r>
-            <a:r>
-              <a:rPr lang="en-US" altLang="zh-CN" dirty="0" smtClean="0"/>
-              <a:t>call stack</a:t>
-            </a:r>
-            <a:r>
-              <a:rPr lang="zh-CN" altLang="en-US" dirty="0" smtClean="0"/>
-              <a:t>中执行。</a:t>
+              <a:t>事实上，虽然我们经常使用</a:t>
+            </a:r>
+            <a:r>
+              <a:rPr lang="en-US" altLang="zh-CN" dirty="0" smtClean="0"/>
+              <a:t>JS</a:t>
+            </a:r>
+            <a:r>
+              <a:rPr lang="zh-CN" altLang="en-US" dirty="0" smtClean="0"/>
+              <a:t>中的异步方法</a:t>
+            </a:r>
+            <a:r>
+              <a:rPr lang="en-US" altLang="zh-CN" dirty="0" smtClean="0"/>
+              <a:t>(</a:t>
+            </a:r>
+            <a:r>
+              <a:rPr lang="en-US" altLang="zh-CN" dirty="0" err="1" smtClean="0"/>
+              <a:t>setTimeout</a:t>
+            </a:r>
+            <a:r>
+              <a:rPr lang="en-US" altLang="zh-CN" dirty="0" smtClean="0"/>
+              <a:t>)</a:t>
+            </a:r>
+            <a:r>
+              <a:rPr lang="zh-CN" altLang="en-US" dirty="0" smtClean="0"/>
+              <a:t>，</a:t>
+            </a:r>
+            <a:r>
+              <a:rPr lang="en-US" altLang="zh-CN" dirty="0" smtClean="0"/>
+              <a:t>JS</a:t>
+            </a:r>
+            <a:r>
+              <a:rPr lang="zh-CN" altLang="en-US" dirty="0" smtClean="0"/>
+              <a:t>本身并没有异步的概念，具体体现为</a:t>
+            </a:r>
+            <a:r>
+              <a:rPr lang="en-US" altLang="zh-CN" dirty="0" smtClean="0"/>
+              <a:t>JS</a:t>
+            </a:r>
+            <a:r>
+              <a:rPr lang="zh-CN" altLang="en-US" dirty="0" smtClean="0"/>
+              <a:t>引擎只是单线程地执行你程序中的一段代码。</a:t>
             </a:r>
             <a:endParaRPr lang="en-US" altLang="zh-CN" dirty="0" smtClean="0"/>
           </a:p>
@@ -3376,49 +3446,46 @@
             <a:endParaRPr lang="en-US" altLang="zh-CN" dirty="0"/>
           </a:p>
           <a:p>
-            <a:endParaRPr lang="en-US" altLang="zh-CN" dirty="0" smtClean="0"/>
-          </a:p>
-          <a:p>
-            <a:r>
-              <a:rPr lang="zh-CN" altLang="en-US" dirty="0" smtClean="0"/>
-              <a:t>监测到</a:t>
-            </a:r>
-            <a:r>
-              <a:rPr lang="en-US" altLang="zh-CN" dirty="0" smtClean="0"/>
-              <a:t>call stack</a:t>
-            </a:r>
-            <a:r>
-              <a:rPr lang="zh-CN" altLang="en-US" dirty="0" smtClean="0"/>
-              <a:t>为空</a:t>
-            </a:r>
-            <a:r>
-              <a:rPr lang="en-US" altLang="zh-CN" dirty="0" smtClean="0"/>
-              <a:t>-&gt; </a:t>
-            </a:r>
-            <a:r>
-              <a:rPr lang="zh-CN" altLang="en-US" dirty="0" smtClean="0"/>
-              <a:t>将回调推入 </a:t>
-            </a:r>
-            <a:r>
-              <a:rPr lang="en-US" altLang="zh-CN" dirty="0" smtClean="0"/>
-              <a:t>call stack -&gt; </a:t>
-            </a:r>
-            <a:r>
-              <a:rPr lang="zh-CN" altLang="en-US" dirty="0"/>
-              <a:t>回</a:t>
-            </a:r>
-            <a:r>
-              <a:rPr lang="zh-CN" altLang="en-US" dirty="0" smtClean="0"/>
-              <a:t>调执行完毕，这个过程我们可以称之为一个</a:t>
-            </a:r>
-            <a:r>
-              <a:rPr lang="en-US" altLang="zh-CN" dirty="0" smtClean="0"/>
-              <a:t>tick</a:t>
+            <a:r>
+              <a:rPr lang="zh-CN" altLang="en-US" dirty="0" smtClean="0"/>
+              <a:t>真正的事件循环由</a:t>
+            </a:r>
+            <a:r>
+              <a:rPr lang="en-US" altLang="zh-CN" dirty="0" smtClean="0"/>
+              <a:t>JS</a:t>
+            </a:r>
+            <a:r>
+              <a:rPr lang="zh-CN" altLang="en-US" dirty="0" smtClean="0"/>
+              <a:t>的宿主环境实现</a:t>
+            </a:r>
+            <a:r>
+              <a:rPr lang="en-US" altLang="zh-CN" dirty="0" smtClean="0"/>
+              <a:t>(</a:t>
+            </a:r>
+            <a:r>
+              <a:rPr lang="zh-CN" altLang="en-US" dirty="0" smtClean="0"/>
+              <a:t>浏览器或</a:t>
+            </a:r>
+            <a:r>
+              <a:rPr lang="en-US" altLang="zh-CN" dirty="0" smtClean="0"/>
+              <a:t>Node.js)</a:t>
+            </a:r>
+            <a:r>
+              <a:rPr lang="zh-CN" altLang="en-US" dirty="0" smtClean="0"/>
+              <a:t>，它们维持了一个事件循环结构，在合适的时间告诉</a:t>
+            </a:r>
+            <a:r>
+              <a:rPr lang="en-US" altLang="zh-CN" dirty="0" smtClean="0"/>
+              <a:t>JS</a:t>
+            </a:r>
+            <a:r>
+              <a:rPr lang="zh-CN" altLang="en-US" dirty="0" smtClean="0"/>
+              <a:t>引擎执行什么代码</a:t>
             </a:r>
             <a:endParaRPr lang="en-US" altLang="zh-CN" dirty="0"/>
           </a:p>
           <a:p>
-            <a:endParaRPr lang="zh-CN" altLang="en-US" dirty="0"/>
+            <a:endParaRPr lang="en-US" altLang="zh-CN" dirty="0"/>
           </a:p>
         </p:txBody>
       </p:sp>
@@ -3464,19 +3531,7 @@
           <a:p>
             <a:r>
               <a:rPr lang="en-US" altLang="zh-CN" dirty="0"/>
-              <a:t>ES6 </a:t>
-            </a:r>
-            <a:r>
-              <a:rPr lang="zh-CN" altLang="en-US" dirty="0" smtClean="0"/>
-              <a:t>中的</a:t>
-            </a:r>
-            <a:r>
-              <a:rPr lang="en-US" altLang="zh-CN" dirty="0" smtClean="0"/>
-              <a:t>Job </a:t>
-            </a:r>
-            <a:r>
-              <a:rPr lang="en-US" altLang="zh-CN" dirty="0"/>
-              <a:t>Queue</a:t>
+              <a:t>Tick</a:t>
             </a:r>
           </a:p>
         </p:txBody>
@@ -3497,8 +3552,24 @@
           <a:lstStyle/>
           <a:p>
             <a:r>
-              <a:rPr lang="en-US" altLang="zh-CN" dirty="0"/>
-              <a:t>It's a layer on top of the Event Loop queue. </a:t>
+              <a:rPr lang="zh-CN" altLang="en-US" dirty="0" smtClean="0"/>
+              <a:t>但其实事件循环只有一个简单的工作：监测</a:t>
+            </a:r>
+            <a:r>
+              <a:rPr lang="en-US" altLang="zh-CN" dirty="0" smtClean="0"/>
+              <a:t>call stack,</a:t>
+            </a:r>
+            <a:r>
+              <a:rPr lang="zh-CN" altLang="en-US" dirty="0" smtClean="0"/>
+              <a:t>如果发现它为空，就将事件队列中的第一个事件的回调函数推入</a:t>
+            </a:r>
+            <a:r>
+              <a:rPr lang="en-US" altLang="zh-CN" dirty="0" smtClean="0"/>
+              <a:t>call stack</a:t>
+            </a:r>
+            <a:r>
+              <a:rPr lang="zh-CN" altLang="en-US" dirty="0" smtClean="0"/>
+              <a:t>中执行。</a:t>
             </a:r>
             <a:endParaRPr lang="en-US" altLang="zh-CN" dirty="0" smtClean="0"/>
           </a:p>
@@ -3506,93 +3577,53 @@
             <a:endParaRPr lang="en-US" altLang="zh-CN" dirty="0"/>
           </a:p>
           <a:p>
-            <a:r>
-              <a:rPr lang="zh-CN" altLang="en-US" dirty="0" smtClean="0"/>
-              <a:t>绝大多数出现在使用</a:t>
-            </a:r>
-            <a:r>
-              <a:rPr lang="en-US" altLang="zh-CN" dirty="0" smtClean="0"/>
-              <a:t>Promise</a:t>
-            </a:r>
-            <a:r>
-              <a:rPr lang="zh-CN" altLang="en-US" dirty="0" smtClean="0"/>
-              <a:t>的场景中</a:t>
-            </a:r>
             <a:endParaRPr lang="en-US" altLang="zh-CN" dirty="0" smtClean="0"/>
           </a:p>
           <a:p>
-            <a:endParaRPr lang="en-US" altLang="zh-CN" dirty="0" smtClean="0"/>
-          </a:p>
-          <a:p>
-            <a:r>
-              <a:rPr lang="en-US" altLang="zh-CN" dirty="0" smtClean="0"/>
-              <a:t>Job queue</a:t>
-            </a:r>
-            <a:r>
-              <a:rPr lang="zh-CN" altLang="en-US" dirty="0" smtClean="0"/>
-              <a:t>的一个很直观的区别在于，一个回调函数被执行的时候，不可能立即</a:t>
-            </a:r>
-            <a:r>
-              <a:rPr lang="en-US" altLang="zh-CN" dirty="0" smtClean="0"/>
-              <a:t>(</a:t>
-            </a:r>
-            <a:r>
-              <a:rPr lang="zh-CN" altLang="en-US" dirty="0" smtClean="0"/>
-              <a:t>在当前</a:t>
+            <a:r>
+              <a:rPr lang="zh-CN" altLang="en-US" dirty="0" smtClean="0"/>
+              <a:t>监测到</a:t>
+            </a:r>
+            <a:r>
+              <a:rPr lang="en-US" altLang="zh-CN" dirty="0" smtClean="0"/>
+              <a:t>call stack</a:t>
+            </a:r>
+            <a:r>
+              <a:rPr lang="zh-CN" altLang="en-US" dirty="0" smtClean="0"/>
+              <a:t>为空</a:t>
+            </a:r>
+            <a:r>
+              <a:rPr lang="en-US" altLang="zh-CN" dirty="0" smtClean="0"/>
+              <a:t>-&gt; </a:t>
+            </a:r>
+            <a:r>
+              <a:rPr lang="zh-CN" altLang="en-US" dirty="0" smtClean="0"/>
+              <a:t>将回调推入 </a:t>
+            </a:r>
+            <a:r>
+              <a:rPr lang="en-US" altLang="zh-CN" dirty="0" smtClean="0"/>
+              <a:t>call stack -&gt; </a:t>
+            </a:r>
+            <a:r>
+              <a:rPr lang="en-US" altLang="zh-CN" dirty="0" smtClean="0"/>
+              <a:t>call stack</a:t>
+            </a:r>
+            <a:r>
+              <a:rPr lang="zh-CN" altLang="en-US" dirty="0" smtClean="0"/>
+              <a:t>执行</a:t>
+            </a:r>
+            <a:r>
+              <a:rPr lang="zh-CN" altLang="en-US" dirty="0" smtClean="0"/>
+              <a:t>完毕，这个过程我们可以称之为一个</a:t>
             </a:r>
             <a:r>
               <a:rPr lang="en-US" altLang="zh-CN" dirty="0" smtClean="0"/>
               <a:t>tick</a:t>
             </a:r>
-            <a:r>
-              <a:rPr lang="zh-CN" altLang="en-US" dirty="0" smtClean="0"/>
-              <a:t>内</a:t>
-            </a:r>
-            <a:r>
-              <a:rPr lang="en-US" altLang="zh-CN" dirty="0" smtClean="0"/>
-              <a:t>)</a:t>
-            </a:r>
-            <a:r>
-              <a:rPr lang="zh-CN" altLang="en-US" dirty="0" smtClean="0"/>
-              <a:t>就添加一个新回调到</a:t>
-            </a:r>
-            <a:r>
-              <a:rPr lang="zh-CN" altLang="en-US" dirty="0" smtClean="0"/>
-              <a:t>事件队列中</a:t>
-            </a:r>
-            <a:r>
-              <a:rPr lang="en-US" altLang="zh-CN" dirty="0" smtClean="0"/>
-              <a:t>,</a:t>
-            </a:r>
-            <a:r>
-              <a:rPr lang="zh-CN" altLang="en-US" dirty="0" smtClean="0"/>
-              <a:t>但是可能添加一个</a:t>
-            </a:r>
-            <a:r>
-              <a:rPr lang="en-US" altLang="zh-CN" dirty="0" smtClean="0"/>
-              <a:t>item</a:t>
-            </a:r>
-            <a:r>
-              <a:rPr lang="zh-CN" altLang="en-US" dirty="0" smtClean="0"/>
-              <a:t>到</a:t>
-            </a:r>
-            <a:r>
-              <a:rPr lang="en-US" altLang="zh-CN" dirty="0" smtClean="0"/>
-              <a:t>job queue</a:t>
-            </a:r>
-            <a:r>
-              <a:rPr lang="zh-CN" altLang="en-US" dirty="0" smtClean="0"/>
-              <a:t>的末尾并在当前</a:t>
-            </a:r>
-            <a:r>
-              <a:rPr lang="en-US" altLang="zh-CN" dirty="0" smtClean="0"/>
-              <a:t>tick</a:t>
-            </a:r>
-            <a:r>
-              <a:rPr lang="zh-CN" altLang="en-US" dirty="0" smtClean="0"/>
-              <a:t>执行</a:t>
-            </a:r>
-            <a:endParaRPr lang="en-US" altLang="zh-CN" dirty="0" smtClean="0"/>
+            <a:endParaRPr lang="en-US" altLang="zh-CN" dirty="0"/>
+          </a:p>
+          <a:p>
+            <a:endParaRPr lang="zh-CN" altLang="en-US" dirty="0"/>
           </a:p>
         </p:txBody>
       </p:sp>
@@ -3637,37 +3668,132 @@
           <a:lstStyle/>
           <a:p>
             <a:r>
-              <a:rPr lang="en-US" altLang="zh-CN"/>
+              <a:rPr lang="en-US" altLang="zh-CN" dirty="0"/>
+              <a:t>ES6 </a:t>
+            </a:r>
+            <a:r>
+              <a:rPr lang="zh-CN" altLang="en-US" dirty="0" smtClean="0"/>
+              <a:t>中的</a:t>
+            </a:r>
+            <a:r>
+              <a:rPr lang="en-US" altLang="zh-CN" dirty="0" smtClean="0"/>
+              <a:t>Job </a:t>
+            </a:r>
+            <a:r>
+              <a:rPr lang="en-US" altLang="zh-CN" dirty="0"/>
+              <a:t>Queue</a:t>
+            </a:r>
+          </a:p>
+        </p:txBody>
+      </p:sp>
+      <p:sp>
+        <p:nvSpPr>
+          <p:cNvPr id="3" name="内容占位符 2"/>
+          <p:cNvSpPr>
+            <a:spLocks noGrp="1"/>
+          </p:cNvSpPr>
+          <p:nvPr>
+            <p:ph idx="1"/>
+          </p:nvPr>
+        </p:nvSpPr>
+        <p:spPr/>
+        <p:txBody>
+          <a:bodyPr/>
+          <a:lstStyle/>
+          <a:p>
+            <a:r>
+              <a:rPr lang="en-US" altLang="zh-CN" dirty="0"/>
+              <a:t>It's a layer on top of the Event Loop queue. </a:t>
+            </a:r>
+            <a:endParaRPr lang="en-US" altLang="zh-CN" dirty="0" smtClean="0"/>
+          </a:p>
+          <a:p>
+            <a:endParaRPr lang="en-US" altLang="zh-CN" dirty="0"/>
+          </a:p>
+          <a:p>
+            <a:r>
+              <a:rPr lang="zh-CN" altLang="en-US" dirty="0" smtClean="0"/>
+              <a:t>绝大多数出现在使用</a:t>
+            </a:r>
+            <a:r>
+              <a:rPr lang="en-US" altLang="zh-CN" dirty="0" smtClean="0"/>
               <a:t>Promise</a:t>
             </a:r>
-          </a:p>
-        </p:txBody>
-      </p:sp>
-      <p:sp>
-        <p:nvSpPr>
-          <p:cNvPr id="3" name="内容占位符 2"/>
-          <p:cNvSpPr>
-            <a:spLocks noGrp="1"/>
-          </p:cNvSpPr>
-          <p:nvPr>
-            <p:ph idx="1"/>
-          </p:nvPr>
-        </p:nvSpPr>
-        <p:spPr/>
-        <p:txBody>
-          <a:bodyPr/>
-          <a:lstStyle/>
-          <a:p>
-            <a:r>
-              <a:rPr lang="en-US" altLang="zh-CN"/>
-              <a:t>p instanceof Promise?</a:t>
-            </a:r>
-          </a:p>
-          <a:p>
-            <a:r>
-              <a:rPr lang="en-US" altLang="zh-CN"/>
-              <a:t>async/await makes the job of working with Promises easier</a:t>
-            </a:r>
+            <a:r>
+              <a:rPr lang="zh-CN" altLang="en-US" dirty="0" smtClean="0"/>
+              <a:t>的场景中</a:t>
+            </a:r>
+            <a:endParaRPr lang="en-US" altLang="zh-CN" dirty="0" smtClean="0"/>
+          </a:p>
+          <a:p>
+            <a:endParaRPr lang="en-US" altLang="zh-CN" dirty="0" smtClean="0"/>
+          </a:p>
+          <a:p>
+            <a:r>
+              <a:rPr lang="en-US" altLang="zh-CN" dirty="0" smtClean="0"/>
+              <a:t>Job queue</a:t>
+            </a:r>
+            <a:r>
+              <a:rPr lang="zh-CN" altLang="en-US" dirty="0" smtClean="0"/>
+              <a:t>的一个很直观的区别在于，一个回调函数被执行的时候，不可能立即</a:t>
+            </a:r>
+            <a:r>
+              <a:rPr lang="en-US" altLang="zh-CN" dirty="0" smtClean="0"/>
+              <a:t>(</a:t>
+            </a:r>
+            <a:r>
+              <a:rPr lang="zh-CN" altLang="en-US" dirty="0" smtClean="0"/>
+              <a:t>在当前</a:t>
+            </a:r>
+            <a:r>
+              <a:rPr lang="en-US" altLang="zh-CN" dirty="0" smtClean="0"/>
+              <a:t>tick</a:t>
+            </a:r>
+            <a:r>
+              <a:rPr lang="zh-CN" altLang="en-US" dirty="0" smtClean="0"/>
+              <a:t>内</a:t>
+            </a:r>
+            <a:r>
+              <a:rPr lang="en-US" altLang="zh-CN" dirty="0" smtClean="0"/>
+              <a:t>)</a:t>
+            </a:r>
+            <a:r>
+              <a:rPr lang="zh-CN" altLang="en-US" dirty="0" smtClean="0"/>
+              <a:t>就添加一个新回调到事件队列中</a:t>
+            </a:r>
+            <a:r>
+              <a:rPr lang="en-US" altLang="zh-CN" dirty="0" smtClean="0"/>
+              <a:t>,</a:t>
+            </a:r>
+            <a:r>
+              <a:rPr lang="zh-CN" altLang="en-US" dirty="0" smtClean="0"/>
+              <a:t>但是可能添加一个</a:t>
+            </a:r>
+            <a:r>
+              <a:rPr lang="en-US" altLang="zh-CN" dirty="0" smtClean="0"/>
+              <a:t>item</a:t>
+            </a:r>
+            <a:r>
+              <a:rPr lang="zh-CN" altLang="en-US" dirty="0" smtClean="0"/>
+              <a:t>到</a:t>
+            </a:r>
+            <a:r>
+              <a:rPr lang="en-US" altLang="zh-CN" dirty="0" smtClean="0"/>
+              <a:t>job queue</a:t>
+            </a:r>
+            <a:r>
+              <a:rPr lang="zh-CN" altLang="en-US" dirty="0" smtClean="0"/>
+              <a:t>的末尾并在当前</a:t>
+            </a:r>
+            <a:r>
+              <a:rPr lang="en-US" altLang="zh-CN" dirty="0" smtClean="0"/>
+              <a:t>tick</a:t>
+            </a:r>
+            <a:r>
+              <a:rPr lang="zh-CN" altLang="en-US" dirty="0" smtClean="0"/>
+              <a:t>执行</a:t>
+            </a:r>
+            <a:endParaRPr lang="en-US" altLang="zh-CN" dirty="0" smtClean="0"/>
           </a:p>
         </p:txBody>
       </p:sp>
@@ -3712,8 +3838,8 @@
           <a:lstStyle/>
           <a:p>
             <a:r>
-              <a:rPr lang="zh-CN" altLang="en-US"/>
-              <a:t>来自亮哥的一段代码</a:t>
+              <a:rPr lang="en-US" altLang="zh-CN" dirty="0"/>
+              <a:t>Promise</a:t>
             </a:r>
           </a:p>
         </p:txBody>
@@ -3733,67 +3859,75 @@
           <a:bodyPr/>
           <a:lstStyle/>
           <a:p>
-            <a:pPr marL="0" indent="0">
-              <a:buNone/>
-            </a:pPr>
-            <a:r>
-              <a:rPr lang="en-US" altLang="zh-CN"/>
-              <a:t>new Promise((resolve, reject) =&gt; {</a:t>
-            </a:r>
-          </a:p>
-          <a:p>
-            <a:pPr marL="0" indent="0">
-              <a:buNone/>
-            </a:pPr>
-            <a:r>
-              <a:rPr lang="en-US" altLang="zh-CN"/>
-              <a:t>	resolve(1);</a:t>
-            </a:r>
-          </a:p>
-          <a:p>
-            <a:pPr marL="0" indent="0">
-              <a:buNone/>
-            </a:pPr>
-            <a:r>
-              <a:rPr lang="en-US" altLang="zh-CN"/>
-              <a:t>	Promise.resolve().then(() =&gt; console.log(2));</a:t>
-            </a:r>
-          </a:p>
-          <a:p>
-            <a:pPr marL="0" indent="0">
-              <a:buNone/>
-            </a:pPr>
-            <a:r>
-              <a:rPr lang="en-US" altLang="zh-CN"/>
-              <a:t>	console.log(4);</a:t>
-            </a:r>
-          </a:p>
-          <a:p>
-            <a:pPr marL="0" indent="0">
-              <a:buNone/>
-            </a:pPr>
-            <a:r>
-              <a:rPr lang="en-US" altLang="zh-CN"/>
-              <a:t>}).then(val =&gt; console.log(val));</a:t>
-            </a:r>
-          </a:p>
-          <a:p>
-            <a:pPr marL="0" indent="0">
-              <a:buNone/>
-            </a:pPr>
-            <a:r>
-              <a:rPr lang="en-US" altLang="zh-CN"/>
-              <a:t>console.log(3);</a:t>
-            </a:r>
-          </a:p>
-          <a:p>
-            <a:pPr marL="0" indent="0">
-              <a:buNone/>
-            </a:pPr>
-            <a:r>
-              <a:rPr lang="en-US" altLang="zh-CN"/>
-              <a:t>//4 3 2 1</a:t>
-            </a:r>
+            <a:r>
+              <a:rPr lang="zh-CN" altLang="en-US" dirty="0" smtClean="0"/>
+              <a:t>同步函数有两个重要特征</a:t>
+            </a:r>
+            <a:r>
+              <a:rPr lang="en-US" altLang="zh-CN" dirty="0" smtClean="0"/>
+              <a:t>:  </a:t>
+            </a:r>
+            <a:r>
+              <a:rPr lang="zh-CN" altLang="en-US" dirty="0" smtClean="0"/>
+              <a:t>有返回值、能抛出异常。所以我们可以获取</a:t>
+            </a:r>
+            <a:r>
+              <a:rPr lang="zh-CN" altLang="en-US" dirty="0"/>
+              <a:t>前一</a:t>
+            </a:r>
+            <a:r>
+              <a:rPr lang="zh-CN" altLang="en-US" dirty="0" smtClean="0"/>
+              <a:t>个同步函数的返回值并按顺序传给下一个函数，这些函数组成了一条调用链，当其中某一部分失败时，就会向所有更深层的函数抛出异常，直到某一个函数可以处理它</a:t>
+            </a:r>
+            <a:endParaRPr lang="en-US" altLang="zh-CN" dirty="0" smtClean="0"/>
+          </a:p>
+          <a:p>
+            <a:endParaRPr lang="en-US" altLang="zh-CN" dirty="0" smtClean="0"/>
+          </a:p>
+          <a:p>
+            <a:r>
+              <a:rPr lang="zh-CN" altLang="en-US" dirty="0" smtClean="0"/>
+              <a:t>异步函数不能直接返回值或抛出异常，只能采用回调的方式拿值</a:t>
+            </a:r>
+            <a:endParaRPr lang="en-US" altLang="zh-CN" dirty="0" smtClean="0"/>
+          </a:p>
+          <a:p>
+            <a:endParaRPr lang="en-US" altLang="zh-CN" dirty="0"/>
+          </a:p>
+          <a:p>
+            <a:r>
+              <a:rPr lang="en-US" altLang="zh-CN" dirty="0" smtClean="0"/>
+              <a:t>Promise</a:t>
+            </a:r>
+            <a:r>
+              <a:rPr lang="zh-CN" altLang="en-US" dirty="0" smtClean="0"/>
+              <a:t>的一个重点在于它在异步的世界里使我们能返回值和抛出异常。</a:t>
+            </a:r>
+            <a:endParaRPr lang="en-US" altLang="zh-CN" dirty="0" smtClean="0"/>
+          </a:p>
+          <a:p>
+            <a:endParaRPr lang="en-US" altLang="zh-CN" dirty="0"/>
+          </a:p>
+          <a:p>
+            <a:endParaRPr lang="en-US" altLang="zh-CN" dirty="0"/>
+          </a:p>
+          <a:p>
+            <a:endParaRPr lang="en-US" altLang="zh-CN" dirty="0"/>
+          </a:p>
+          <a:p>
+            <a:endParaRPr lang="en-US" altLang="zh-CN" dirty="0"/>
+          </a:p>
+          <a:p>
+            <a:endParaRPr lang="en-US" altLang="zh-CN" dirty="0"/>
+          </a:p>
+          <a:p>
+            <a:endParaRPr lang="en-US" altLang="zh-CN" dirty="0"/>
+          </a:p>
+          <a:p>
+            <a:endParaRPr lang="en-US" altLang="zh-CN" dirty="0"/>
+          </a:p>
+          <a:p>
+            <a:endParaRPr lang="en-US" altLang="zh-CN" dirty="0"/>
           </a:p>
         </p:txBody>
       </p:sp>
@@ -3838,6 +3972,274 @@
           <a:lstStyle/>
           <a:p>
             <a:r>
+              <a:rPr lang="en-US" altLang="zh-CN" dirty="0" err="1" smtClean="0"/>
+              <a:t>Promise.then</a:t>
+            </a:r>
+            <a:endParaRPr lang="zh-CN" altLang="en-US" dirty="0"/>
+          </a:p>
+        </p:txBody>
+      </p:sp>
+      <p:sp>
+        <p:nvSpPr>
+          <p:cNvPr id="3" name="内容占位符 2"/>
+          <p:cNvSpPr>
+            <a:spLocks noGrp="1"/>
+          </p:cNvSpPr>
+          <p:nvPr>
+            <p:ph idx="1"/>
+          </p:nvPr>
+        </p:nvSpPr>
+        <p:spPr/>
+        <p:txBody>
+          <a:bodyPr/>
+          <a:lstStyle/>
+          <a:p>
+            <a:r>
+              <a:rPr lang="en-US" altLang="zh-CN" dirty="0" err="1" smtClean="0"/>
+              <a:t>Promise.then</a:t>
+            </a:r>
+            <a:r>
+              <a:rPr lang="zh-CN" altLang="en-US" dirty="0" smtClean="0"/>
+              <a:t>会返回一个新的</a:t>
+            </a:r>
+            <a:r>
+              <a:rPr lang="en-US" altLang="zh-CN" dirty="0" smtClean="0"/>
+              <a:t>promise</a:t>
+            </a:r>
+            <a:r>
+              <a:rPr lang="zh-CN" altLang="en-US" dirty="0" smtClean="0"/>
+              <a:t>对象，这允许了</a:t>
+            </a:r>
+            <a:r>
+              <a:rPr lang="en-US" altLang="zh-CN" dirty="0" smtClean="0"/>
+              <a:t>promise</a:t>
+            </a:r>
+            <a:r>
+              <a:rPr lang="zh-CN" altLang="en-US" dirty="0" smtClean="0"/>
+              <a:t>的链式调用</a:t>
+            </a:r>
+            <a:endParaRPr lang="en-US" altLang="zh-CN" dirty="0" smtClean="0"/>
+          </a:p>
+          <a:p>
+            <a:r>
+              <a:rPr lang="zh-CN" altLang="en-US" dirty="0" smtClean="0"/>
+              <a:t>这与同步代码十分相像，因为前一个</a:t>
+            </a:r>
+            <a:r>
+              <a:rPr lang="en-US" altLang="zh-CN" dirty="0" smtClean="0"/>
+              <a:t>promise</a:t>
+            </a:r>
+            <a:r>
+              <a:rPr lang="zh-CN" altLang="en-US" dirty="0" smtClean="0"/>
+              <a:t>的状态不能改变，恰如前一个同步函数运行完后，返回值不会再改变。</a:t>
+            </a:r>
+            <a:endParaRPr lang="en-US" altLang="zh-CN" dirty="0" smtClean="0"/>
+          </a:p>
+          <a:p>
+            <a:r>
+              <a:rPr lang="en-US" altLang="zh-CN"/>
+              <a:t>https://gist.github.com/domenic/3889970</a:t>
+            </a:r>
+            <a:endParaRPr lang="zh-CN" altLang="en-US" dirty="0"/>
+          </a:p>
+        </p:txBody>
+      </p:sp>
+    </p:spTree>
+    <p:extLst>
+      <p:ext uri="{BB962C8B-B14F-4D97-AF65-F5344CB8AC3E}">
+        <p14:creationId xmlns:p14="http://schemas.microsoft.com/office/powerpoint/2010/main" val="2756539123"/>
+      </p:ext>
+    </p:extLst>
+  </p:cSld>
+  <p:clrMapOvr>
+    <a:masterClrMapping/>
+  </p:clrMapOvr>
+</p:sld>
+</file>
+
+<file path=ppt/slides/slide17.xml><?xml version="1.0" encoding="utf-8"?>
+<p:sld xmlns:a="http://schemas.openxmlformats.org/drawingml/2006/main" xmlns:r="http://schemas.openxmlformats.org/officeDocument/2006/relationships" xmlns:p="http://schemas.openxmlformats.org/presentationml/2006/main">
+  <p:cSld>
+    <p:spTree>
+      <p:nvGrpSpPr>
+        <p:cNvPr id="1" name=""/>
+        <p:cNvGrpSpPr/>
+        <p:nvPr/>
+      </p:nvGrpSpPr>
+      <p:grpSpPr>
+        <a:xfrm>
+          <a:off x="0" y="0"/>
+          <a:ext cx="0" cy="0"/>
+          <a:chOff x="0" y="0"/>
+          <a:chExt cx="0" cy="0"/>
+        </a:xfrm>
+      </p:grpSpPr>
+      <p:sp>
+        <p:nvSpPr>
+          <p:cNvPr id="2" name="标题 1"/>
+          <p:cNvSpPr>
+            <a:spLocks noGrp="1"/>
+          </p:cNvSpPr>
+          <p:nvPr>
+            <p:ph type="title"/>
+          </p:nvPr>
+        </p:nvSpPr>
+        <p:spPr/>
+        <p:txBody>
+          <a:bodyPr/>
+          <a:lstStyle/>
+          <a:p>
+            <a:r>
+              <a:rPr lang="zh-CN" altLang="en-US"/>
+              <a:t>来自亮哥的一段代码</a:t>
+            </a:r>
+          </a:p>
+        </p:txBody>
+      </p:sp>
+      <p:sp>
+        <p:nvSpPr>
+          <p:cNvPr id="3" name="内容占位符 2"/>
+          <p:cNvSpPr>
+            <a:spLocks noGrp="1"/>
+          </p:cNvSpPr>
+          <p:nvPr>
+            <p:ph idx="1"/>
+          </p:nvPr>
+        </p:nvSpPr>
+        <p:spPr/>
+        <p:txBody>
+          <a:bodyPr/>
+          <a:lstStyle/>
+          <a:p>
+            <a:pPr marL="0" indent="0">
+              <a:buNone/>
+            </a:pPr>
+            <a:r>
+              <a:rPr lang="en-US" altLang="zh-CN" dirty="0"/>
+              <a:t>new Promise((resolve, reject) =&gt; {</a:t>
+            </a:r>
+          </a:p>
+          <a:p>
+            <a:pPr marL="0" indent="0">
+              <a:buNone/>
+            </a:pPr>
+            <a:r>
+              <a:rPr lang="en-US" altLang="zh-CN" dirty="0"/>
+              <a:t>	resolve(1);</a:t>
+            </a:r>
+          </a:p>
+          <a:p>
+            <a:pPr marL="0" indent="0">
+              <a:buNone/>
+            </a:pPr>
+            <a:r>
+              <a:rPr lang="en-US" altLang="zh-CN" dirty="0"/>
+              <a:t>	</a:t>
+            </a:r>
+            <a:r>
+              <a:rPr lang="en-US" altLang="zh-CN" dirty="0" err="1"/>
+              <a:t>Promise.resolve</a:t>
+            </a:r>
+            <a:r>
+              <a:rPr lang="en-US" altLang="zh-CN" dirty="0"/>
+              <a:t>().then(() =&gt; console.log(2));</a:t>
+            </a:r>
+          </a:p>
+          <a:p>
+            <a:pPr marL="0" indent="0">
+              <a:buNone/>
+            </a:pPr>
+            <a:r>
+              <a:rPr lang="en-US" altLang="zh-CN" dirty="0"/>
+              <a:t>	console.log(4);</a:t>
+            </a:r>
+          </a:p>
+          <a:p>
+            <a:pPr marL="0" indent="0">
+              <a:buNone/>
+            </a:pPr>
+            <a:r>
+              <a:rPr lang="en-US" altLang="zh-CN" dirty="0"/>
+              <a:t>}).then(</a:t>
+            </a:r>
+            <a:r>
+              <a:rPr lang="en-US" altLang="zh-CN" dirty="0" err="1"/>
+              <a:t>val</a:t>
+            </a:r>
+            <a:r>
+              <a:rPr lang="en-US" altLang="zh-CN" dirty="0"/>
+              <a:t> =&gt; console.log(</a:t>
+            </a:r>
+            <a:r>
+              <a:rPr lang="en-US" altLang="zh-CN" dirty="0" err="1"/>
+              <a:t>val</a:t>
+            </a:r>
+            <a:r>
+              <a:rPr lang="en-US" altLang="zh-CN" dirty="0"/>
+              <a:t>));</a:t>
+            </a:r>
+          </a:p>
+          <a:p>
+            <a:pPr marL="0" indent="0">
+              <a:buNone/>
+            </a:pPr>
+            <a:r>
+              <a:rPr lang="en-US" altLang="zh-CN" dirty="0"/>
+              <a:t>console.log(3);</a:t>
+            </a:r>
+          </a:p>
+          <a:p>
+            <a:pPr marL="0" indent="0">
+              <a:buNone/>
+            </a:pPr>
+            <a:r>
+              <a:rPr lang="en-US" altLang="zh-CN" dirty="0"/>
+              <a:t>//4 3 2 1</a:t>
+            </a:r>
+          </a:p>
+        </p:txBody>
+      </p:sp>
+    </p:spTree>
+  </p:cSld>
+  <p:clrMapOvr>
+    <a:masterClrMapping/>
+  </p:clrMapOvr>
+</p:sld>
+</file>
+
+<file path=ppt/slides/slide18.xml><?xml version="1.0" encoding="utf-8"?>
+<p:sld xmlns:a="http://schemas.openxmlformats.org/drawingml/2006/main" xmlns:r="http://schemas.openxmlformats.org/officeDocument/2006/relationships" xmlns:p="http://schemas.openxmlformats.org/presentationml/2006/main">
+  <p:cSld>
+    <p:spTree>
+      <p:nvGrpSpPr>
+        <p:cNvPr id="1" name=""/>
+        <p:cNvGrpSpPr/>
+        <p:nvPr/>
+      </p:nvGrpSpPr>
+      <p:grpSpPr>
+        <a:xfrm>
+          <a:off x="0" y="0"/>
+          <a:ext cx="0" cy="0"/>
+          <a:chOff x="0" y="0"/>
+          <a:chExt cx="0" cy="0"/>
+        </a:xfrm>
+      </p:grpSpPr>
+      <p:sp>
+        <p:nvSpPr>
+          <p:cNvPr id="2" name="标题 1"/>
+          <p:cNvSpPr>
+            <a:spLocks noGrp="1"/>
+          </p:cNvSpPr>
+          <p:nvPr>
+            <p:ph type="title"/>
+          </p:nvPr>
+        </p:nvSpPr>
+        <p:spPr/>
+        <p:txBody>
+          <a:bodyPr/>
+          <a:lstStyle/>
+          <a:p>
+            <a:r>
               <a:rPr lang="en-US" altLang="zh-CN"/>
               <a:t>Key</a:t>
             </a:r>
@@ -3860,44 +4262,41 @@
           <a:lstStyle/>
           <a:p>
             <a:r>
-              <a:rPr lang="en-US" altLang="zh-CN"/>
+              <a:rPr lang="en-US" altLang="zh-CN" dirty="0"/>
               <a:t>Promise</a:t>
             </a:r>
             <a:r>
-              <a:rPr lang="zh-CN" altLang="en-US"/>
+              <a:rPr lang="zh-CN" altLang="en-US" dirty="0"/>
               <a:t>的</a:t>
             </a:r>
             <a:r>
-              <a:rPr lang="en-US" altLang="zh-CN"/>
+              <a:rPr lang="en-US" altLang="zh-CN" dirty="0"/>
               <a:t>then</a:t>
             </a:r>
             <a:r>
-              <a:rPr lang="zh-CN" altLang="en-US"/>
+              <a:rPr lang="zh-CN" altLang="en-US" dirty="0"/>
               <a:t>中的</a:t>
             </a:r>
             <a:r>
-              <a:rPr lang="en-US" altLang="zh-CN"/>
+              <a:rPr lang="en-US" altLang="zh-CN" dirty="0"/>
               <a:t>callback</a:t>
             </a:r>
             <a:r>
-              <a:rPr lang="zh-CN" altLang="en-US"/>
+              <a:rPr lang="zh-CN" altLang="en-US" dirty="0"/>
               <a:t>在执行到</a:t>
             </a:r>
             <a:r>
-              <a:rPr lang="en-US" altLang="zh-CN"/>
+              <a:rPr lang="en-US" altLang="zh-CN" dirty="0"/>
               <a:t>then</a:t>
             </a:r>
             <a:r>
-              <a:rPr lang="zh-CN" altLang="en-US"/>
+              <a:rPr lang="zh-CN" altLang="en-US" dirty="0"/>
               <a:t>的时候才会压入</a:t>
             </a:r>
             <a:r>
-              <a:rPr lang="en-US" altLang="zh-CN"/>
-              <a:t>Job Queue					--ECMAScript-262</a:t>
-            </a:r>
-          </a:p>
-          <a:p>
-            <a:endParaRPr lang="en-US" altLang="zh-CN"/>
+              <a:rPr lang="en-US" altLang="zh-CN" dirty="0"/>
+              <a:t>Job Queue					</a:t>
+            </a:r>
           </a:p>
         </p:txBody>
       </p:sp>
@@ -3933,7 +4332,7 @@
 </p:sld>
 </file>
 
-<file path=ppt/slides/slide17.xml><?xml version="1.0" encoding="utf-8"?>
+<file path=ppt/slides/slide19.xml><?xml version="1.0" encoding="utf-8"?>
 <p:sld xmlns:a="http://schemas.openxmlformats.org/drawingml/2006/main" xmlns:r="http://schemas.openxmlformats.org/officeDocument/2006/relationships" xmlns:p="http://schemas.openxmlformats.org/presentationml/2006/main">
   <p:cSld>
     <p:spTree>
@@ -4004,7 +4403,101 @@
 </p:sld>
 </file>
 
-<file path=ppt/slides/slide18.xml><?xml version="1.0" encoding="utf-8"?>
+<file path=ppt/slides/slide2.xml><?xml version="1.0" encoding="utf-8"?>
+<p:sld xmlns:a="http://schemas.openxmlformats.org/drawingml/2006/main" xmlns:r="http://schemas.openxmlformats.org/officeDocument/2006/relationships" xmlns:p="http://schemas.openxmlformats.org/presentationml/2006/main">
+  <p:cSld>
+    <p:spTree>
+      <p:nvGrpSpPr>
+        <p:cNvPr id="1" name=""/>
+        <p:cNvGrpSpPr/>
+        <p:nvPr/>
+      </p:nvGrpSpPr>
+      <p:grpSpPr>
+        <a:xfrm>
+          <a:off x="0" y="0"/>
+          <a:ext cx="0" cy="0"/>
+          <a:chOff x="0" y="0"/>
+          <a:chExt cx="0" cy="0"/>
+        </a:xfrm>
+      </p:grpSpPr>
+      <p:sp>
+        <p:nvSpPr>
+          <p:cNvPr id="2" name="标题 1"/>
+          <p:cNvSpPr>
+            <a:spLocks noGrp="1"/>
+          </p:cNvSpPr>
+          <p:nvPr>
+            <p:ph type="title"/>
+          </p:nvPr>
+        </p:nvSpPr>
+        <p:spPr/>
+        <p:txBody>
+          <a:bodyPr/>
+          <a:lstStyle/>
+          <a:p>
+            <a:r>
+              <a:rPr lang="zh-CN" altLang="en-US" dirty="0" smtClean="0"/>
+              <a:t>几个概念</a:t>
+            </a:r>
+            <a:endParaRPr lang="zh-CN" altLang="en-US" dirty="0"/>
+          </a:p>
+        </p:txBody>
+      </p:sp>
+      <p:sp>
+        <p:nvSpPr>
+          <p:cNvPr id="3" name="内容占位符 2"/>
+          <p:cNvSpPr>
+            <a:spLocks noGrp="1"/>
+          </p:cNvSpPr>
+          <p:nvPr>
+            <p:ph idx="1"/>
+          </p:nvPr>
+        </p:nvSpPr>
+        <p:spPr/>
+        <p:txBody>
+          <a:bodyPr/>
+          <a:lstStyle/>
+          <a:p>
+            <a:r>
+              <a:rPr lang="en-US" altLang="zh-CN" dirty="0" smtClean="0"/>
+              <a:t>JS Engine</a:t>
+            </a:r>
+          </a:p>
+          <a:p>
+            <a:r>
+              <a:rPr lang="en-US" altLang="zh-CN" dirty="0" smtClean="0"/>
+              <a:t>Runtime</a:t>
+            </a:r>
+          </a:p>
+          <a:p>
+            <a:r>
+              <a:rPr lang="en-US" altLang="zh-CN" dirty="0" smtClean="0"/>
+              <a:t>Call Stack</a:t>
+            </a:r>
+          </a:p>
+          <a:p>
+            <a:r>
+              <a:rPr lang="en-US" altLang="zh-CN" dirty="0" smtClean="0"/>
+              <a:t>Event Loop</a:t>
+            </a:r>
+            <a:endParaRPr lang="zh-CN" altLang="en-US" dirty="0"/>
+          </a:p>
+        </p:txBody>
+      </p:sp>
+    </p:spTree>
+    <p:extLst>
+      <p:ext uri="{BB962C8B-B14F-4D97-AF65-F5344CB8AC3E}">
+        <p14:creationId xmlns:p14="http://schemas.microsoft.com/office/powerpoint/2010/main" val="3039165526"/>
+      </p:ext>
+    </p:extLst>
+  </p:cSld>
+  <p:clrMapOvr>
+    <a:masterClrMapping/>
+  </p:clrMapOvr>
+</p:sld>
+</file>
+
+<file path=ppt/slides/slide20.xml><?xml version="1.0" encoding="utf-8"?>
 <p:sld xmlns:a="http://schemas.openxmlformats.org/drawingml/2006/main" xmlns:r="http://schemas.openxmlformats.org/officeDocument/2006/relationships" xmlns:p="http://schemas.openxmlformats.org/presentationml/2006/main">
   <p:cSld>
     <p:spTree>
@@ -4075,7 +4568,7 @@
 </p:sld>
 </file>
 
-<file path=ppt/slides/slide19.xml><?xml version="1.0" encoding="utf-8"?>
+<file path=ppt/slides/slide21.xml><?xml version="1.0" encoding="utf-8"?>
 <p:sld xmlns:a="http://schemas.openxmlformats.org/drawingml/2006/main" xmlns:r="http://schemas.openxmlformats.org/officeDocument/2006/relationships" xmlns:p="http://schemas.openxmlformats.org/presentationml/2006/main">
   <p:cSld>
     <p:spTree>
@@ -4161,100 +4654,6 @@
         </p:txBody>
       </p:sp>
     </p:spTree>
-  </p:cSld>
-  <p:clrMapOvr>
-    <a:masterClrMapping/>
-  </p:clrMapOvr>
-</p:sld>
-</file>
-
-<file path=ppt/slides/slide2.xml><?xml version="1.0" encoding="utf-8"?>
-<p:sld xmlns:a="http://schemas.openxmlformats.org/drawingml/2006/main" xmlns:r="http://schemas.openxmlformats.org/officeDocument/2006/relationships" xmlns:p="http://schemas.openxmlformats.org/presentationml/2006/main">
-  <p:cSld>
-    <p:spTree>
-      <p:nvGrpSpPr>
-        <p:cNvPr id="1" name=""/>
-        <p:cNvGrpSpPr/>
-        <p:nvPr/>
-      </p:nvGrpSpPr>
-      <p:grpSpPr>
-        <a:xfrm>
-          <a:off x="0" y="0"/>
-          <a:ext cx="0" cy="0"/>
-          <a:chOff x="0" y="0"/>
-          <a:chExt cx="0" cy="0"/>
-        </a:xfrm>
-      </p:grpSpPr>
-      <p:sp>
-        <p:nvSpPr>
-          <p:cNvPr id="2" name="标题 1"/>
-          <p:cNvSpPr>
-            <a:spLocks noGrp="1"/>
-          </p:cNvSpPr>
-          <p:nvPr>
-            <p:ph type="title"/>
-          </p:nvPr>
-        </p:nvSpPr>
-        <p:spPr/>
-        <p:txBody>
-          <a:bodyPr/>
-          <a:lstStyle/>
-          <a:p>
-            <a:r>
-              <a:rPr lang="zh-CN" altLang="en-US" dirty="0" smtClean="0"/>
-              <a:t>几个概念</a:t>
-            </a:r>
-            <a:endParaRPr lang="zh-CN" altLang="en-US" dirty="0"/>
-          </a:p>
-        </p:txBody>
-      </p:sp>
-      <p:sp>
-        <p:nvSpPr>
-          <p:cNvPr id="3" name="内容占位符 2"/>
-          <p:cNvSpPr>
-            <a:spLocks noGrp="1"/>
-          </p:cNvSpPr>
-          <p:nvPr>
-            <p:ph idx="1"/>
-          </p:nvPr>
-        </p:nvSpPr>
-        <p:spPr/>
-        <p:txBody>
-          <a:bodyPr/>
-          <a:lstStyle/>
-          <a:p>
-            <a:r>
-              <a:rPr lang="en-US" altLang="zh-CN" dirty="0" smtClean="0"/>
-              <a:t>JS Engine</a:t>
-            </a:r>
-          </a:p>
-          <a:p>
-            <a:r>
-              <a:rPr lang="en-US" altLang="zh-CN" dirty="0" smtClean="0"/>
-              <a:t>Runtime</a:t>
-            </a:r>
-          </a:p>
-          <a:p>
-            <a:r>
-              <a:rPr lang="en-US" altLang="zh-CN" dirty="0" smtClean="0"/>
-              <a:t>Call Stack</a:t>
-            </a:r>
-          </a:p>
-          <a:p>
-            <a:r>
-              <a:rPr lang="en-US" altLang="zh-CN" dirty="0" smtClean="0"/>
-              <a:t>Event Loop</a:t>
-            </a:r>
-            <a:endParaRPr lang="zh-CN" altLang="en-US" dirty="0"/>
-          </a:p>
-        </p:txBody>
-      </p:sp>
-    </p:spTree>
-    <p:extLst>
-      <p:ext uri="{BB962C8B-B14F-4D97-AF65-F5344CB8AC3E}">
-        <p14:creationId xmlns:p14="http://schemas.microsoft.com/office/powerpoint/2010/main" val="3039165526"/>
-      </p:ext>
-    </p:extLst>
   </p:cSld>
   <p:clrMapOvr>
     <a:masterClrMapping/>
@@ -4986,256 +5385,72 @@
           <a:lstStyle/>
           <a:p>
             <a:r>
-              <a:rPr lang="en-US" altLang="zh-CN" dirty="0" err="1" smtClean="0"/>
-              <a:t>Javascript</a:t>
-            </a:r>
-            <a:r>
-              <a:rPr lang="en-US" altLang="zh-CN" dirty="0" smtClean="0"/>
-              <a:t> Engine</a:t>
-            </a:r>
-            <a:endParaRPr lang="en-US" altLang="zh-CN" dirty="0"/>
-          </a:p>
-        </p:txBody>
-      </p:sp>
-      <p:sp>
-        <p:nvSpPr>
-          <p:cNvPr id="3" name="内容占位符 2"/>
-          <p:cNvSpPr>
-            <a:spLocks noGrp="1"/>
-          </p:cNvSpPr>
-          <p:nvPr>
-            <p:ph idx="1"/>
-          </p:nvPr>
-        </p:nvSpPr>
-        <p:spPr>
+              <a:rPr lang="en-US" altLang="zh-CN" dirty="0" smtClean="0"/>
+              <a:t>V8</a:t>
+            </a:r>
+            <a:r>
+              <a:rPr lang="zh-CN" altLang="en-US" dirty="0" smtClean="0"/>
+              <a:t>引擎</a:t>
+            </a:r>
+            <a:r>
+              <a:rPr lang="en-US" altLang="zh-CN" dirty="0" smtClean="0"/>
+              <a:t>10</a:t>
+            </a:r>
+            <a:r>
+              <a:rPr lang="zh-CN" altLang="en-US" dirty="0" smtClean="0"/>
+              <a:t>周年</a:t>
+            </a:r>
+            <a:endParaRPr lang="zh-CN" altLang="en-US" dirty="0"/>
+          </a:p>
+        </p:txBody>
+      </p:sp>
+      <p:pic>
+        <p:nvPicPr>
+          <p:cNvPr id="1026" name="Picture 2" descr="2018 å¹´ï¼JavaScript é½ç»åäºä»ä¹ï¼"/>
+          <p:cNvPicPr>
+            <a:picLocks noChangeAspect="1" noChangeArrowheads="1"/>
+          </p:cNvPicPr>
+          <p:nvPr/>
+        </p:nvPicPr>
+        <p:blipFill>
+          <a:blip r:embed="rId2">
+            <a:extLst>
+              <a:ext uri="{28A0092B-C50C-407E-A947-70E740481C1C}">
+                <a14:useLocalDpi xmlns:a14="http://schemas.microsoft.com/office/drawing/2010/main" val="0"/>
+              </a:ext>
+            </a:extLst>
+          </a:blip>
+          <a:srcRect/>
+          <a:stretch>
+            <a:fillRect/>
+          </a:stretch>
+        </p:blipFill>
+        <p:spPr bwMode="auto">
           <a:xfrm>
-            <a:off x="838200" y="1455314"/>
-            <a:ext cx="10515600" cy="4721650"/>
+            <a:off x="838200" y="1690688"/>
+            <a:ext cx="8046756" cy="3935368"/>
           </a:xfrm>
+          <a:prstGeom prst="rect">
+            <a:avLst/>
+          </a:prstGeom>
+          <a:noFill/>
+          <a:extLst>
+            <a:ext uri="{909E8E84-426E-40DD-AFC4-6F175D3DCCD1}">
+              <a14:hiddenFill xmlns:a14="http://schemas.microsoft.com/office/drawing/2010/main">
+                <a:solidFill>
+                  <a:srgbClr val="FFFFFF"/>
+                </a:solidFill>
+              </a14:hiddenFill>
+            </a:ext>
+          </a:extLst>
         </p:spPr>
-        <p:txBody>
-          <a:bodyPr>
-            <a:normAutofit/>
-          </a:bodyPr>
-          <a:lstStyle/>
-          <a:p>
-            <a:r>
-              <a:rPr lang="en-US" altLang="zh-CN" dirty="0" smtClean="0"/>
-              <a:t>JS</a:t>
-            </a:r>
-            <a:r>
-              <a:rPr lang="zh-CN" altLang="en-US" dirty="0" smtClean="0"/>
-              <a:t>引擎现在有两种实现方式：</a:t>
-            </a:r>
-            <a:r>
-              <a:rPr lang="zh-CN" altLang="en-US" dirty="0" smtClean="0"/>
-              <a:t>标准的</a:t>
-            </a:r>
-            <a:r>
-              <a:rPr lang="en-US" altLang="zh-CN" dirty="0" smtClean="0"/>
-              <a:t>JS</a:t>
-            </a:r>
-            <a:r>
-              <a:rPr lang="zh-CN" altLang="en-US" dirty="0" smtClean="0"/>
-              <a:t>解释执行器或</a:t>
-            </a:r>
-            <a:r>
-              <a:rPr lang="en-US" altLang="zh-CN" dirty="0" smtClean="0"/>
-              <a:t>JIT Compiler</a:t>
-            </a:r>
-          </a:p>
-          <a:p>
-            <a:r>
-              <a:rPr lang="en-US" altLang="zh-CN" dirty="0" smtClean="0"/>
-              <a:t>JS</a:t>
-            </a:r>
-            <a:r>
-              <a:rPr lang="zh-CN" altLang="en-US" dirty="0" smtClean="0"/>
-              <a:t>引擎有很多</a:t>
-            </a:r>
-            <a:r>
-              <a:rPr lang="en-US" altLang="zh-CN" dirty="0" smtClean="0"/>
-              <a:t>(V8, Rhine, </a:t>
-            </a:r>
-            <a:r>
-              <a:rPr lang="en-US" altLang="zh-CN" dirty="0" err="1" smtClean="0"/>
-              <a:t>SpiderMonkey,KJS</a:t>
-            </a:r>
-            <a:r>
-              <a:rPr lang="en-US" altLang="zh-CN" dirty="0" smtClean="0"/>
-              <a:t>…)</a:t>
-            </a:r>
-          </a:p>
-          <a:p>
-            <a:r>
-              <a:rPr lang="zh-CN" altLang="en-US" dirty="0" smtClean="0"/>
-              <a:t>为</a:t>
-            </a:r>
-            <a:r>
-              <a:rPr lang="zh-CN" altLang="en-US" dirty="0" smtClean="0"/>
-              <a:t>什么</a:t>
-            </a:r>
-            <a:r>
-              <a:rPr lang="en-US" altLang="zh-CN" dirty="0" smtClean="0"/>
-              <a:t>Node.js</a:t>
-            </a:r>
-            <a:r>
-              <a:rPr lang="zh-CN" altLang="en-US" dirty="0" smtClean="0"/>
-              <a:t>使用</a:t>
-            </a:r>
-            <a:r>
-              <a:rPr lang="en-US" altLang="zh-CN" dirty="0" smtClean="0"/>
-              <a:t>V8</a:t>
-            </a:r>
-            <a:r>
-              <a:rPr lang="zh-CN" altLang="en-US" dirty="0" smtClean="0"/>
-              <a:t>作为其运行时环境</a:t>
-            </a:r>
-            <a:r>
-              <a:rPr lang="en-US" altLang="zh-CN" dirty="0" smtClean="0"/>
-              <a:t>?</a:t>
-            </a:r>
-          </a:p>
-          <a:p>
-            <a:r>
-              <a:rPr lang="en-US" altLang="zh-CN" dirty="0" smtClean="0"/>
-              <a:t>V8</a:t>
-            </a:r>
-            <a:r>
-              <a:rPr lang="zh-CN" altLang="en-US" dirty="0" smtClean="0"/>
-              <a:t>就是为了提升</a:t>
-            </a:r>
-            <a:r>
-              <a:rPr lang="en-US" altLang="zh-CN" dirty="0" smtClean="0"/>
-              <a:t>JS</a:t>
-            </a:r>
-            <a:r>
-              <a:rPr lang="zh-CN" altLang="en-US" dirty="0" smtClean="0"/>
-              <a:t>的性能而设计的，</a:t>
-            </a:r>
-            <a:r>
-              <a:rPr lang="en-US" altLang="zh-CN" dirty="0" smtClean="0"/>
-              <a:t>V8</a:t>
-            </a:r>
-            <a:r>
-              <a:rPr lang="zh-CN" altLang="en-US" dirty="0" smtClean="0"/>
-              <a:t>引擎不会直接解释执行</a:t>
-            </a:r>
-            <a:r>
-              <a:rPr lang="en-US" altLang="zh-CN" dirty="0" err="1" smtClean="0"/>
-              <a:t>js</a:t>
-            </a:r>
-            <a:r>
-              <a:rPr lang="zh-CN" altLang="en-US" dirty="0" smtClean="0"/>
-              <a:t>代码，而是实现了一个</a:t>
-            </a:r>
-            <a:r>
-              <a:rPr lang="en-US" altLang="zh-CN" dirty="0" smtClean="0"/>
-              <a:t>JIT(Just-In-Time) compiler,</a:t>
-            </a:r>
-            <a:r>
-              <a:rPr lang="zh-CN" altLang="en-US" dirty="0" smtClean="0"/>
-              <a:t>一个实时的编译器，在运行时将</a:t>
-            </a:r>
-            <a:r>
-              <a:rPr lang="en-US" altLang="zh-CN" dirty="0" err="1" smtClean="0"/>
-              <a:t>js</a:t>
-            </a:r>
-            <a:r>
-              <a:rPr lang="zh-CN" altLang="en-US" dirty="0" smtClean="0"/>
-              <a:t>代码编译为运行效率更高的机器代码</a:t>
-            </a:r>
-            <a:endParaRPr lang="en-US" altLang="zh-CN" dirty="0" smtClean="0"/>
-          </a:p>
-          <a:p>
-            <a:r>
-              <a:rPr lang="zh-CN" altLang="en-US" dirty="0" smtClean="0"/>
-              <a:t>同样</a:t>
-            </a:r>
-            <a:r>
-              <a:rPr lang="en-US" altLang="zh-CN" dirty="0" err="1" smtClean="0"/>
-              <a:t>SpiderMonkey</a:t>
-            </a:r>
-            <a:r>
-              <a:rPr lang="zh-CN" altLang="en-US" dirty="0" smtClean="0"/>
-              <a:t>和</a:t>
-            </a:r>
-            <a:r>
-              <a:rPr lang="en-US" altLang="zh-CN" dirty="0" smtClean="0"/>
-              <a:t>Rhino(Mozilla)</a:t>
-            </a:r>
-            <a:r>
-              <a:rPr lang="zh-CN" altLang="en-US" dirty="0" smtClean="0"/>
-              <a:t>也实现了</a:t>
-            </a:r>
-            <a:r>
-              <a:rPr lang="en-US" altLang="zh-CN" dirty="0" smtClean="0"/>
-              <a:t>JIT</a:t>
-            </a:r>
-            <a:r>
-              <a:rPr lang="zh-CN" altLang="en-US" dirty="0" smtClean="0"/>
-              <a:t>，但是</a:t>
-            </a:r>
-            <a:r>
-              <a:rPr lang="en-US" altLang="zh-CN" dirty="0" smtClean="0"/>
-              <a:t>V8</a:t>
-            </a:r>
-            <a:r>
-              <a:rPr lang="zh-CN" altLang="en-US" dirty="0" smtClean="0"/>
-              <a:t>不会生产字节码或任何中间代码</a:t>
-            </a:r>
-            <a:endParaRPr lang="en-US" altLang="zh-CN" dirty="0" smtClean="0"/>
-          </a:p>
-          <a:p>
-            <a:r>
-              <a:rPr lang="en-US" altLang="zh-CN" dirty="0" smtClean="0"/>
-              <a:t>V8</a:t>
-            </a:r>
-            <a:r>
-              <a:rPr lang="zh-CN" altLang="en-US" dirty="0" smtClean="0"/>
-              <a:t>拥有两个编译器</a:t>
-            </a:r>
-            <a:r>
-              <a:rPr lang="en-US" altLang="zh-CN" dirty="0" smtClean="0"/>
-              <a:t>:full-</a:t>
-            </a:r>
-            <a:r>
-              <a:rPr lang="en-US" altLang="zh-CN" dirty="0" err="1" smtClean="0"/>
-              <a:t>codegen</a:t>
-            </a:r>
-            <a:r>
-              <a:rPr lang="en-US" altLang="zh-CN" dirty="0" smtClean="0"/>
-              <a:t>(</a:t>
-            </a:r>
-            <a:r>
-              <a:rPr lang="zh-CN" altLang="en-US" dirty="0" smtClean="0"/>
-              <a:t>快速生成运行效率较低的机器代码</a:t>
-            </a:r>
-            <a:r>
-              <a:rPr lang="en-US" altLang="zh-CN" dirty="0" smtClean="0"/>
-              <a:t>)</a:t>
-            </a:r>
-            <a:r>
-              <a:rPr lang="zh-CN" altLang="en-US" dirty="0" smtClean="0"/>
-              <a:t>、</a:t>
-            </a:r>
-            <a:r>
-              <a:rPr lang="en-US" altLang="zh-CN" dirty="0" smtClean="0"/>
-              <a:t>Crankshaft(JIT</a:t>
-            </a:r>
-            <a:r>
-              <a:rPr lang="zh-CN" altLang="en-US" dirty="0" smtClean="0"/>
-              <a:t>编译器，优化代码的主力</a:t>
-            </a:r>
-            <a:r>
-              <a:rPr lang="en-US" altLang="zh-CN" dirty="0" smtClean="0"/>
-              <a:t>)</a:t>
-            </a:r>
-            <a:endParaRPr lang="en-US" altLang="zh-CN" dirty="0" smtClean="0"/>
-          </a:p>
-        </p:txBody>
-      </p:sp>
+      </p:pic>
     </p:spTree>
+    <p:extLst>
+      <p:ext uri="{BB962C8B-B14F-4D97-AF65-F5344CB8AC3E}">
+        <p14:creationId xmlns:p14="http://schemas.microsoft.com/office/powerpoint/2010/main" val="4118090218"/>
+      </p:ext>
+    </p:extLst>
   </p:cSld>
   <p:clrMapOvr>
     <a:masterClrMapping/>
@@ -5276,14 +5491,14 @@
           <a:lstStyle/>
           <a:p>
             <a:r>
-              <a:rPr lang="en-US" altLang="zh-CN" dirty="0" smtClean="0"/>
-              <a:t>V8 </a:t>
-            </a:r>
-            <a:r>
-              <a:rPr lang="zh-CN" altLang="en-US" dirty="0" smtClean="0"/>
-              <a:t>中的线程</a:t>
-            </a:r>
-            <a:endParaRPr lang="zh-CN" altLang="en-US" dirty="0"/>
+              <a:rPr lang="en-US" altLang="zh-CN" dirty="0" err="1" smtClean="0"/>
+              <a:t>Javascript</a:t>
+            </a:r>
+            <a:r>
+              <a:rPr lang="en-US" altLang="zh-CN" dirty="0" smtClean="0"/>
+              <a:t> Engine</a:t>
+            </a:r>
+            <a:endParaRPr lang="en-US" altLang="zh-CN" dirty="0"/>
           </a:p>
         </p:txBody>
       </p:sp>
@@ -5297,113 +5512,228 @@
             <p:ph idx="1"/>
           </p:nvPr>
         </p:nvSpPr>
-        <p:spPr/>
-        <p:txBody>
-          <a:bodyPr/>
-          <a:lstStyle/>
-          <a:p>
-            <a:r>
-              <a:rPr lang="zh-CN" altLang="en-US" dirty="0" smtClean="0"/>
-              <a:t>主线程</a:t>
-            </a:r>
-            <a:r>
-              <a:rPr lang="en-US" altLang="zh-CN" dirty="0" smtClean="0"/>
-              <a:t>: </a:t>
-            </a:r>
-            <a:r>
-              <a:rPr lang="zh-CN" altLang="en-US" dirty="0" smtClean="0"/>
-              <a:t>取代码，编译、运行之</a:t>
+        <p:spPr>
+          <a:xfrm>
+            <a:off x="838200" y="1455314"/>
+            <a:ext cx="10515600" cy="4721650"/>
+          </a:xfrm>
+        </p:spPr>
+        <p:txBody>
+          <a:bodyPr>
+            <a:normAutofit/>
+          </a:bodyPr>
+          <a:lstStyle/>
+          <a:p>
+            <a:r>
+              <a:rPr lang="en-US" altLang="zh-CN" dirty="0" smtClean="0"/>
+              <a:t>JS</a:t>
+            </a:r>
+            <a:r>
+              <a:rPr lang="zh-CN" altLang="en-US" dirty="0" smtClean="0"/>
+              <a:t>引擎现在有两种实现方式：标准的</a:t>
+            </a:r>
+            <a:r>
+              <a:rPr lang="en-US" altLang="zh-CN" dirty="0" smtClean="0"/>
+              <a:t>JS</a:t>
+            </a:r>
+            <a:r>
+              <a:rPr lang="zh-CN" altLang="en-US" dirty="0" smtClean="0"/>
+              <a:t>解释执行器或</a:t>
+            </a:r>
+            <a:r>
+              <a:rPr lang="en-US" altLang="zh-CN" dirty="0" smtClean="0"/>
+              <a:t>JIT Compiler</a:t>
+            </a:r>
+          </a:p>
+          <a:p>
+            <a:r>
+              <a:rPr lang="en-US" altLang="zh-CN" dirty="0" smtClean="0"/>
+              <a:t>JS</a:t>
+            </a:r>
+            <a:r>
+              <a:rPr lang="zh-CN" altLang="en-US" dirty="0" smtClean="0"/>
+              <a:t>引擎有很多</a:t>
+            </a:r>
+            <a:r>
+              <a:rPr lang="en-US" altLang="zh-CN" dirty="0" smtClean="0"/>
+              <a:t>(V8, Rhine, </a:t>
+            </a:r>
+            <a:r>
+              <a:rPr lang="en-US" altLang="zh-CN" dirty="0" err="1" smtClean="0"/>
+              <a:t>SpiderMonkey,KJS</a:t>
+            </a:r>
+            <a:r>
+              <a:rPr lang="en-US" altLang="zh-CN" dirty="0" smtClean="0"/>
+              <a:t>…)</a:t>
+            </a:r>
+          </a:p>
+          <a:p>
+            <a:r>
+              <a:rPr lang="en-US" altLang="zh-CN" dirty="0" smtClean="0"/>
+              <a:t>V8</a:t>
+            </a:r>
+            <a:r>
+              <a:rPr lang="zh-CN" altLang="en-US" dirty="0" smtClean="0"/>
+              <a:t>就是为了提升</a:t>
+            </a:r>
+            <a:r>
+              <a:rPr lang="en-US" altLang="zh-CN" dirty="0" smtClean="0"/>
+              <a:t>JS</a:t>
+            </a:r>
+            <a:r>
+              <a:rPr lang="zh-CN" altLang="en-US" dirty="0" smtClean="0"/>
+              <a:t>的性能而设计的，</a:t>
+            </a:r>
+            <a:r>
+              <a:rPr lang="en-US" altLang="zh-CN" dirty="0" smtClean="0"/>
+              <a:t>V8</a:t>
+            </a:r>
+            <a:r>
+              <a:rPr lang="zh-CN" altLang="en-US" dirty="0" smtClean="0"/>
+              <a:t>引擎不会直接解释执行</a:t>
+            </a:r>
+            <a:r>
+              <a:rPr lang="en-US" altLang="zh-CN" dirty="0" err="1" smtClean="0"/>
+              <a:t>js</a:t>
+            </a:r>
+            <a:r>
+              <a:rPr lang="zh-CN" altLang="en-US" dirty="0" smtClean="0"/>
+              <a:t>代码，而是实现了一个</a:t>
+            </a:r>
+            <a:r>
+              <a:rPr lang="en-US" altLang="zh-CN" dirty="0" smtClean="0"/>
+              <a:t>JIT(Just-In-Time) </a:t>
+            </a:r>
+            <a:r>
+              <a:rPr lang="en-US" altLang="zh-CN" dirty="0" smtClean="0"/>
+              <a:t>compiler</a:t>
+            </a:r>
+            <a:r>
+              <a:rPr lang="en-US" altLang="zh-CN" dirty="0"/>
+              <a:t>(</a:t>
+            </a:r>
+            <a:r>
+              <a:rPr lang="zh-CN" altLang="en-US" dirty="0" smtClean="0"/>
+              <a:t>一</a:t>
+            </a:r>
+            <a:r>
+              <a:rPr lang="zh-CN" altLang="en-US" dirty="0" smtClean="0"/>
+              <a:t>个实时的</a:t>
+            </a:r>
+            <a:r>
+              <a:rPr lang="zh-CN" altLang="en-US" dirty="0" smtClean="0"/>
+              <a:t>编译器</a:t>
+            </a:r>
+            <a:r>
+              <a:rPr lang="en-US" altLang="zh-CN" dirty="0" smtClean="0"/>
+              <a:t>)</a:t>
+            </a:r>
+            <a:r>
+              <a:rPr lang="zh-CN" altLang="en-US" dirty="0" smtClean="0"/>
+              <a:t>在</a:t>
+            </a:r>
+            <a:r>
+              <a:rPr lang="zh-CN" altLang="en-US" dirty="0" smtClean="0"/>
+              <a:t>运行时将</a:t>
+            </a:r>
+            <a:r>
+              <a:rPr lang="en-US" altLang="zh-CN" dirty="0" err="1" smtClean="0"/>
+              <a:t>js</a:t>
+            </a:r>
+            <a:r>
+              <a:rPr lang="zh-CN" altLang="en-US" dirty="0" smtClean="0"/>
+              <a:t>代码编译为运行效率更高的机器代码</a:t>
             </a:r>
             <a:endParaRPr lang="en-US" altLang="zh-CN" dirty="0" smtClean="0"/>
           </a:p>
           <a:p>
             <a:r>
               <a:rPr lang="zh-CN" altLang="en-US" dirty="0" smtClean="0"/>
-              <a:t>编译线程</a:t>
-            </a:r>
-            <a:r>
-              <a:rPr lang="en-US" altLang="zh-CN" dirty="0" smtClean="0"/>
-              <a:t>: </a:t>
-            </a:r>
-            <a:r>
-              <a:rPr lang="zh-CN" altLang="en-US" dirty="0" smtClean="0"/>
-              <a:t>分担主线程的编译工作，使主线程可以执行编译过的代码</a:t>
+              <a:t>同样</a:t>
+            </a:r>
+            <a:r>
+              <a:rPr lang="en-US" altLang="zh-CN" dirty="0" err="1" smtClean="0"/>
+              <a:t>SpiderMonkey</a:t>
+            </a:r>
+            <a:r>
+              <a:rPr lang="zh-CN" altLang="en-US" dirty="0" smtClean="0"/>
+              <a:t>和</a:t>
+            </a:r>
+            <a:r>
+              <a:rPr lang="en-US" altLang="zh-CN" dirty="0" smtClean="0"/>
+              <a:t>Rhino(Mozilla)</a:t>
+            </a:r>
+            <a:r>
+              <a:rPr lang="zh-CN" altLang="en-US" dirty="0" smtClean="0"/>
+              <a:t>也实现了</a:t>
+            </a:r>
+            <a:r>
+              <a:rPr lang="en-US" altLang="zh-CN" dirty="0" smtClean="0"/>
+              <a:t>JIT</a:t>
+            </a:r>
+            <a:r>
+              <a:rPr lang="zh-CN" altLang="en-US" dirty="0" smtClean="0"/>
+              <a:t>，但是</a:t>
+            </a:r>
+            <a:r>
+              <a:rPr lang="en-US" altLang="zh-CN" dirty="0" smtClean="0"/>
+              <a:t>V8</a:t>
+            </a:r>
+            <a:r>
+              <a:rPr lang="zh-CN" altLang="en-US" dirty="0" smtClean="0"/>
+              <a:t>不会生产字节码或任何中间代码</a:t>
             </a:r>
             <a:endParaRPr lang="en-US" altLang="zh-CN" dirty="0" smtClean="0"/>
           </a:p>
           <a:p>
             <a:r>
-              <a:rPr lang="zh-CN" altLang="en-US" dirty="0" smtClean="0"/>
-              <a:t>分析器</a:t>
-            </a:r>
-            <a:r>
-              <a:rPr lang="en-US" altLang="zh-CN" dirty="0" smtClean="0"/>
-              <a:t>(Profiler)</a:t>
-            </a:r>
-            <a:r>
-              <a:rPr lang="zh-CN" altLang="en-US" dirty="0" smtClean="0"/>
-              <a:t>线程</a:t>
-            </a:r>
-            <a:r>
-              <a:rPr lang="en-US" altLang="zh-CN" dirty="0" smtClean="0"/>
-              <a:t>: </a:t>
-            </a:r>
-            <a:r>
-              <a:rPr lang="zh-CN" altLang="en-US" dirty="0" smtClean="0"/>
-              <a:t>在运行</a:t>
-            </a:r>
-            <a:r>
-              <a:rPr lang="zh-CN" altLang="en-US" dirty="0"/>
-              <a:t>代码</a:t>
-            </a:r>
-            <a:r>
-              <a:rPr lang="zh-CN" altLang="en-US" dirty="0" smtClean="0"/>
-              <a:t>时告诉</a:t>
-            </a:r>
-            <a:r>
-              <a:rPr lang="en-US" altLang="zh-CN" dirty="0" smtClean="0"/>
-              <a:t>runtime</a:t>
-            </a:r>
-            <a:r>
-              <a:rPr lang="zh-CN" altLang="en-US" dirty="0" smtClean="0"/>
-              <a:t>环境哪些函数执行时耗时较多，让</a:t>
-            </a:r>
-            <a:r>
-              <a:rPr lang="en-US" altLang="zh-CN" dirty="0" smtClean="0"/>
-              <a:t>Crankshaft</a:t>
-            </a:r>
-            <a:r>
-              <a:rPr lang="zh-CN" altLang="en-US" dirty="0" smtClean="0"/>
-              <a:t>去优化它们</a:t>
-            </a:r>
-            <a:endParaRPr lang="en-US" altLang="zh-CN" dirty="0" smtClean="0"/>
-          </a:p>
-          <a:p>
-            <a:r>
-              <a:rPr lang="zh-CN" altLang="en-US" dirty="0" smtClean="0"/>
-              <a:t>还有一些负责</a:t>
-            </a:r>
-            <a:r>
-              <a:rPr lang="en-US" altLang="zh-CN" dirty="0" smtClean="0"/>
-              <a:t>GC</a:t>
-            </a:r>
-            <a:r>
-              <a:rPr lang="zh-CN" altLang="en-US" dirty="0" smtClean="0"/>
-              <a:t>的线程</a:t>
-            </a:r>
-            <a:endParaRPr lang="en-US" altLang="zh-CN" dirty="0" smtClean="0"/>
-          </a:p>
-          <a:p>
-            <a:endParaRPr lang="en-US" altLang="zh-CN" dirty="0"/>
+              <a:rPr lang="en-US" altLang="zh-CN" dirty="0" smtClean="0"/>
+              <a:t>V8</a:t>
+            </a:r>
+            <a:r>
+              <a:rPr lang="zh-CN" altLang="en-US" dirty="0" smtClean="0"/>
+              <a:t>拥有两个编译器</a:t>
+            </a:r>
+            <a:r>
+              <a:rPr lang="en-US" altLang="zh-CN" dirty="0" smtClean="0"/>
+              <a:t>:full-</a:t>
+            </a:r>
+            <a:r>
+              <a:rPr lang="en-US" altLang="zh-CN" dirty="0" err="1" smtClean="0"/>
+              <a:t>codegen</a:t>
+            </a:r>
+            <a:r>
+              <a:rPr lang="en-US" altLang="zh-CN" dirty="0" smtClean="0"/>
+              <a:t>(</a:t>
+            </a:r>
+            <a:r>
+              <a:rPr lang="zh-CN" altLang="en-US" dirty="0" smtClean="0"/>
+              <a:t>快速生成运行效率较低的机器代码</a:t>
+            </a:r>
+            <a:r>
+              <a:rPr lang="en-US" altLang="zh-CN" dirty="0" smtClean="0"/>
+              <a:t>)</a:t>
+            </a:r>
+            <a:r>
+              <a:rPr lang="zh-CN" altLang="en-US" dirty="0" smtClean="0"/>
+              <a:t>、</a:t>
+            </a:r>
+            <a:r>
+              <a:rPr lang="en-US" altLang="zh-CN" dirty="0" smtClean="0"/>
+              <a:t>Crankshaft(JIT</a:t>
+            </a:r>
+            <a:r>
+              <a:rPr lang="zh-CN" altLang="en-US" dirty="0" smtClean="0"/>
+              <a:t>编译器，优化代码的主力</a:t>
+            </a:r>
+            <a:r>
+              <a:rPr lang="en-US" altLang="zh-CN" dirty="0" smtClean="0"/>
+              <a:t>)</a:t>
+            </a:r>
           </a:p>
         </p:txBody>
       </p:sp>
     </p:spTree>
-    <p:extLst>
-      <p:ext uri="{BB962C8B-B14F-4D97-AF65-F5344CB8AC3E}">
-        <p14:creationId xmlns:p14="http://schemas.microsoft.com/office/powerpoint/2010/main" val="3533138103"/>
-      </p:ext>
-    </p:extLst>
   </p:cSld>
   <p:clrMapOvr>
     <a:masterClrMapping/>

--- a/Deep Digging in Browser.pptx
+++ b/Deep Digging in Browser.pptx
@@ -5,27 +5,29 @@
     <p:sldMasterId id="2147483648" r:id="rId1"/>
   </p:sldMasterIdLst>
   <p:sldIdLst>
-    <p:sldId id="256" r:id="rId2"/>
-    <p:sldId id="275" r:id="rId3"/>
-    <p:sldId id="274" r:id="rId4"/>
-    <p:sldId id="257" r:id="rId5"/>
+    <p:sldId id="256" r:id="rId3"/>
+    <p:sldId id="275" r:id="rId4"/>
+    <p:sldId id="274" r:id="rId5"/>
     <p:sldId id="260" r:id="rId6"/>
-    <p:sldId id="258" r:id="rId7"/>
-    <p:sldId id="276" r:id="rId8"/>
-    <p:sldId id="279" r:id="rId9"/>
-    <p:sldId id="273" r:id="rId10"/>
-    <p:sldId id="277" r:id="rId11"/>
-    <p:sldId id="278" r:id="rId12"/>
-    <p:sldId id="263" r:id="rId13"/>
-    <p:sldId id="264" r:id="rId14"/>
-    <p:sldId id="265" r:id="rId15"/>
-    <p:sldId id="266" r:id="rId16"/>
-    <p:sldId id="280" r:id="rId17"/>
-    <p:sldId id="268" r:id="rId18"/>
-    <p:sldId id="269" r:id="rId19"/>
-    <p:sldId id="270" r:id="rId20"/>
-    <p:sldId id="271" r:id="rId21"/>
-    <p:sldId id="262" r:id="rId22"/>
+    <p:sldId id="257" r:id="rId7"/>
+    <p:sldId id="258" r:id="rId8"/>
+    <p:sldId id="276" r:id="rId9"/>
+    <p:sldId id="279" r:id="rId10"/>
+    <p:sldId id="273" r:id="rId11"/>
+    <p:sldId id="277" r:id="rId12"/>
+    <p:sldId id="278" r:id="rId13"/>
+    <p:sldId id="263" r:id="rId14"/>
+    <p:sldId id="264" r:id="rId15"/>
+    <p:sldId id="265" r:id="rId16"/>
+    <p:sldId id="268" r:id="rId17"/>
+    <p:sldId id="269" r:id="rId18"/>
+    <p:sldId id="270" r:id="rId19"/>
+    <p:sldId id="271" r:id="rId20"/>
+    <p:sldId id="266" r:id="rId21"/>
+    <p:sldId id="296" r:id="rId22"/>
+    <p:sldId id="280" r:id="rId23"/>
+    <p:sldId id="295" r:id="rId24"/>
+    <p:sldId id="297" r:id="rId25"/>
   </p:sldIdLst>
   <p:sldSz cx="12192000" cy="6858000"/>
   <p:notesSz cx="6858000" cy="9144000"/>
@@ -124,11 +126,6 @@
       </a:defRPr>
     </a:lvl9pPr>
   </p:defaultTextStyle>
-  <p:extLst>
-    <p:ext uri="{EFAFB233-063F-42B5-8137-9DF3F51BA10A}">
-      <p15:sldGuideLst xmlns:p15="http://schemas.microsoft.com/office/powerpoint/2012/main"/>
-    </p:ext>
-  </p:extLst>
 </p:presentation>
 </file>
 
@@ -263,7 +260,6 @@
           <a:p>
             <a:fld id="{D997B5FA-0921-464F-AAE1-844C04324D75}" type="datetimeFigureOut">
               <a:rPr lang="zh-CN" altLang="en-US" smtClean="0"/>
-              <a:t>2018/12/28</a:t>
             </a:fld>
             <a:endParaRPr lang="zh-CN" altLang="en-US"/>
           </a:p>
@@ -305,7 +301,6 @@
           <a:p>
             <a:fld id="{565CE74E-AB26-4998-AD42-012C4C1AD076}" type="slidenum">
               <a:rPr lang="zh-CN" altLang="en-US" smtClean="0"/>
-              <a:t>‹#›</a:t>
             </a:fld>
             <a:endParaRPr lang="zh-CN" altLang="en-US"/>
           </a:p>
@@ -379,6 +374,7 @@
               <a:rPr lang="zh-CN" altLang="en-US" smtClean="0"/>
               <a:t>单击此处编辑母版文本样式</a:t>
             </a:r>
+            <a:endParaRPr lang="zh-CN" altLang="en-US" smtClean="0"/>
           </a:p>
           <a:p>
             <a:pPr lvl="1"/>
@@ -386,6 +382,7 @@
               <a:rPr lang="zh-CN" altLang="en-US" smtClean="0"/>
               <a:t>第二级</a:t>
             </a:r>
+            <a:endParaRPr lang="zh-CN" altLang="en-US" smtClean="0"/>
           </a:p>
           <a:p>
             <a:pPr lvl="2"/>
@@ -393,6 +390,7 @@
               <a:rPr lang="zh-CN" altLang="en-US" smtClean="0"/>
               <a:t>第三级</a:t>
             </a:r>
+            <a:endParaRPr lang="zh-CN" altLang="en-US" smtClean="0"/>
           </a:p>
           <a:p>
             <a:pPr lvl="3"/>
@@ -400,6 +398,7 @@
               <a:rPr lang="zh-CN" altLang="en-US" smtClean="0"/>
               <a:t>第四级</a:t>
             </a:r>
+            <a:endParaRPr lang="zh-CN" altLang="en-US" smtClean="0"/>
           </a:p>
           <a:p>
             <a:pPr lvl="4"/>
@@ -428,7 +427,6 @@
           <a:p>
             <a:fld id="{D997B5FA-0921-464F-AAE1-844C04324D75}" type="datetimeFigureOut">
               <a:rPr lang="zh-CN" altLang="en-US" smtClean="0"/>
-              <a:t>2018/12/28</a:t>
             </a:fld>
             <a:endParaRPr lang="zh-CN" altLang="en-US"/>
           </a:p>
@@ -470,7 +468,6 @@
           <a:p>
             <a:fld id="{565CE74E-AB26-4998-AD42-012C4C1AD076}" type="slidenum">
               <a:rPr lang="zh-CN" altLang="en-US" smtClean="0"/>
-              <a:t>‹#›</a:t>
             </a:fld>
             <a:endParaRPr lang="zh-CN" altLang="en-US"/>
           </a:p>
@@ -554,6 +551,7 @@
               <a:rPr lang="zh-CN" altLang="en-US" smtClean="0"/>
               <a:t>单击此处编辑母版文本样式</a:t>
             </a:r>
+            <a:endParaRPr lang="zh-CN" altLang="en-US" smtClean="0"/>
           </a:p>
           <a:p>
             <a:pPr lvl="1"/>
@@ -561,6 +559,7 @@
               <a:rPr lang="zh-CN" altLang="en-US" smtClean="0"/>
               <a:t>第二级</a:t>
             </a:r>
+            <a:endParaRPr lang="zh-CN" altLang="en-US" smtClean="0"/>
           </a:p>
           <a:p>
             <a:pPr lvl="2"/>
@@ -568,6 +567,7 @@
               <a:rPr lang="zh-CN" altLang="en-US" smtClean="0"/>
               <a:t>第三级</a:t>
             </a:r>
+            <a:endParaRPr lang="zh-CN" altLang="en-US" smtClean="0"/>
           </a:p>
           <a:p>
             <a:pPr lvl="3"/>
@@ -575,6 +575,7 @@
               <a:rPr lang="zh-CN" altLang="en-US" smtClean="0"/>
               <a:t>第四级</a:t>
             </a:r>
+            <a:endParaRPr lang="zh-CN" altLang="en-US" smtClean="0"/>
           </a:p>
           <a:p>
             <a:pPr lvl="4"/>
@@ -603,7 +604,6 @@
           <a:p>
             <a:fld id="{D997B5FA-0921-464F-AAE1-844C04324D75}" type="datetimeFigureOut">
               <a:rPr lang="zh-CN" altLang="en-US" smtClean="0"/>
-              <a:t>2018/12/28</a:t>
             </a:fld>
             <a:endParaRPr lang="zh-CN" altLang="en-US"/>
           </a:p>
@@ -645,7 +645,6 @@
           <a:p>
             <a:fld id="{565CE74E-AB26-4998-AD42-012C4C1AD076}" type="slidenum">
               <a:rPr lang="zh-CN" altLang="en-US" smtClean="0"/>
-              <a:t>‹#›</a:t>
             </a:fld>
             <a:endParaRPr lang="zh-CN" altLang="en-US"/>
           </a:p>
@@ -719,6 +718,7 @@
               <a:rPr lang="zh-CN" altLang="en-US" smtClean="0"/>
               <a:t>单击此处编辑母版文本样式</a:t>
             </a:r>
+            <a:endParaRPr lang="zh-CN" altLang="en-US" smtClean="0"/>
           </a:p>
           <a:p>
             <a:pPr lvl="1"/>
@@ -726,6 +726,7 @@
               <a:rPr lang="zh-CN" altLang="en-US" smtClean="0"/>
               <a:t>第二级</a:t>
             </a:r>
+            <a:endParaRPr lang="zh-CN" altLang="en-US" smtClean="0"/>
           </a:p>
           <a:p>
             <a:pPr lvl="2"/>
@@ -733,6 +734,7 @@
               <a:rPr lang="zh-CN" altLang="en-US" smtClean="0"/>
               <a:t>第三级</a:t>
             </a:r>
+            <a:endParaRPr lang="zh-CN" altLang="en-US" smtClean="0"/>
           </a:p>
           <a:p>
             <a:pPr lvl="3"/>
@@ -740,6 +742,7 @@
               <a:rPr lang="zh-CN" altLang="en-US" smtClean="0"/>
               <a:t>第四级</a:t>
             </a:r>
+            <a:endParaRPr lang="zh-CN" altLang="en-US" smtClean="0"/>
           </a:p>
           <a:p>
             <a:pPr lvl="4"/>
@@ -768,7 +771,6 @@
           <a:p>
             <a:fld id="{D997B5FA-0921-464F-AAE1-844C04324D75}" type="datetimeFigureOut">
               <a:rPr lang="zh-CN" altLang="en-US" smtClean="0"/>
-              <a:t>2018/12/28</a:t>
             </a:fld>
             <a:endParaRPr lang="zh-CN" altLang="en-US"/>
           </a:p>
@@ -810,7 +812,6 @@
           <a:p>
             <a:fld id="{565CE74E-AB26-4998-AD42-012C4C1AD076}" type="slidenum">
               <a:rPr lang="zh-CN" altLang="en-US" smtClean="0"/>
-              <a:t>‹#›</a:t>
             </a:fld>
             <a:endParaRPr lang="zh-CN" altLang="en-US"/>
           </a:p>
@@ -989,6 +990,7 @@
               <a:rPr lang="zh-CN" altLang="en-US" smtClean="0"/>
               <a:t>单击此处编辑母版文本样式</a:t>
             </a:r>
+            <a:endParaRPr lang="zh-CN" altLang="en-US" smtClean="0"/>
           </a:p>
         </p:txBody>
       </p:sp>
@@ -1009,7 +1011,6 @@
           <a:p>
             <a:fld id="{D997B5FA-0921-464F-AAE1-844C04324D75}" type="datetimeFigureOut">
               <a:rPr lang="zh-CN" altLang="en-US" smtClean="0"/>
-              <a:t>2018/12/28</a:t>
             </a:fld>
             <a:endParaRPr lang="zh-CN" altLang="en-US"/>
           </a:p>
@@ -1051,7 +1052,6 @@
           <a:p>
             <a:fld id="{565CE74E-AB26-4998-AD42-012C4C1AD076}" type="slidenum">
               <a:rPr lang="zh-CN" altLang="en-US" smtClean="0"/>
-              <a:t>‹#›</a:t>
             </a:fld>
             <a:endParaRPr lang="zh-CN" altLang="en-US"/>
           </a:p>
@@ -1130,6 +1130,7 @@
               <a:rPr lang="zh-CN" altLang="en-US" smtClean="0"/>
               <a:t>单击此处编辑母版文本样式</a:t>
             </a:r>
+            <a:endParaRPr lang="zh-CN" altLang="en-US" smtClean="0"/>
           </a:p>
           <a:p>
             <a:pPr lvl="1"/>
@@ -1137,6 +1138,7 @@
               <a:rPr lang="zh-CN" altLang="en-US" smtClean="0"/>
               <a:t>第二级</a:t>
             </a:r>
+            <a:endParaRPr lang="zh-CN" altLang="en-US" smtClean="0"/>
           </a:p>
           <a:p>
             <a:pPr lvl="2"/>
@@ -1144,6 +1146,7 @@
               <a:rPr lang="zh-CN" altLang="en-US" smtClean="0"/>
               <a:t>第三级</a:t>
             </a:r>
+            <a:endParaRPr lang="zh-CN" altLang="en-US" smtClean="0"/>
           </a:p>
           <a:p>
             <a:pPr lvl="3"/>
@@ -1151,6 +1154,7 @@
               <a:rPr lang="zh-CN" altLang="en-US" smtClean="0"/>
               <a:t>第四级</a:t>
             </a:r>
+            <a:endParaRPr lang="zh-CN" altLang="en-US" smtClean="0"/>
           </a:p>
           <a:p>
             <a:pPr lvl="4"/>
@@ -1187,6 +1191,7 @@
               <a:rPr lang="zh-CN" altLang="en-US" smtClean="0"/>
               <a:t>单击此处编辑母版文本样式</a:t>
             </a:r>
+            <a:endParaRPr lang="zh-CN" altLang="en-US" smtClean="0"/>
           </a:p>
           <a:p>
             <a:pPr lvl="1"/>
@@ -1194,6 +1199,7 @@
               <a:rPr lang="zh-CN" altLang="en-US" smtClean="0"/>
               <a:t>第二级</a:t>
             </a:r>
+            <a:endParaRPr lang="zh-CN" altLang="en-US" smtClean="0"/>
           </a:p>
           <a:p>
             <a:pPr lvl="2"/>
@@ -1201,6 +1207,7 @@
               <a:rPr lang="zh-CN" altLang="en-US" smtClean="0"/>
               <a:t>第三级</a:t>
             </a:r>
+            <a:endParaRPr lang="zh-CN" altLang="en-US" smtClean="0"/>
           </a:p>
           <a:p>
             <a:pPr lvl="3"/>
@@ -1208,6 +1215,7 @@
               <a:rPr lang="zh-CN" altLang="en-US" smtClean="0"/>
               <a:t>第四级</a:t>
             </a:r>
+            <a:endParaRPr lang="zh-CN" altLang="en-US" smtClean="0"/>
           </a:p>
           <a:p>
             <a:pPr lvl="4"/>
@@ -1236,7 +1244,6 @@
           <a:p>
             <a:fld id="{D997B5FA-0921-464F-AAE1-844C04324D75}" type="datetimeFigureOut">
               <a:rPr lang="zh-CN" altLang="en-US" smtClean="0"/>
-              <a:t>2018/12/28</a:t>
             </a:fld>
             <a:endParaRPr lang="zh-CN" altLang="en-US"/>
           </a:p>
@@ -1278,7 +1285,6 @@
           <a:p>
             <a:fld id="{565CE74E-AB26-4998-AD42-012C4C1AD076}" type="slidenum">
               <a:rPr lang="zh-CN" altLang="en-US" smtClean="0"/>
-              <a:t>‹#›</a:t>
             </a:fld>
             <a:endParaRPr lang="zh-CN" altLang="en-US"/>
           </a:p>
@@ -1399,6 +1405,7 @@
               <a:rPr lang="zh-CN" altLang="en-US" smtClean="0"/>
               <a:t>单击此处编辑母版文本样式</a:t>
             </a:r>
+            <a:endParaRPr lang="zh-CN" altLang="en-US" smtClean="0"/>
           </a:p>
         </p:txBody>
       </p:sp>
@@ -1427,6 +1434,7 @@
               <a:rPr lang="zh-CN" altLang="en-US" smtClean="0"/>
               <a:t>单击此处编辑母版文本样式</a:t>
             </a:r>
+            <a:endParaRPr lang="zh-CN" altLang="en-US" smtClean="0"/>
           </a:p>
           <a:p>
             <a:pPr lvl="1"/>
@@ -1434,6 +1442,7 @@
               <a:rPr lang="zh-CN" altLang="en-US" smtClean="0"/>
               <a:t>第二级</a:t>
             </a:r>
+            <a:endParaRPr lang="zh-CN" altLang="en-US" smtClean="0"/>
           </a:p>
           <a:p>
             <a:pPr lvl="2"/>
@@ -1441,6 +1450,7 @@
               <a:rPr lang="zh-CN" altLang="en-US" smtClean="0"/>
               <a:t>第三级</a:t>
             </a:r>
+            <a:endParaRPr lang="zh-CN" altLang="en-US" smtClean="0"/>
           </a:p>
           <a:p>
             <a:pPr lvl="3"/>
@@ -1448,6 +1458,7 @@
               <a:rPr lang="zh-CN" altLang="en-US" smtClean="0"/>
               <a:t>第四级</a:t>
             </a:r>
+            <a:endParaRPr lang="zh-CN" altLang="en-US" smtClean="0"/>
           </a:p>
           <a:p>
             <a:pPr lvl="4"/>
@@ -1521,6 +1532,7 @@
               <a:rPr lang="zh-CN" altLang="en-US" smtClean="0"/>
               <a:t>单击此处编辑母版文本样式</a:t>
             </a:r>
+            <a:endParaRPr lang="zh-CN" altLang="en-US" smtClean="0"/>
           </a:p>
         </p:txBody>
       </p:sp>
@@ -1549,6 +1561,7 @@
               <a:rPr lang="zh-CN" altLang="en-US" smtClean="0"/>
               <a:t>单击此处编辑母版文本样式</a:t>
             </a:r>
+            <a:endParaRPr lang="zh-CN" altLang="en-US" smtClean="0"/>
           </a:p>
           <a:p>
             <a:pPr lvl="1"/>
@@ -1556,6 +1569,7 @@
               <a:rPr lang="zh-CN" altLang="en-US" smtClean="0"/>
               <a:t>第二级</a:t>
             </a:r>
+            <a:endParaRPr lang="zh-CN" altLang="en-US" smtClean="0"/>
           </a:p>
           <a:p>
             <a:pPr lvl="2"/>
@@ -1563,6 +1577,7 @@
               <a:rPr lang="zh-CN" altLang="en-US" smtClean="0"/>
               <a:t>第三级</a:t>
             </a:r>
+            <a:endParaRPr lang="zh-CN" altLang="en-US" smtClean="0"/>
           </a:p>
           <a:p>
             <a:pPr lvl="3"/>
@@ -1570,6 +1585,7 @@
               <a:rPr lang="zh-CN" altLang="en-US" smtClean="0"/>
               <a:t>第四级</a:t>
             </a:r>
+            <a:endParaRPr lang="zh-CN" altLang="en-US" smtClean="0"/>
           </a:p>
           <a:p>
             <a:pPr lvl="4"/>
@@ -1598,7 +1614,6 @@
           <a:p>
             <a:fld id="{D997B5FA-0921-464F-AAE1-844C04324D75}" type="datetimeFigureOut">
               <a:rPr lang="zh-CN" altLang="en-US" smtClean="0"/>
-              <a:t>2018/12/28</a:t>
             </a:fld>
             <a:endParaRPr lang="zh-CN" altLang="en-US"/>
           </a:p>
@@ -1640,7 +1655,6 @@
           <a:p>
             <a:fld id="{565CE74E-AB26-4998-AD42-012C4C1AD076}" type="slidenum">
               <a:rPr lang="zh-CN" altLang="en-US" smtClean="0"/>
-              <a:t>‹#›</a:t>
             </a:fld>
             <a:endParaRPr lang="zh-CN" altLang="en-US"/>
           </a:p>
@@ -1711,7 +1725,6 @@
           <a:p>
             <a:fld id="{D997B5FA-0921-464F-AAE1-844C04324D75}" type="datetimeFigureOut">
               <a:rPr lang="zh-CN" altLang="en-US" smtClean="0"/>
-              <a:t>2018/12/28</a:t>
             </a:fld>
             <a:endParaRPr lang="zh-CN" altLang="en-US"/>
           </a:p>
@@ -1753,7 +1766,6 @@
           <a:p>
             <a:fld id="{565CE74E-AB26-4998-AD42-012C4C1AD076}" type="slidenum">
               <a:rPr lang="zh-CN" altLang="en-US" smtClean="0"/>
-              <a:t>‹#›</a:t>
             </a:fld>
             <a:endParaRPr lang="zh-CN" altLang="en-US"/>
           </a:p>
@@ -1801,7 +1813,6 @@
           <a:p>
             <a:fld id="{D997B5FA-0921-464F-AAE1-844C04324D75}" type="datetimeFigureOut">
               <a:rPr lang="zh-CN" altLang="en-US" smtClean="0"/>
-              <a:t>2018/12/28</a:t>
             </a:fld>
             <a:endParaRPr lang="zh-CN" altLang="en-US"/>
           </a:p>
@@ -1843,7 +1854,6 @@
           <a:p>
             <a:fld id="{565CE74E-AB26-4998-AD42-012C4C1AD076}" type="slidenum">
               <a:rPr lang="zh-CN" altLang="en-US" smtClean="0"/>
-              <a:t>‹#›</a:t>
             </a:fld>
             <a:endParaRPr lang="zh-CN" altLang="en-US"/>
           </a:p>
@@ -1959,6 +1969,7 @@
               <a:rPr lang="zh-CN" altLang="en-US" smtClean="0"/>
               <a:t>单击此处编辑母版文本样式</a:t>
             </a:r>
+            <a:endParaRPr lang="zh-CN" altLang="en-US" smtClean="0"/>
           </a:p>
           <a:p>
             <a:pPr lvl="1"/>
@@ -1966,6 +1977,7 @@
               <a:rPr lang="zh-CN" altLang="en-US" smtClean="0"/>
               <a:t>第二级</a:t>
             </a:r>
+            <a:endParaRPr lang="zh-CN" altLang="en-US" smtClean="0"/>
           </a:p>
           <a:p>
             <a:pPr lvl="2"/>
@@ -1973,6 +1985,7 @@
               <a:rPr lang="zh-CN" altLang="en-US" smtClean="0"/>
               <a:t>第三级</a:t>
             </a:r>
+            <a:endParaRPr lang="zh-CN" altLang="en-US" smtClean="0"/>
           </a:p>
           <a:p>
             <a:pPr lvl="3"/>
@@ -1980,6 +1993,7 @@
               <a:rPr lang="zh-CN" altLang="en-US" smtClean="0"/>
               <a:t>第四级</a:t>
             </a:r>
+            <a:endParaRPr lang="zh-CN" altLang="en-US" smtClean="0"/>
           </a:p>
           <a:p>
             <a:pPr lvl="4"/>
@@ -2053,6 +2067,7 @@
               <a:rPr lang="zh-CN" altLang="en-US" smtClean="0"/>
               <a:t>单击此处编辑母版文本样式</a:t>
             </a:r>
+            <a:endParaRPr lang="zh-CN" altLang="en-US" smtClean="0"/>
           </a:p>
         </p:txBody>
       </p:sp>
@@ -2073,7 +2088,6 @@
           <a:p>
             <a:fld id="{D997B5FA-0921-464F-AAE1-844C04324D75}" type="datetimeFigureOut">
               <a:rPr lang="zh-CN" altLang="en-US" smtClean="0"/>
-              <a:t>2018/12/28</a:t>
             </a:fld>
             <a:endParaRPr lang="zh-CN" altLang="en-US"/>
           </a:p>
@@ -2115,7 +2129,6 @@
           <a:p>
             <a:fld id="{565CE74E-AB26-4998-AD42-012C4C1AD076}" type="slidenum">
               <a:rPr lang="zh-CN" altLang="en-US" smtClean="0"/>
-              <a:t>‹#›</a:t>
             </a:fld>
             <a:endParaRPr lang="zh-CN" altLang="en-US"/>
           </a:p>
@@ -2301,6 +2314,7 @@
               <a:rPr lang="zh-CN" altLang="en-US" smtClean="0"/>
               <a:t>单击此处编辑母版文本样式</a:t>
             </a:r>
+            <a:endParaRPr lang="zh-CN" altLang="en-US" smtClean="0"/>
           </a:p>
         </p:txBody>
       </p:sp>
@@ -2321,7 +2335,6 @@
           <a:p>
             <a:fld id="{D997B5FA-0921-464F-AAE1-844C04324D75}" type="datetimeFigureOut">
               <a:rPr lang="zh-CN" altLang="en-US" smtClean="0"/>
-              <a:t>2018/12/28</a:t>
             </a:fld>
             <a:endParaRPr lang="zh-CN" altLang="en-US"/>
           </a:p>
@@ -2363,7 +2376,6 @@
           <a:p>
             <a:fld id="{565CE74E-AB26-4998-AD42-012C4C1AD076}" type="slidenum">
               <a:rPr lang="zh-CN" altLang="en-US" smtClean="0"/>
-              <a:t>‹#›</a:t>
             </a:fld>
             <a:endParaRPr lang="zh-CN" altLang="en-US"/>
           </a:p>
@@ -2462,6 +2474,7 @@
               <a:rPr lang="zh-CN" altLang="en-US" smtClean="0"/>
               <a:t>单击此处编辑母版文本样式</a:t>
             </a:r>
+            <a:endParaRPr lang="zh-CN" altLang="en-US" smtClean="0"/>
           </a:p>
           <a:p>
             <a:pPr lvl="1"/>
@@ -2469,6 +2482,7 @@
               <a:rPr lang="zh-CN" altLang="en-US" smtClean="0"/>
               <a:t>第二级</a:t>
             </a:r>
+            <a:endParaRPr lang="zh-CN" altLang="en-US" smtClean="0"/>
           </a:p>
           <a:p>
             <a:pPr lvl="2"/>
@@ -2476,6 +2490,7 @@
               <a:rPr lang="zh-CN" altLang="en-US" smtClean="0"/>
               <a:t>第三级</a:t>
             </a:r>
+            <a:endParaRPr lang="zh-CN" altLang="en-US" smtClean="0"/>
           </a:p>
           <a:p>
             <a:pPr lvl="3"/>
@@ -2483,6 +2498,7 @@
               <a:rPr lang="zh-CN" altLang="en-US" smtClean="0"/>
               <a:t>第四级</a:t>
             </a:r>
+            <a:endParaRPr lang="zh-CN" altLang="en-US" smtClean="0"/>
           </a:p>
           <a:p>
             <a:pPr lvl="4"/>
@@ -2529,7 +2545,6 @@
           <a:p>
             <a:fld id="{D997B5FA-0921-464F-AAE1-844C04324D75}" type="datetimeFigureOut">
               <a:rPr lang="zh-CN" altLang="en-US" smtClean="0"/>
-              <a:t>2018/12/28</a:t>
             </a:fld>
             <a:endParaRPr lang="zh-CN" altLang="en-US"/>
           </a:p>
@@ -2607,7 +2622,6 @@
           <a:p>
             <a:fld id="{565CE74E-AB26-4998-AD42-012C4C1AD076}" type="slidenum">
               <a:rPr lang="zh-CN" altLang="en-US" smtClean="0"/>
-              <a:t>‹#›</a:t>
             </a:fld>
             <a:endParaRPr lang="zh-CN" altLang="en-US"/>
           </a:p>
@@ -2945,9 +2959,14 @@
           <a:lstStyle/>
           <a:p>
             <a:r>
+              <a:rPr lang="zh-CN" altLang="en-US"/>
+              <a:t>初探浏览器和</a:t>
+            </a:r>
+            <a:r>
               <a:rPr lang="en-US" altLang="zh-CN"/>
-              <a:t>Deep Digging in Browser</a:t>
-            </a:r>
+              <a:t>Promise</a:t>
+            </a:r>
+            <a:endParaRPr lang="en-US" altLang="zh-CN"/>
           </a:p>
         </p:txBody>
       </p:sp>
@@ -2970,10 +2989,14 @@
               <a:rPr lang="en-US" altLang="zh-CN"/>
               <a:t>FE zzy</a:t>
             </a:r>
+            <a:endParaRPr lang="en-US" altLang="zh-CN"/>
           </a:p>
         </p:txBody>
       </p:sp>
     </p:spTree>
+    <p:custDataLst>
+      <p:tags r:id="rId1"/>
+    </p:custDataLst>
   </p:cSld>
   <p:clrMapOvr>
     <a:masterClrMapping/>
@@ -3137,11 +3160,6 @@
         </p:txBody>
       </p:sp>
     </p:spTree>
-    <p:extLst>
-      <p:ext uri="{BB962C8B-B14F-4D97-AF65-F5344CB8AC3E}">
-        <p14:creationId xmlns:p14="http://schemas.microsoft.com/office/powerpoint/2010/main" val="3533138103"/>
-      </p:ext>
-    </p:extLst>
   </p:cSld>
   <p:clrMapOvr>
     <a:masterClrMapping/>
@@ -3276,31 +3294,15 @@
             </a:r>
             <a:r>
               <a:rPr lang="zh-CN" altLang="en-US" dirty="0" smtClean="0"/>
-              <a:t>抽象语法树转化为一</a:t>
-            </a:r>
-            <a:r>
-              <a:rPr lang="zh-CN" altLang="en-US" dirty="0" smtClean="0"/>
-              <a:t>个</a:t>
-            </a:r>
-            <a:r>
-              <a:rPr lang="en-US" altLang="zh-CN" dirty="0" smtClean="0"/>
-              <a:t>static </a:t>
-            </a:r>
-            <a:r>
-              <a:rPr lang="en-US" altLang="zh-CN" dirty="0" smtClean="0"/>
-              <a:t>single-assignment </a:t>
-            </a:r>
-            <a:r>
-              <a:rPr lang="zh-CN" altLang="en-US" dirty="0" smtClean="0"/>
-              <a:t>形式并</a:t>
-            </a:r>
-            <a:r>
-              <a:rPr lang="zh-CN" altLang="en-US" dirty="0" smtClean="0"/>
-              <a:t>完成绝大部分的优化</a:t>
-            </a:r>
-            <a:r>
-              <a:rPr lang="zh-CN" altLang="en-US" dirty="0" smtClean="0"/>
-              <a:t>工作</a:t>
+              <a:t>抽象语法树转化为一个</a:t>
+            </a:r>
+            <a:r>
+              <a:rPr lang="en-US" altLang="zh-CN" dirty="0" smtClean="0"/>
+              <a:t>static single-assignment </a:t>
+            </a:r>
+            <a:r>
+              <a:rPr lang="zh-CN" altLang="en-US" dirty="0" smtClean="0"/>
+              <a:t>形式并完成绝大部分的优化工作</a:t>
             </a:r>
             <a:endParaRPr lang="en-US" altLang="zh-CN" dirty="0" smtClean="0"/>
           </a:p>
@@ -3325,11 +3327,6 @@
         </p:txBody>
       </p:sp>
     </p:spTree>
-    <p:extLst>
-      <p:ext uri="{BB962C8B-B14F-4D97-AF65-F5344CB8AC3E}">
-        <p14:creationId xmlns:p14="http://schemas.microsoft.com/office/powerpoint/2010/main" val="1086129714"/>
-      </p:ext>
-    </p:extLst>
   </p:cSld>
   <p:clrMapOvr>
     <a:masterClrMapping/>
@@ -3533,6 +3530,7 @@
               <a:rPr lang="en-US" altLang="zh-CN" dirty="0"/>
               <a:t>Tick</a:t>
             </a:r>
+            <a:endParaRPr lang="en-US" altLang="zh-CN" dirty="0"/>
           </a:p>
         </p:txBody>
       </p:sp>
@@ -3602,19 +3600,11 @@
             </a:r>
             <a:r>
               <a:rPr lang="en-US" altLang="zh-CN" dirty="0" smtClean="0"/>
-              <a:t>call stack -&gt; </a:t>
-            </a:r>
-            <a:r>
-              <a:rPr lang="en-US" altLang="zh-CN" dirty="0" smtClean="0"/>
-              <a:t>call stack</a:t>
-            </a:r>
-            <a:r>
-              <a:rPr lang="zh-CN" altLang="en-US" dirty="0" smtClean="0"/>
-              <a:t>执行</a:t>
-            </a:r>
-            <a:r>
-              <a:rPr lang="zh-CN" altLang="en-US" dirty="0" smtClean="0"/>
-              <a:t>完毕，这个过程我们可以称之为一个</a:t>
+              <a:t>call stack -&gt; call stack</a:t>
+            </a:r>
+            <a:r>
+              <a:rPr lang="zh-CN" altLang="en-US" dirty="0" smtClean="0"/>
+              <a:t>执行完毕，这个过程我们可以称之为一个</a:t>
             </a:r>
             <a:r>
               <a:rPr lang="en-US" altLang="zh-CN" dirty="0" smtClean="0"/>
@@ -3683,6 +3673,7 @@
               <a:rPr lang="en-US" altLang="zh-CN" dirty="0"/>
               <a:t>Queue</a:t>
             </a:r>
+            <a:endParaRPr lang="en-US" altLang="zh-CN" dirty="0"/>
           </a:p>
         </p:txBody>
       </p:sp>
@@ -3702,8 +3693,20 @@
           <a:lstStyle/>
           <a:p>
             <a:r>
+              <a:rPr lang="zh-CN" altLang="en-US" dirty="0"/>
+              <a:t>是一个与</a:t>
+            </a:r>
+            <a:r>
               <a:rPr lang="en-US" altLang="zh-CN" dirty="0"/>
-              <a:t>It's a layer on top of the Event Loop queue. </a:t>
+              <a:t>Event Loop</a:t>
+            </a:r>
+            <a:r>
+              <a:rPr lang="zh-CN" altLang="en-US" dirty="0"/>
+              <a:t>不同的队列</a:t>
+            </a:r>
+            <a:r>
+              <a:rPr lang="en-US" altLang="zh-CN" dirty="0"/>
+              <a:t> </a:t>
             </a:r>
             <a:endParaRPr lang="en-US" altLang="zh-CN" dirty="0" smtClean="0"/>
           </a:p>
@@ -3838,95 +3841,119 @@
           <a:lstStyle/>
           <a:p>
             <a:r>
+              <a:rPr lang="zh-CN" altLang="en-US"/>
+              <a:t>来自亮哥的一段代码</a:t>
+            </a:r>
+            <a:endParaRPr lang="zh-CN" altLang="en-US"/>
+          </a:p>
+        </p:txBody>
+      </p:sp>
+      <p:sp>
+        <p:nvSpPr>
+          <p:cNvPr id="3" name="内容占位符 2"/>
+          <p:cNvSpPr>
+            <a:spLocks noGrp="1"/>
+          </p:cNvSpPr>
+          <p:nvPr>
+            <p:ph idx="1"/>
+          </p:nvPr>
+        </p:nvSpPr>
+        <p:spPr/>
+        <p:txBody>
+          <a:bodyPr/>
+          <a:lstStyle/>
+          <a:p>
+            <a:pPr marL="0" indent="0">
+              <a:buNone/>
+            </a:pPr>
+            <a:r>
               <a:rPr lang="en-US" altLang="zh-CN" dirty="0"/>
-              <a:t>Promise</a:t>
-            </a:r>
-          </a:p>
-        </p:txBody>
-      </p:sp>
-      <p:sp>
-        <p:nvSpPr>
-          <p:cNvPr id="3" name="内容占位符 2"/>
-          <p:cNvSpPr>
-            <a:spLocks noGrp="1"/>
-          </p:cNvSpPr>
-          <p:nvPr>
-            <p:ph idx="1"/>
-          </p:nvPr>
-        </p:nvSpPr>
-        <p:spPr/>
-        <p:txBody>
-          <a:bodyPr/>
-          <a:lstStyle/>
-          <a:p>
-            <a:r>
-              <a:rPr lang="zh-CN" altLang="en-US" dirty="0" smtClean="0"/>
-              <a:t>同步函数有两个重要特征</a:t>
-            </a:r>
-            <a:r>
-              <a:rPr lang="en-US" altLang="zh-CN" dirty="0" smtClean="0"/>
-              <a:t>:  </a:t>
-            </a:r>
-            <a:r>
-              <a:rPr lang="zh-CN" altLang="en-US" dirty="0" smtClean="0"/>
-              <a:t>有返回值、能抛出异常。所以我们可以获取</a:t>
-            </a:r>
-            <a:r>
-              <a:rPr lang="zh-CN" altLang="en-US" dirty="0"/>
-              <a:t>前一</a:t>
-            </a:r>
-            <a:r>
-              <a:rPr lang="zh-CN" altLang="en-US" dirty="0" smtClean="0"/>
-              <a:t>个同步函数的返回值并按顺序传给下一个函数，这些函数组成了一条调用链，当其中某一部分失败时，就会向所有更深层的函数抛出异常，直到某一个函数可以处理它</a:t>
-            </a:r>
-            <a:endParaRPr lang="en-US" altLang="zh-CN" dirty="0" smtClean="0"/>
-          </a:p>
-          <a:p>
-            <a:endParaRPr lang="en-US" altLang="zh-CN" dirty="0" smtClean="0"/>
-          </a:p>
-          <a:p>
-            <a:r>
-              <a:rPr lang="zh-CN" altLang="en-US" dirty="0" smtClean="0"/>
-              <a:t>异步函数不能直接返回值或抛出异常，只能采用回调的方式拿值</a:t>
-            </a:r>
-            <a:endParaRPr lang="en-US" altLang="zh-CN" dirty="0" smtClean="0"/>
-          </a:p>
-          <a:p>
+              <a:t>new Promise((resolve, reject) =&gt; {</a:t>
+            </a:r>
             <a:endParaRPr lang="en-US" altLang="zh-CN" dirty="0"/>
           </a:p>
           <a:p>
-            <a:r>
-              <a:rPr lang="en-US" altLang="zh-CN" dirty="0" smtClean="0"/>
-              <a:t>Promise</a:t>
-            </a:r>
-            <a:r>
-              <a:rPr lang="zh-CN" altLang="en-US" dirty="0" smtClean="0"/>
-              <a:t>的一个重点在于它在异步的世界里使我们能返回值和抛出异常。</a:t>
-            </a:r>
-            <a:endParaRPr lang="en-US" altLang="zh-CN" dirty="0" smtClean="0"/>
-          </a:p>
-          <a:p>
+            <a:pPr marL="0" indent="0">
+              <a:buNone/>
+            </a:pPr>
+            <a:r>
+              <a:rPr lang="en-US" altLang="zh-CN" dirty="0"/>
+              <a:t>	resolve(1);</a:t>
+            </a:r>
             <a:endParaRPr lang="en-US" altLang="zh-CN" dirty="0"/>
           </a:p>
           <a:p>
+            <a:pPr marL="0" indent="0">
+              <a:buNone/>
+            </a:pPr>
+            <a:r>
+              <a:rPr lang="en-US" altLang="zh-CN" dirty="0"/>
+              <a:t>	</a:t>
+            </a:r>
+            <a:r>
+              <a:rPr lang="en-US" altLang="zh-CN" dirty="0" err="1"/>
+              <a:t>Promise.resolve</a:t>
+            </a:r>
+            <a:r>
+              <a:rPr lang="en-US" altLang="zh-CN" dirty="0"/>
+              <a:t>().then(() =&gt; console.log(2));</a:t>
+            </a:r>
             <a:endParaRPr lang="en-US" altLang="zh-CN" dirty="0"/>
           </a:p>
           <a:p>
+            <a:pPr marL="0" indent="0">
+              <a:buNone/>
+            </a:pPr>
+            <a:r>
+              <a:rPr lang="en-US" altLang="zh-CN" dirty="0"/>
+              <a:t>	console.log(4);</a:t>
+            </a:r>
             <a:endParaRPr lang="en-US" altLang="zh-CN" dirty="0"/>
           </a:p>
           <a:p>
+            <a:pPr marL="0" indent="0">
+              <a:buNone/>
+            </a:pPr>
+            <a:r>
+              <a:rPr lang="en-US" altLang="zh-CN" dirty="0"/>
+              <a:t>}).then(</a:t>
+            </a:r>
+            <a:r>
+              <a:rPr lang="en-US" altLang="zh-CN" dirty="0" err="1"/>
+              <a:t>val</a:t>
+            </a:r>
+            <a:r>
+              <a:rPr lang="en-US" altLang="zh-CN" dirty="0"/>
+              <a:t> =&gt; console.log(</a:t>
+            </a:r>
+            <a:r>
+              <a:rPr lang="en-US" altLang="zh-CN" dirty="0" err="1"/>
+              <a:t>val</a:t>
+            </a:r>
+            <a:r>
+              <a:rPr lang="en-US" altLang="zh-CN" dirty="0"/>
+              <a:t>));</a:t>
+            </a:r>
             <a:endParaRPr lang="en-US" altLang="zh-CN" dirty="0"/>
           </a:p>
           <a:p>
+            <a:pPr marL="0" indent="0">
+              <a:buNone/>
+            </a:pPr>
+            <a:r>
+              <a:rPr lang="en-US" altLang="zh-CN" dirty="0"/>
+              <a:t>console.log(3);</a:t>
+            </a:r>
             <a:endParaRPr lang="en-US" altLang="zh-CN" dirty="0"/>
           </a:p>
           <a:p>
-            <a:endParaRPr lang="en-US" altLang="zh-CN" dirty="0"/>
-          </a:p>
-          <a:p>
-            <a:endParaRPr lang="en-US" altLang="zh-CN" dirty="0"/>
-          </a:p>
-          <a:p>
+            <a:pPr marL="0" indent="0">
+              <a:buNone/>
+            </a:pPr>
+            <a:r>
+              <a:rPr lang="en-US" altLang="zh-CN" dirty="0"/>
+              <a:t>//4 3 2 1</a:t>
+            </a:r>
             <a:endParaRPr lang="en-US" altLang="zh-CN" dirty="0"/>
           </a:p>
         </p:txBody>
@@ -3972,10 +3999,10 @@
           <a:lstStyle/>
           <a:p>
             <a:r>
-              <a:rPr lang="en-US" altLang="zh-CN" dirty="0" err="1" smtClean="0"/>
-              <a:t>Promise.then</a:t>
-            </a:r>
-            <a:endParaRPr lang="zh-CN" altLang="en-US" dirty="0"/>
+              <a:rPr lang="en-US" altLang="zh-CN"/>
+              <a:t>Key</a:t>
+            </a:r>
+            <a:endParaRPr lang="en-US" altLang="zh-CN"/>
           </a:p>
         </p:txBody>
       </p:sp>
@@ -3995,61 +4022,70 @@
           <a:lstStyle/>
           <a:p>
             <a:r>
-              <a:rPr lang="en-US" altLang="zh-CN" dirty="0" err="1" smtClean="0"/>
-              <a:t>Promise.then</a:t>
-            </a:r>
-            <a:r>
-              <a:rPr lang="zh-CN" altLang="en-US" dirty="0" smtClean="0"/>
-              <a:t>会返回一个新的</a:t>
-            </a:r>
-            <a:r>
-              <a:rPr lang="en-US" altLang="zh-CN" dirty="0" smtClean="0"/>
-              <a:t>promise</a:t>
-            </a:r>
-            <a:r>
-              <a:rPr lang="zh-CN" altLang="en-US" dirty="0" smtClean="0"/>
-              <a:t>对象，这允许了</a:t>
-            </a:r>
-            <a:r>
-              <a:rPr lang="en-US" altLang="zh-CN" dirty="0" smtClean="0"/>
-              <a:t>promise</a:t>
-            </a:r>
-            <a:r>
-              <a:rPr lang="zh-CN" altLang="en-US" dirty="0" smtClean="0"/>
-              <a:t>的链式调用</a:t>
-            </a:r>
-            <a:endParaRPr lang="en-US" altLang="zh-CN" dirty="0" smtClean="0"/>
-          </a:p>
-          <a:p>
-            <a:r>
-              <a:rPr lang="zh-CN" altLang="en-US" dirty="0" smtClean="0"/>
-              <a:t>这与同步代码十分相像，因为前一个</a:t>
-            </a:r>
-            <a:r>
-              <a:rPr lang="en-US" altLang="zh-CN" dirty="0" smtClean="0"/>
-              <a:t>promise</a:t>
-            </a:r>
-            <a:r>
-              <a:rPr lang="zh-CN" altLang="en-US" dirty="0" smtClean="0"/>
-              <a:t>的状态不能改变，恰如前一个同步函数运行完后，返回值不会再改变。</a:t>
-            </a:r>
-            <a:endParaRPr lang="en-US" altLang="zh-CN" dirty="0" smtClean="0"/>
-          </a:p>
-          <a:p>
-            <a:r>
-              <a:rPr lang="en-US" altLang="zh-CN"/>
-              <a:t>https://gist.github.com/domenic/3889970</a:t>
-            </a:r>
-            <a:endParaRPr lang="zh-CN" altLang="en-US" dirty="0"/>
-          </a:p>
-        </p:txBody>
-      </p:sp>
+              <a:rPr lang="en-US" altLang="zh-CN" dirty="0"/>
+              <a:t>Promise</a:t>
+            </a:r>
+            <a:r>
+              <a:rPr lang="zh-CN" altLang="en-US" dirty="0"/>
+              <a:t>的</a:t>
+            </a:r>
+            <a:r>
+              <a:rPr lang="en-US" altLang="zh-CN" dirty="0"/>
+              <a:t>then</a:t>
+            </a:r>
+            <a:r>
+              <a:rPr lang="zh-CN" altLang="en-US" dirty="0"/>
+              <a:t>中的</a:t>
+            </a:r>
+            <a:r>
+              <a:rPr lang="en-US" altLang="zh-CN" dirty="0"/>
+              <a:t>callback</a:t>
+            </a:r>
+            <a:r>
+              <a:rPr lang="zh-CN" altLang="en-US" dirty="0"/>
+              <a:t>在执行到</a:t>
+            </a:r>
+            <a:r>
+              <a:rPr lang="en-US" altLang="zh-CN" dirty="0"/>
+              <a:t>then</a:t>
+            </a:r>
+            <a:r>
+              <a:rPr lang="zh-CN" altLang="en-US" dirty="0"/>
+              <a:t>的时候才会压入</a:t>
+            </a:r>
+            <a:r>
+              <a:rPr lang="en-US" altLang="zh-CN" dirty="0"/>
+              <a:t>Job Queue					</a:t>
+            </a:r>
+            <a:endParaRPr lang="en-US" altLang="zh-CN" dirty="0"/>
+          </a:p>
+        </p:txBody>
+      </p:sp>
+      <p:pic>
+        <p:nvPicPr>
+          <p:cNvPr id="4" name="图片 3" descr="EGC33BWN1M{PGBTRLO1B}59"/>
+          <p:cNvPicPr>
+            <a:picLocks noChangeAspect="1"/>
+          </p:cNvPicPr>
+          <p:nvPr/>
+        </p:nvPicPr>
+        <p:blipFill>
+          <a:blip r:embed="rId1"/>
+          <a:stretch>
+            <a:fillRect/>
+          </a:stretch>
+        </p:blipFill>
+        <p:spPr>
+          <a:xfrm>
+            <a:off x="1282065" y="2877820"/>
+            <a:ext cx="7875905" cy="2247900"/>
+          </a:xfrm>
+          <a:prstGeom prst="rect">
+            <a:avLst/>
+          </a:prstGeom>
+        </p:spPr>
+      </p:pic>
     </p:spTree>
-    <p:extLst>
-      <p:ext uri="{BB962C8B-B14F-4D97-AF65-F5344CB8AC3E}">
-        <p14:creationId xmlns:p14="http://schemas.microsoft.com/office/powerpoint/2010/main" val="2756539123"/>
-      </p:ext>
-    </p:extLst>
   </p:cSld>
   <p:clrMapOvr>
     <a:masterClrMapping/>
@@ -4090,115 +4126,37 @@
           <a:lstStyle/>
           <a:p>
             <a:r>
-              <a:rPr lang="zh-CN" altLang="en-US"/>
-              <a:t>来自亮哥的一段代码</a:t>
-            </a:r>
-          </a:p>
-        </p:txBody>
-      </p:sp>
-      <p:sp>
-        <p:nvSpPr>
-          <p:cNvPr id="3" name="内容占位符 2"/>
-          <p:cNvSpPr>
-            <a:spLocks noGrp="1"/>
-          </p:cNvSpPr>
-          <p:nvPr>
-            <p:ph idx="1"/>
-          </p:nvPr>
-        </p:nvSpPr>
-        <p:spPr/>
-        <p:txBody>
-          <a:bodyPr/>
-          <a:lstStyle/>
-          <a:p>
-            <a:pPr marL="0" indent="0">
-              <a:buNone/>
-            </a:pPr>
-            <a:r>
-              <a:rPr lang="en-US" altLang="zh-CN" dirty="0"/>
-              <a:t>new Promise((resolve, reject) =&gt; {</a:t>
-            </a:r>
-          </a:p>
-          <a:p>
-            <a:pPr marL="0" indent="0">
-              <a:buNone/>
-            </a:pPr>
-            <a:r>
-              <a:rPr lang="en-US" altLang="zh-CN" dirty="0"/>
-              <a:t>	resolve(1);</a:t>
-            </a:r>
-          </a:p>
-          <a:p>
-            <a:pPr marL="0" indent="0">
-              <a:buNone/>
-            </a:pPr>
-            <a:r>
-              <a:rPr lang="en-US" altLang="zh-CN" dirty="0"/>
-              <a:t>	</a:t>
-            </a:r>
-            <a:r>
-              <a:rPr lang="en-US" altLang="zh-CN" dirty="0" err="1"/>
-              <a:t>Promise.resolve</a:t>
-            </a:r>
-            <a:r>
-              <a:rPr lang="en-US" altLang="zh-CN" dirty="0"/>
-              <a:t>().then(() =&gt; console.log(2));</a:t>
-            </a:r>
-          </a:p>
-          <a:p>
-            <a:pPr marL="0" indent="0">
-              <a:buNone/>
-            </a:pPr>
-            <a:r>
-              <a:rPr lang="en-US" altLang="zh-CN" dirty="0"/>
-              <a:t>	console.log(4);</a:t>
-            </a:r>
-          </a:p>
-          <a:p>
-            <a:pPr marL="0" indent="0">
-              <a:buNone/>
-            </a:pPr>
-            <a:r>
-              <a:rPr lang="en-US" altLang="zh-CN" dirty="0"/>
-              <a:t>}).then(</a:t>
-            </a:r>
-            <a:r>
-              <a:rPr lang="en-US" altLang="zh-CN" dirty="0" err="1"/>
-              <a:t>val</a:t>
-            </a:r>
-            <a:r>
-              <a:rPr lang="en-US" altLang="zh-CN" dirty="0"/>
-              <a:t> =&gt; console.log(</a:t>
-            </a:r>
-            <a:r>
-              <a:rPr lang="en-US" altLang="zh-CN" dirty="0" err="1"/>
-              <a:t>val</a:t>
-            </a:r>
-            <a:r>
-              <a:rPr lang="en-US" altLang="zh-CN" dirty="0"/>
-              <a:t>));</a:t>
-            </a:r>
-          </a:p>
-          <a:p>
-            <a:pPr marL="0" indent="0">
-              <a:buNone/>
-            </a:pPr>
-            <a:r>
-              <a:rPr lang="en-US" altLang="zh-CN" dirty="0"/>
-              <a:t>console.log(3);</a:t>
-            </a:r>
-          </a:p>
-          <a:p>
-            <a:pPr marL="0" indent="0">
-              <a:buNone/>
-            </a:pPr>
-            <a:r>
-              <a:rPr lang="en-US" altLang="zh-CN" dirty="0"/>
-              <a:t>//4 3 2 1</a:t>
-            </a:r>
-          </a:p>
-        </p:txBody>
-      </p:sp>
+              <a:rPr lang="en-US" altLang="zh-CN"/>
+              <a:t>Key</a:t>
+            </a:r>
+            <a:endParaRPr lang="en-US" altLang="zh-CN"/>
+          </a:p>
+        </p:txBody>
+      </p:sp>
+      <p:pic>
+        <p:nvPicPr>
+          <p:cNvPr id="4" name="图片 3" descr="[NQS@NAZ)KTGNN7((W0)7S4"/>
+          <p:cNvPicPr>
+            <a:picLocks noChangeAspect="1"/>
+          </p:cNvPicPr>
+          <p:nvPr/>
+        </p:nvPicPr>
+        <p:blipFill>
+          <a:blip r:embed="rId1"/>
+          <a:stretch>
+            <a:fillRect/>
+          </a:stretch>
+        </p:blipFill>
+        <p:spPr>
+          <a:xfrm>
+            <a:off x="1155065" y="1537970"/>
+            <a:ext cx="8884920" cy="4975225"/>
+          </a:xfrm>
+          <a:prstGeom prst="rect">
+            <a:avLst/>
+          </a:prstGeom>
+        </p:spPr>
+      </p:pic>
     </p:spTree>
   </p:cSld>
   <p:clrMapOvr>
@@ -4243,81 +4201,28 @@
               <a:rPr lang="en-US" altLang="zh-CN"/>
               <a:t>Key</a:t>
             </a:r>
-          </a:p>
-        </p:txBody>
-      </p:sp>
-      <p:sp>
-        <p:nvSpPr>
-          <p:cNvPr id="3" name="内容占位符 2"/>
-          <p:cNvSpPr>
-            <a:spLocks noGrp="1"/>
-          </p:cNvSpPr>
-          <p:nvPr>
-            <p:ph idx="1"/>
-          </p:nvPr>
-        </p:nvSpPr>
-        <p:spPr/>
-        <p:txBody>
-          <a:bodyPr/>
-          <a:lstStyle/>
-          <a:p>
-            <a:r>
-              <a:rPr lang="en-US" altLang="zh-CN" dirty="0"/>
-              <a:t>Promise</a:t>
-            </a:r>
-            <a:r>
-              <a:rPr lang="zh-CN" altLang="en-US" dirty="0"/>
-              <a:t>的</a:t>
-            </a:r>
-            <a:r>
-              <a:rPr lang="en-US" altLang="zh-CN" dirty="0"/>
-              <a:t>then</a:t>
-            </a:r>
-            <a:r>
-              <a:rPr lang="zh-CN" altLang="en-US" dirty="0"/>
-              <a:t>中的</a:t>
-            </a:r>
-            <a:r>
-              <a:rPr lang="en-US" altLang="zh-CN" dirty="0"/>
-              <a:t>callback</a:t>
-            </a:r>
-            <a:r>
-              <a:rPr lang="zh-CN" altLang="en-US" dirty="0"/>
-              <a:t>在执行到</a:t>
-            </a:r>
-            <a:r>
-              <a:rPr lang="en-US" altLang="zh-CN" dirty="0"/>
-              <a:t>then</a:t>
-            </a:r>
-            <a:r>
-              <a:rPr lang="zh-CN" altLang="en-US" dirty="0"/>
-              <a:t>的时候才会压入</a:t>
-            </a:r>
-            <a:r>
-              <a:rPr lang="en-US" altLang="zh-CN" dirty="0"/>
-              <a:t>Job Queue					</a:t>
-            </a:r>
+            <a:endParaRPr lang="en-US" altLang="zh-CN"/>
           </a:p>
         </p:txBody>
       </p:sp>
       <p:pic>
         <p:nvPicPr>
-          <p:cNvPr id="4" name="图片 3" descr="EGC33BWN1M{PGBTRLO1B}59"/>
+          <p:cNvPr id="4" name="图片 3" descr="@AA[R@LN3VJTZ4OIC22CZP8"/>
           <p:cNvPicPr>
             <a:picLocks noChangeAspect="1"/>
           </p:cNvPicPr>
           <p:nvPr/>
         </p:nvPicPr>
         <p:blipFill>
-          <a:blip r:embed="rId2"/>
+          <a:blip r:embed="rId1"/>
           <a:stretch>
             <a:fillRect/>
           </a:stretch>
         </p:blipFill>
         <p:spPr>
           <a:xfrm>
-            <a:off x="1282065" y="2877820"/>
-            <a:ext cx="7875905" cy="2247900"/>
+            <a:off x="1462405" y="1691005"/>
+            <a:ext cx="9266555" cy="3779520"/>
           </a:xfrm>
           <a:prstGeom prst="rect">
             <a:avLst/>
@@ -4365,36 +4270,175 @@
           <a:lstStyle/>
           <a:p>
             <a:r>
-              <a:rPr lang="en-US" altLang="zh-CN"/>
-              <a:t>Key</a:t>
-            </a:r>
-          </a:p>
-        </p:txBody>
-      </p:sp>
-      <p:pic>
-        <p:nvPicPr>
-          <p:cNvPr id="4" name="图片 3" descr="[NQS@NAZ)KTGNN7((W0)7S4"/>
-          <p:cNvPicPr>
-            <a:picLocks noChangeAspect="1"/>
-          </p:cNvPicPr>
-          <p:nvPr/>
-        </p:nvPicPr>
-        <p:blipFill>
-          <a:blip r:embed="rId2"/>
-          <a:stretch>
-            <a:fillRect/>
-          </a:stretch>
-        </p:blipFill>
-        <p:spPr>
-          <a:xfrm>
-            <a:off x="1155065" y="1537970"/>
-            <a:ext cx="8884920" cy="4975225"/>
-          </a:xfrm>
-          <a:prstGeom prst="rect">
-            <a:avLst/>
-          </a:prstGeom>
-        </p:spPr>
-      </p:pic>
+              <a:rPr lang="zh-CN" altLang="en-US" dirty="0"/>
+              <a:t>关于同异步</a:t>
+            </a:r>
+            <a:endParaRPr lang="zh-CN" altLang="en-US" dirty="0"/>
+          </a:p>
+        </p:txBody>
+      </p:sp>
+      <p:sp>
+        <p:nvSpPr>
+          <p:cNvPr id="3" name="内容占位符 2"/>
+          <p:cNvSpPr>
+            <a:spLocks noGrp="1"/>
+          </p:cNvSpPr>
+          <p:nvPr>
+            <p:ph idx="1"/>
+          </p:nvPr>
+        </p:nvSpPr>
+        <p:spPr/>
+        <p:txBody>
+          <a:bodyPr>
+            <a:normAutofit lnSpcReduction="20000"/>
+          </a:bodyPr>
+          <a:lstStyle/>
+          <a:p>
+            <a:pPr fontAlgn="auto">
+              <a:lnSpc>
+                <a:spcPct val="100000"/>
+              </a:lnSpc>
+            </a:pPr>
+            <a:r>
+              <a:rPr lang="zh-CN" altLang="en-US" dirty="0" smtClean="0"/>
+              <a:t>同步函数有两个重要特征</a:t>
+            </a:r>
+            <a:r>
+              <a:rPr lang="en-US" altLang="zh-CN" dirty="0" smtClean="0"/>
+              <a:t>:  </a:t>
+            </a:r>
+            <a:r>
+              <a:rPr lang="zh-CN" altLang="en-US" dirty="0" smtClean="0"/>
+              <a:t>有返回值、能抛出异常。所以我们可以获取</a:t>
+            </a:r>
+            <a:r>
+              <a:rPr lang="zh-CN" altLang="en-US" dirty="0"/>
+              <a:t>前一</a:t>
+            </a:r>
+            <a:r>
+              <a:rPr lang="zh-CN" altLang="en-US" dirty="0" smtClean="0"/>
+              <a:t>个同步函数的返回值并按顺序传给下一个函数，这些函数组成了一条调用链，当其中某一部分失败时，就会向更深层的函数抛出异常，直到某一个函数可以处理它。这种结构易读，贴近自然语言和逻辑。</a:t>
+            </a:r>
+            <a:endParaRPr lang="zh-CN" altLang="en-US" dirty="0" smtClean="0"/>
+          </a:p>
+          <a:p>
+            <a:pPr fontAlgn="auto">
+              <a:lnSpc>
+                <a:spcPct val="100000"/>
+              </a:lnSpc>
+            </a:pPr>
+            <a:endParaRPr lang="zh-CN" altLang="en-US" dirty="0" smtClean="0"/>
+          </a:p>
+          <a:p>
+            <a:pPr fontAlgn="auto">
+              <a:lnSpc>
+                <a:spcPct val="100000"/>
+              </a:lnSpc>
+            </a:pPr>
+            <a:r>
+              <a:rPr lang="zh-CN" altLang="en-US" dirty="0" smtClean="0"/>
+              <a:t>异步过程中为什么拿不到内部函数的返回值，因为过程结束的时候内部函数还没有执行</a:t>
+            </a:r>
+            <a:endParaRPr lang="en-US" altLang="zh-CN" dirty="0" smtClean="0"/>
+          </a:p>
+          <a:p>
+            <a:pPr fontAlgn="auto">
+              <a:lnSpc>
+                <a:spcPct val="100000"/>
+              </a:lnSpc>
+            </a:pPr>
+            <a:endParaRPr lang="en-US" altLang="zh-CN" dirty="0" smtClean="0"/>
+          </a:p>
+          <a:p>
+            <a:pPr fontAlgn="auto">
+              <a:lnSpc>
+                <a:spcPct val="100000"/>
+              </a:lnSpc>
+            </a:pPr>
+            <a:r>
+              <a:rPr lang="zh-CN" altLang="en-US" dirty="0" smtClean="0"/>
+              <a:t>异步就像打电话，</a:t>
+            </a:r>
+            <a:r>
+              <a:rPr lang="en-US" altLang="zh-CN" dirty="0" smtClean="0"/>
+              <a:t>call  back...</a:t>
+            </a:r>
+            <a:endParaRPr lang="en-US" altLang="zh-CN" dirty="0" smtClean="0"/>
+          </a:p>
+          <a:p>
+            <a:pPr fontAlgn="auto">
+              <a:lnSpc>
+                <a:spcPct val="100000"/>
+              </a:lnSpc>
+            </a:pPr>
+            <a:endParaRPr lang="en-US" altLang="zh-CN" dirty="0" smtClean="0"/>
+          </a:p>
+          <a:p>
+            <a:pPr fontAlgn="auto">
+              <a:lnSpc>
+                <a:spcPct val="100000"/>
+              </a:lnSpc>
+            </a:pPr>
+            <a:endParaRPr lang="en-US" altLang="zh-CN" dirty="0"/>
+          </a:p>
+          <a:p>
+            <a:pPr fontAlgn="auto">
+              <a:lnSpc>
+                <a:spcPct val="100000"/>
+              </a:lnSpc>
+            </a:pPr>
+            <a:endParaRPr lang="en-US" altLang="zh-CN" dirty="0"/>
+          </a:p>
+          <a:p>
+            <a:pPr fontAlgn="auto">
+              <a:lnSpc>
+                <a:spcPct val="100000"/>
+              </a:lnSpc>
+            </a:pPr>
+            <a:endParaRPr lang="en-US" altLang="zh-CN" dirty="0"/>
+          </a:p>
+          <a:p>
+            <a:pPr fontAlgn="auto">
+              <a:lnSpc>
+                <a:spcPct val="100000"/>
+              </a:lnSpc>
+            </a:pPr>
+            <a:endParaRPr lang="en-US" altLang="zh-CN" dirty="0"/>
+          </a:p>
+          <a:p>
+            <a:pPr fontAlgn="auto">
+              <a:lnSpc>
+                <a:spcPct val="100000"/>
+              </a:lnSpc>
+            </a:pPr>
+            <a:endParaRPr lang="en-US" altLang="zh-CN" dirty="0"/>
+          </a:p>
+          <a:p>
+            <a:pPr fontAlgn="auto">
+              <a:lnSpc>
+                <a:spcPct val="100000"/>
+              </a:lnSpc>
+            </a:pPr>
+            <a:endParaRPr lang="en-US" altLang="zh-CN" dirty="0"/>
+          </a:p>
+          <a:p>
+            <a:pPr fontAlgn="auto">
+              <a:lnSpc>
+                <a:spcPct val="100000"/>
+              </a:lnSpc>
+            </a:pPr>
+            <a:endParaRPr lang="en-US" altLang="zh-CN" dirty="0"/>
+          </a:p>
+          <a:p>
+            <a:pPr fontAlgn="auto">
+              <a:lnSpc>
+                <a:spcPct val="100000"/>
+              </a:lnSpc>
+            </a:pPr>
+            <a:endParaRPr lang="en-US" altLang="zh-CN" dirty="0"/>
+          </a:p>
+        </p:txBody>
+      </p:sp>
     </p:spTree>
   </p:cSld>
   <p:clrMapOvr>
@@ -4462,18 +4506,21 @@
               <a:rPr lang="en-US" altLang="zh-CN" dirty="0" smtClean="0"/>
               <a:t>JS Engine</a:t>
             </a:r>
+            <a:endParaRPr lang="en-US" altLang="zh-CN" dirty="0" smtClean="0"/>
           </a:p>
           <a:p>
             <a:r>
               <a:rPr lang="en-US" altLang="zh-CN" dirty="0" smtClean="0"/>
               <a:t>Runtime</a:t>
             </a:r>
+            <a:endParaRPr lang="en-US" altLang="zh-CN" dirty="0" smtClean="0"/>
           </a:p>
           <a:p>
             <a:r>
               <a:rPr lang="en-US" altLang="zh-CN" dirty="0" smtClean="0"/>
               <a:t>Call Stack</a:t>
             </a:r>
+            <a:endParaRPr lang="en-US" altLang="zh-CN" dirty="0" smtClean="0"/>
           </a:p>
           <a:p>
             <a:r>
@@ -4485,11 +4532,6 @@
         </p:txBody>
       </p:sp>
     </p:spTree>
-    <p:extLst>
-      <p:ext uri="{BB962C8B-B14F-4D97-AF65-F5344CB8AC3E}">
-        <p14:creationId xmlns:p14="http://schemas.microsoft.com/office/powerpoint/2010/main" val="3039165526"/>
-      </p:ext>
-    </p:extLst>
   </p:cSld>
   <p:clrMapOvr>
     <a:masterClrMapping/>
@@ -4506,14 +4548,7 @@
         <p:cNvGrpSpPr/>
         <p:nvPr/>
       </p:nvGrpSpPr>
-      <p:grpSpPr>
-        <a:xfrm>
-          <a:off x="0" y="0"/>
-          <a:ext cx="0" cy="0"/>
-          <a:chOff x="0" y="0"/>
-          <a:chExt cx="0" cy="0"/>
-        </a:xfrm>
-      </p:grpSpPr>
+      <p:grpSpPr/>
       <p:sp>
         <p:nvSpPr>
           <p:cNvPr id="2" name="标题 1"/>
@@ -4527,39 +4562,121 @@
         <p:spPr/>
         <p:txBody>
           <a:bodyPr/>
-          <a:lstStyle/>
           <a:p>
             <a:r>
               <a:rPr lang="en-US" altLang="zh-CN"/>
-              <a:t>Key</a:t>
-            </a:r>
-          </a:p>
-        </p:txBody>
-      </p:sp>
-      <p:pic>
-        <p:nvPicPr>
-          <p:cNvPr id="4" name="图片 3" descr="@AA[R@LN3VJTZ4OIC22CZP8"/>
-          <p:cNvPicPr>
-            <a:picLocks noChangeAspect="1"/>
-          </p:cNvPicPr>
-          <p:nvPr/>
-        </p:nvPicPr>
-        <p:blipFill>
-          <a:blip r:embed="rId2"/>
-          <a:stretch>
-            <a:fillRect/>
-          </a:stretch>
-        </p:blipFill>
-        <p:spPr>
-          <a:xfrm>
-            <a:off x="1462405" y="1691005"/>
-            <a:ext cx="9266555" cy="3779520"/>
-          </a:xfrm>
-          <a:prstGeom prst="rect">
-            <a:avLst/>
-          </a:prstGeom>
-        </p:spPr>
-      </p:pic>
+              <a:t>Promise</a:t>
+            </a:r>
+            <a:endParaRPr lang="en-US" altLang="zh-CN"/>
+          </a:p>
+        </p:txBody>
+      </p:sp>
+      <p:sp>
+        <p:nvSpPr>
+          <p:cNvPr id="3" name="内容占位符 2"/>
+          <p:cNvSpPr>
+            <a:spLocks noGrp="1"/>
+          </p:cNvSpPr>
+          <p:nvPr>
+            <p:ph idx="1"/>
+          </p:nvPr>
+        </p:nvSpPr>
+        <p:spPr/>
+        <p:txBody>
+          <a:bodyPr/>
+          <a:p>
+            <a:r>
+              <a:rPr lang="en-US" altLang="zh-CN" dirty="0" smtClean="0">
+                <a:sym typeface="+mn-ea"/>
+              </a:rPr>
+              <a:t>Promise</a:t>
+            </a:r>
+            <a:r>
+              <a:rPr lang="zh-CN" altLang="en-US" dirty="0" smtClean="0">
+                <a:sym typeface="+mn-ea"/>
+              </a:rPr>
+              <a:t>解决了这个问题</a:t>
+            </a:r>
+            <a:endParaRPr lang="zh-CN" altLang="en-US" dirty="0" smtClean="0">
+              <a:sym typeface="+mn-ea"/>
+            </a:endParaRPr>
+          </a:p>
+          <a:p>
+            <a:endParaRPr lang="zh-CN" altLang="en-US" dirty="0" smtClean="0">
+              <a:sym typeface="+mn-ea"/>
+            </a:endParaRPr>
+          </a:p>
+          <a:p>
+            <a:r>
+              <a:rPr lang="zh-CN" dirty="0" smtClean="0">
+                <a:sym typeface="+mn-ea"/>
+              </a:rPr>
+              <a:t>比如一个</a:t>
+            </a:r>
+            <a:r>
+              <a:rPr lang="en-US" altLang="zh-CN" dirty="0" smtClean="0">
+                <a:sym typeface="+mn-ea"/>
+              </a:rPr>
+              <a:t>setTimeout(function(), time),</a:t>
+            </a:r>
+            <a:r>
+              <a:rPr lang="zh-CN" altLang="en-US" dirty="0" smtClean="0">
+                <a:sym typeface="+mn-ea"/>
+              </a:rPr>
+              <a:t>你无法拿到</a:t>
+            </a:r>
+            <a:r>
+              <a:rPr lang="en-US" altLang="zh-CN" dirty="0" smtClean="0">
+                <a:sym typeface="+mn-ea"/>
+              </a:rPr>
+              <a:t>function()</a:t>
+            </a:r>
+            <a:r>
+              <a:rPr lang="zh-CN" altLang="en-US" dirty="0" smtClean="0">
+                <a:sym typeface="+mn-ea"/>
+              </a:rPr>
+              <a:t>的返回值，但是使用</a:t>
+            </a:r>
+            <a:r>
+              <a:rPr lang="en-US" altLang="zh-CN" dirty="0" smtClean="0">
+                <a:sym typeface="+mn-ea"/>
+              </a:rPr>
+              <a:t>promise</a:t>
+            </a:r>
+            <a:r>
+              <a:rPr lang="zh-CN" altLang="en-US" dirty="0" smtClean="0">
+                <a:sym typeface="+mn-ea"/>
+              </a:rPr>
+              <a:t>，就可以写成</a:t>
+            </a:r>
+            <a:r>
+              <a:rPr lang="en-US" altLang="zh-CN" dirty="0" smtClean="0">
+                <a:sym typeface="+mn-ea"/>
+              </a:rPr>
+              <a:t>new Promise((resolve, reject) =&gt; {setTimeout(resolve(function(){}), time);}).then(returnValue =&gt; {});</a:t>
+            </a:r>
+            <a:r>
+              <a:rPr lang="zh-CN" altLang="en-US" dirty="0" smtClean="0">
+                <a:sym typeface="+mn-ea"/>
+              </a:rPr>
+              <a:t>的形式拿到异步执行的函数</a:t>
+            </a:r>
+            <a:r>
+              <a:rPr lang="en-US" altLang="zh-CN" dirty="0" smtClean="0">
+                <a:sym typeface="+mn-ea"/>
+              </a:rPr>
+              <a:t>return</a:t>
+            </a:r>
+            <a:r>
+              <a:rPr lang="zh-CN" altLang="en-US" dirty="0" smtClean="0">
+                <a:sym typeface="+mn-ea"/>
+              </a:rPr>
+              <a:t>的值。抛出异常也是同理</a:t>
+            </a:r>
+            <a:endParaRPr lang="zh-CN" altLang="en-US"/>
+          </a:p>
+        </p:txBody>
+      </p:sp>
     </p:spTree>
   </p:cSld>
   <p:clrMapOvr>
@@ -4601,9 +4718,201 @@
           <a:lstStyle/>
           <a:p>
             <a:r>
+              <a:rPr lang="en-US" altLang="zh-CN" dirty="0" err="1" smtClean="0"/>
+              <a:t>Promise.then</a:t>
+            </a:r>
+            <a:endParaRPr lang="zh-CN" altLang="en-US" dirty="0"/>
+          </a:p>
+        </p:txBody>
+      </p:sp>
+      <p:sp>
+        <p:nvSpPr>
+          <p:cNvPr id="3" name="内容占位符 2"/>
+          <p:cNvSpPr>
+            <a:spLocks noGrp="1"/>
+          </p:cNvSpPr>
+          <p:nvPr>
+            <p:ph idx="1"/>
+          </p:nvPr>
+        </p:nvSpPr>
+        <p:spPr/>
+        <p:txBody>
+          <a:bodyPr/>
+          <a:lstStyle/>
+          <a:p>
+            <a:r>
+              <a:rPr lang="en-US" altLang="zh-CN" dirty="0" err="1" smtClean="0"/>
+              <a:t>Promise.then</a:t>
+            </a:r>
+            <a:r>
+              <a:rPr lang="zh-CN" altLang="en-US" dirty="0" smtClean="0"/>
+              <a:t>会返回一个新的</a:t>
+            </a:r>
+            <a:r>
+              <a:rPr lang="en-US" altLang="zh-CN" dirty="0" smtClean="0"/>
+              <a:t>promise</a:t>
+            </a:r>
+            <a:r>
+              <a:rPr lang="zh-CN" altLang="en-US" dirty="0" smtClean="0"/>
+              <a:t>对象，这允许了</a:t>
+            </a:r>
+            <a:r>
+              <a:rPr lang="en-US" altLang="zh-CN" dirty="0" smtClean="0"/>
+              <a:t>promise</a:t>
+            </a:r>
+            <a:r>
+              <a:rPr lang="zh-CN" altLang="en-US" dirty="0" smtClean="0"/>
+              <a:t>的链式调用，可以一直返回值或抛出异常</a:t>
+            </a:r>
+            <a:endParaRPr lang="zh-CN" altLang="en-US" dirty="0" smtClean="0"/>
+          </a:p>
+          <a:p>
+            <a:endParaRPr lang="en-US" altLang="zh-CN" dirty="0" smtClean="0"/>
+          </a:p>
+          <a:p>
+            <a:r>
+              <a:rPr lang="en-US" altLang="zh-CN" dirty="0" smtClean="0"/>
+              <a:t>Promise</a:t>
+            </a:r>
+            <a:r>
+              <a:rPr lang="zh-CN" altLang="en-US" dirty="0" smtClean="0"/>
+              <a:t>状态改变后不能再变化的特性</a:t>
+            </a:r>
+            <a:r>
+              <a:rPr lang="zh-CN" altLang="en-US" dirty="0" smtClean="0"/>
+              <a:t>与同步代码十分相像，因为前一个</a:t>
+            </a:r>
+            <a:r>
+              <a:rPr lang="en-US" altLang="zh-CN" dirty="0" smtClean="0"/>
+              <a:t>promise</a:t>
+            </a:r>
+            <a:r>
+              <a:rPr lang="zh-CN" altLang="en-US" dirty="0" smtClean="0"/>
+              <a:t>的状态不能改变，恰如前一个同步函数运行完后，返回值不会再改变。</a:t>
+            </a:r>
+            <a:r>
+              <a:rPr lang="zh-CN" altLang="en-US" dirty="0"/>
+              <a:t>一个</a:t>
+            </a:r>
+            <a:r>
+              <a:rPr lang="en-US" altLang="zh-CN" dirty="0"/>
+              <a:t>Promise</a:t>
+            </a:r>
+            <a:r>
+              <a:rPr lang="zh-CN" altLang="en-US" dirty="0"/>
+              <a:t>的状态发生改变就像一个同步函数执行完成，不可逆而且值确定</a:t>
+            </a:r>
+            <a:endParaRPr lang="zh-CN" altLang="en-US" dirty="0"/>
+          </a:p>
+        </p:txBody>
+      </p:sp>
+    </p:spTree>
+  </p:cSld>
+  <p:clrMapOvr>
+    <a:masterClrMapping/>
+  </p:clrMapOvr>
+</p:sld>
+</file>
+
+<file path=ppt/slides/slide22.xml><?xml version="1.0" encoding="utf-8"?>
+<p:sld xmlns:a="http://schemas.openxmlformats.org/drawingml/2006/main" xmlns:r="http://schemas.openxmlformats.org/officeDocument/2006/relationships" xmlns:p="http://schemas.openxmlformats.org/presentationml/2006/main">
+  <p:cSld>
+    <p:spTree>
+      <p:nvGrpSpPr>
+        <p:cNvPr id="1" name=""/>
+        <p:cNvGrpSpPr/>
+        <p:nvPr/>
+      </p:nvGrpSpPr>
+      <p:grpSpPr/>
+      <p:sp>
+        <p:nvSpPr>
+          <p:cNvPr id="2" name="标题 1"/>
+          <p:cNvSpPr>
+            <a:spLocks noGrp="1"/>
+          </p:cNvSpPr>
+          <p:nvPr>
+            <p:ph type="title"/>
+          </p:nvPr>
+        </p:nvSpPr>
+        <p:spPr/>
+        <p:txBody>
+          <a:bodyPr/>
+          <a:p>
+            <a:r>
+              <a:rPr lang="zh-CN" altLang="en-US"/>
+              <a:t>一个例子</a:t>
+            </a:r>
+            <a:endParaRPr lang="zh-CN" altLang="en-US"/>
+          </a:p>
+        </p:txBody>
+      </p:sp>
+      <p:sp>
+        <p:nvSpPr>
+          <p:cNvPr id="3" name="内容占位符 2"/>
+          <p:cNvSpPr>
+            <a:spLocks noGrp="1"/>
+          </p:cNvSpPr>
+          <p:nvPr>
+            <p:ph idx="1"/>
+          </p:nvPr>
+        </p:nvSpPr>
+        <p:spPr/>
+        <p:txBody>
+          <a:bodyPr/>
+          <a:p>
+            <a:r>
+              <a:rPr lang="zh-CN" altLang="en-US"/>
+              <a:t>很多</a:t>
+            </a:r>
+            <a:r>
               <a:rPr lang="en-US" altLang="zh-CN"/>
-              <a:t>References</a:t>
-            </a:r>
+              <a:t>promise</a:t>
+            </a:r>
+            <a:r>
+              <a:rPr lang="zh-CN" altLang="en-US"/>
+              <a:t>嵌套的例子，如果写成回调的形式就很令人窒息</a:t>
+            </a:r>
+            <a:endParaRPr lang="zh-CN" altLang="en-US"/>
+          </a:p>
+        </p:txBody>
+      </p:sp>
+    </p:spTree>
+  </p:cSld>
+  <p:clrMapOvr>
+    <a:masterClrMapping/>
+  </p:clrMapOvr>
+</p:sld>
+</file>
+
+<file path=ppt/slides/slide23.xml><?xml version="1.0" encoding="utf-8"?>
+<p:sld xmlns:a="http://schemas.openxmlformats.org/drawingml/2006/main" xmlns:r="http://schemas.openxmlformats.org/officeDocument/2006/relationships" xmlns:p="http://schemas.openxmlformats.org/presentationml/2006/main">
+  <p:cSld>
+    <p:spTree>
+      <p:nvGrpSpPr>
+        <p:cNvPr id="1" name=""/>
+        <p:cNvGrpSpPr/>
+        <p:nvPr/>
+      </p:nvGrpSpPr>
+      <p:grpSpPr/>
+      <p:sp>
+        <p:nvSpPr>
+          <p:cNvPr id="2" name="标题 1"/>
+          <p:cNvSpPr>
+            <a:spLocks noGrp="1"/>
+          </p:cNvSpPr>
+          <p:nvPr>
+            <p:ph type="title"/>
+          </p:nvPr>
+        </p:nvSpPr>
+        <p:spPr/>
+        <p:txBody>
+          <a:bodyPr/>
+          <a:p>
+            <a:r>
+              <a:rPr lang="zh-CN" altLang="en-US"/>
+              <a:t>一点理解</a:t>
+            </a:r>
+            <a:endParaRPr lang="zh-CN" altLang="en-US"/>
           </a:p>
         </p:txBody>
       </p:sp>
@@ -4620,36 +4929,36 @@
         <p:spPr/>
         <p:txBody>
           <a:bodyPr/>
-          <a:lstStyle/>
-          <a:p>
+          <a:p>
+            <a:endParaRPr lang="zh-CN" altLang="en-US"/>
+          </a:p>
+          <a:p>
+            <a:r>
+              <a:rPr lang="zh-CN" altLang="en-US"/>
+              <a:t>回调和</a:t>
+            </a:r>
             <a:r>
               <a:rPr lang="en-US" altLang="zh-CN"/>
-              <a:t>[1]. Concurrency model and Event Loop -- Wiki (https://developer.mozilla.org/en-US/docs/Web/JavaScript/EventLoop#Event_loop)</a:t>
-            </a:r>
-          </a:p>
-          <a:p>
-            <a:r>
-              <a:rPr lang="en-US" altLang="zh-CN"/>
-              <a:t>[2].</a:t>
-            </a:r>
-            <a:r>
-              <a:rPr lang="en-US" altLang="zh-CN">
-                <a:sym typeface="+mn-ea"/>
-              </a:rPr>
-              <a:t>tasks,microtasks,queues and schedules</a:t>
-            </a:r>
-          </a:p>
-          <a:p>
-            <a:r>
-              <a:rPr lang="en-US" altLang="zh-CN">
-                <a:sym typeface="+mn-ea"/>
-              </a:rPr>
-              <a:t>(https://jakearchibald.com/2015/tasks-microtasks-queues-and-schedules/)</a:t>
-            </a:r>
-            <a:endParaRPr lang="en-US" altLang="zh-CN"/>
-          </a:p>
-          <a:p>
-            <a:endParaRPr lang="en-US" altLang="zh-CN"/>
+              <a:t>Promise</a:t>
+            </a:r>
+            <a:r>
+              <a:rPr lang="zh-CN" altLang="en-US"/>
+              <a:t>都能解决日常业务中拿值的问题，只不过回调的写法可能造成嵌套过深，难以阅读和理解，增加维护成本。</a:t>
+            </a:r>
+            <a:endParaRPr lang="zh-CN" altLang="en-US"/>
+          </a:p>
+          <a:p>
+            <a:endParaRPr lang="zh-CN" altLang="en-US"/>
+          </a:p>
+          <a:p>
+            <a:endParaRPr lang="zh-CN" altLang="en-US"/>
+          </a:p>
+          <a:p>
+            <a:r>
+              <a:rPr lang="zh-CN" altLang="en-US"/>
+              <a:t>https://stackoverflow.com/questions/14220321/how-do-i-return-the-response-from-an-asynchronous-call/14220323#14220323</a:t>
+            </a:r>
+            <a:endParaRPr lang="zh-CN" altLang="en-US"/>
           </a:p>
         </p:txBody>
       </p:sp>
@@ -4718,7 +5027,7 @@
           <p:nvPr/>
         </p:nvPicPr>
         <p:blipFill>
-          <a:blip r:embed="rId2">
+          <a:blip r:embed="rId1">
             <a:extLst>
               <a:ext uri="{28A0092B-C50C-407E-A947-70E740481C1C}">
                 <a14:useLocalDpi xmlns:a14="http://schemas.microsoft.com/office/drawing/2010/main" val="0"/>
@@ -4827,11 +5136,6 @@
         </p:txBody>
       </p:sp>
     </p:spTree>
-    <p:extLst>
-      <p:ext uri="{BB962C8B-B14F-4D97-AF65-F5344CB8AC3E}">
-        <p14:creationId xmlns:p14="http://schemas.microsoft.com/office/powerpoint/2010/main" val="1857954743"/>
-      </p:ext>
-    </p:extLst>
   </p:cSld>
   <p:clrMapOvr>
     <a:masterClrMapping/>
@@ -4872,6 +5176,126 @@
           <a:lstStyle/>
           <a:p>
             <a:r>
+              <a:rPr lang="en-US" altLang="zh-CN" dirty="0"/>
+              <a:t>Call </a:t>
+            </a:r>
+            <a:r>
+              <a:rPr lang="en-US" altLang="zh-CN" dirty="0" smtClean="0"/>
+              <a:t>Stack</a:t>
+            </a:r>
+            <a:r>
+              <a:rPr lang="zh-CN" altLang="en-US" dirty="0" smtClean="0"/>
+              <a:t>：记录程序运行到哪</a:t>
+            </a:r>
+            <a:endParaRPr lang="en-US" altLang="zh-CN" dirty="0"/>
+          </a:p>
+        </p:txBody>
+      </p:sp>
+      <p:pic>
+        <p:nvPicPr>
+          <p:cNvPr id="6" name="内容占位符 5" descr="1-E3zTWtEOiDWw7d0n7Vp-mA"/>
+          <p:cNvPicPr>
+            <a:picLocks noGrp="1" noChangeAspect="1"/>
+          </p:cNvPicPr>
+          <p:nvPr>
+            <p:ph idx="1"/>
+          </p:nvPr>
+        </p:nvPicPr>
+        <p:blipFill>
+          <a:blip r:embed="rId1"/>
+          <a:stretch>
+            <a:fillRect/>
+          </a:stretch>
+        </p:blipFill>
+        <p:spPr>
+          <a:xfrm>
+            <a:off x="838200" y="1828800"/>
+            <a:ext cx="7483243" cy="4352742"/>
+          </a:xfrm>
+          <a:prstGeom prst="rect">
+            <a:avLst/>
+          </a:prstGeom>
+        </p:spPr>
+      </p:pic>
+      <p:sp>
+        <p:nvSpPr>
+          <p:cNvPr id="3" name="文本框 2"/>
+          <p:cNvSpPr txBox="1"/>
+          <p:nvPr/>
+        </p:nvSpPr>
+        <p:spPr>
+          <a:xfrm>
+            <a:off x="8873544" y="2086376"/>
+            <a:ext cx="2480256" cy="2677656"/>
+          </a:xfrm>
+          <a:prstGeom prst="rect">
+            <a:avLst/>
+          </a:prstGeom>
+          <a:noFill/>
+        </p:spPr>
+        <p:txBody>
+          <a:bodyPr wrap="square" rtlCol="0">
+            <a:spAutoFit/>
+          </a:bodyPr>
+          <a:lstStyle/>
+          <a:p>
+            <a:r>
+              <a:rPr lang="zh-CN" altLang="en-US" sz="2800" dirty="0" smtClean="0"/>
+              <a:t>栈帧</a:t>
+            </a:r>
+            <a:r>
+              <a:rPr lang="en-US" altLang="zh-CN" sz="2800" dirty="0" smtClean="0"/>
+              <a:t>:</a:t>
+            </a:r>
+            <a:r>
+              <a:rPr lang="zh-CN" altLang="en-US" sz="2800" dirty="0" smtClean="0"/>
+              <a:t>调用栈中的每个实体被称为栈帧，用于保存调用位置和内部变量等信息</a:t>
+            </a:r>
+            <a:endParaRPr lang="zh-CN" altLang="en-US" sz="2800" dirty="0"/>
+          </a:p>
+        </p:txBody>
+      </p:sp>
+    </p:spTree>
+  </p:cSld>
+  <p:clrMapOvr>
+    <a:masterClrMapping/>
+  </p:clrMapOvr>
+</p:sld>
+</file>
+
+<file path=ppt/slides/slide5.xml><?xml version="1.0" encoding="utf-8"?>
+<p:sld xmlns:a="http://schemas.openxmlformats.org/drawingml/2006/main" xmlns:r="http://schemas.openxmlformats.org/officeDocument/2006/relationships" xmlns:p="http://schemas.openxmlformats.org/presentationml/2006/main">
+  <p:cSld>
+    <p:spTree>
+      <p:nvGrpSpPr>
+        <p:cNvPr id="1" name=""/>
+        <p:cNvGrpSpPr/>
+        <p:nvPr/>
+      </p:nvGrpSpPr>
+      <p:grpSpPr>
+        <a:xfrm>
+          <a:off x="0" y="0"/>
+          <a:ext cx="0" cy="0"/>
+          <a:chOff x="0" y="0"/>
+          <a:chExt cx="0" cy="0"/>
+        </a:xfrm>
+      </p:grpSpPr>
+      <p:sp>
+        <p:nvSpPr>
+          <p:cNvPr id="2" name="标题 1"/>
+          <p:cNvSpPr>
+            <a:spLocks noGrp="1"/>
+          </p:cNvSpPr>
+          <p:nvPr>
+            <p:ph type="title"/>
+          </p:nvPr>
+        </p:nvSpPr>
+        <p:spPr/>
+        <p:txBody>
+          <a:bodyPr/>
+          <a:lstStyle/>
+          <a:p>
+            <a:r>
               <a:rPr lang="zh-CN" altLang="en-US" dirty="0" smtClean="0"/>
               <a:t>运行时的情况</a:t>
             </a:r>
@@ -4888,7 +5312,7 @@
           <p:nvPr/>
         </p:nvPicPr>
         <p:blipFill>
-          <a:blip r:embed="rId2">
+          <a:blip r:embed="rId1">
             <a:extLst>
               <a:ext uri="{28A0092B-C50C-407E-A947-70E740481C1C}">
                 <a14:useLocalDpi xmlns:a14="http://schemas.microsoft.com/office/drawing/2010/main" val="0"/>
@@ -4970,126 +5394,6 @@
 </p:sld>
 </file>
 
-<file path=ppt/slides/slide5.xml><?xml version="1.0" encoding="utf-8"?>
-<p:sld xmlns:a="http://schemas.openxmlformats.org/drawingml/2006/main" xmlns:r="http://schemas.openxmlformats.org/officeDocument/2006/relationships" xmlns:p="http://schemas.openxmlformats.org/presentationml/2006/main">
-  <p:cSld>
-    <p:spTree>
-      <p:nvGrpSpPr>
-        <p:cNvPr id="1" name=""/>
-        <p:cNvGrpSpPr/>
-        <p:nvPr/>
-      </p:nvGrpSpPr>
-      <p:grpSpPr>
-        <a:xfrm>
-          <a:off x="0" y="0"/>
-          <a:ext cx="0" cy="0"/>
-          <a:chOff x="0" y="0"/>
-          <a:chExt cx="0" cy="0"/>
-        </a:xfrm>
-      </p:grpSpPr>
-      <p:sp>
-        <p:nvSpPr>
-          <p:cNvPr id="2" name="标题 1"/>
-          <p:cNvSpPr>
-            <a:spLocks noGrp="1"/>
-          </p:cNvSpPr>
-          <p:nvPr>
-            <p:ph type="title"/>
-          </p:nvPr>
-        </p:nvSpPr>
-        <p:spPr/>
-        <p:txBody>
-          <a:bodyPr/>
-          <a:lstStyle/>
-          <a:p>
-            <a:r>
-              <a:rPr lang="en-US" altLang="zh-CN" dirty="0"/>
-              <a:t>Call </a:t>
-            </a:r>
-            <a:r>
-              <a:rPr lang="en-US" altLang="zh-CN" dirty="0" smtClean="0"/>
-              <a:t>Stack</a:t>
-            </a:r>
-            <a:r>
-              <a:rPr lang="zh-CN" altLang="en-US" dirty="0" smtClean="0"/>
-              <a:t>：记录程序运行到哪</a:t>
-            </a:r>
-            <a:endParaRPr lang="en-US" altLang="zh-CN" dirty="0"/>
-          </a:p>
-        </p:txBody>
-      </p:sp>
-      <p:pic>
-        <p:nvPicPr>
-          <p:cNvPr id="6" name="内容占位符 5" descr="1-E3zTWtEOiDWw7d0n7Vp-mA"/>
-          <p:cNvPicPr>
-            <a:picLocks noGrp="1" noChangeAspect="1"/>
-          </p:cNvPicPr>
-          <p:nvPr>
-            <p:ph idx="1"/>
-          </p:nvPr>
-        </p:nvPicPr>
-        <p:blipFill>
-          <a:blip r:embed="rId2"/>
-          <a:stretch>
-            <a:fillRect/>
-          </a:stretch>
-        </p:blipFill>
-        <p:spPr>
-          <a:xfrm>
-            <a:off x="838200" y="1828800"/>
-            <a:ext cx="7483243" cy="4352742"/>
-          </a:xfrm>
-          <a:prstGeom prst="rect">
-            <a:avLst/>
-          </a:prstGeom>
-        </p:spPr>
-      </p:pic>
-      <p:sp>
-        <p:nvSpPr>
-          <p:cNvPr id="3" name="文本框 2"/>
-          <p:cNvSpPr txBox="1"/>
-          <p:nvPr/>
-        </p:nvSpPr>
-        <p:spPr>
-          <a:xfrm>
-            <a:off x="8873544" y="2086376"/>
-            <a:ext cx="2480256" cy="2677656"/>
-          </a:xfrm>
-          <a:prstGeom prst="rect">
-            <a:avLst/>
-          </a:prstGeom>
-          <a:noFill/>
-        </p:spPr>
-        <p:txBody>
-          <a:bodyPr wrap="square" rtlCol="0">
-            <a:spAutoFit/>
-          </a:bodyPr>
-          <a:lstStyle/>
-          <a:p>
-            <a:r>
-              <a:rPr lang="zh-CN" altLang="en-US" sz="2800" dirty="0" smtClean="0"/>
-              <a:t>栈帧</a:t>
-            </a:r>
-            <a:r>
-              <a:rPr lang="en-US" altLang="zh-CN" sz="2800" dirty="0" smtClean="0"/>
-              <a:t>:</a:t>
-            </a:r>
-            <a:r>
-              <a:rPr lang="zh-CN" altLang="en-US" sz="2800" dirty="0" smtClean="0"/>
-              <a:t>调用栈中的每个实体被称为栈帧，用于保存调用位置和内部变量等信息</a:t>
-            </a:r>
-            <a:endParaRPr lang="zh-CN" altLang="en-US" sz="2800" dirty="0"/>
-          </a:p>
-        </p:txBody>
-      </p:sp>
-    </p:spTree>
-  </p:cSld>
-  <p:clrMapOvr>
-    <a:masterClrMapping/>
-  </p:clrMapOvr>
-</p:sld>
-</file>
-
 <file path=ppt/slides/slide6.xml><?xml version="1.0" encoding="utf-8"?>
 <p:sld xmlns:a="http://schemas.openxmlformats.org/drawingml/2006/main" xmlns:r="http://schemas.openxmlformats.org/officeDocument/2006/relationships" xmlns:p="http://schemas.openxmlformats.org/presentationml/2006/main">
   <p:cSld>
@@ -5126,6 +5430,7 @@
               <a:rPr lang="en-US" altLang="zh-CN"/>
               <a:t>Event Loop</a:t>
             </a:r>
+            <a:endParaRPr lang="en-US" altLang="zh-CN"/>
           </a:p>
         </p:txBody>
       </p:sp>
@@ -5162,6 +5467,7 @@
               <a:rPr lang="zh-CN" altLang="en-US"/>
               <a:t>这个名字来源于它往往这样来实现：</a:t>
             </a:r>
+            <a:endParaRPr lang="zh-CN" altLang="en-US"/>
           </a:p>
           <a:p>
             <a:pPr marL="0" indent="0">
@@ -5182,6 +5488,7 @@
               <a:rPr lang="en-US" altLang="zh-CN"/>
               <a:t>	queue.processNextMessage();</a:t>
             </a:r>
+            <a:endParaRPr lang="en-US" altLang="zh-CN"/>
           </a:p>
           <a:p>
             <a:pPr marL="0" indent="0">
@@ -5191,6 +5498,7 @@
               <a:rPr lang="en-US" altLang="zh-CN"/>
               <a:t>   }</a:t>
             </a:r>
+            <a:endParaRPr lang="en-US" altLang="zh-CN"/>
           </a:p>
           <a:p>
             <a:pPr marL="0" indent="0">
@@ -5212,6 +5520,7 @@
               <a:rPr lang="zh-CN" altLang="en-US"/>
               <a:t>这个方法会同步地一直等待</a:t>
             </a:r>
+            <a:endParaRPr lang="zh-CN" altLang="en-US"/>
           </a:p>
           <a:p>
             <a:pPr marL="0" indent="0">
@@ -5253,6 +5562,7 @@
               <a:rPr lang="zh-CN" altLang="en-US"/>
               <a:t>若同步代码阻塞则会影响用户交互</a:t>
             </a:r>
+            <a:endParaRPr lang="zh-CN" altLang="en-US"/>
           </a:p>
         </p:txBody>
       </p:sp>
@@ -5323,6 +5633,7 @@
               <a:rPr lang="en-US" altLang="zh-CN" dirty="0" smtClean="0"/>
               <a:t>JS Engine</a:t>
             </a:r>
+            <a:endParaRPr lang="en-US" altLang="zh-CN" dirty="0" smtClean="0"/>
           </a:p>
           <a:p>
             <a:endParaRPr lang="en-US" altLang="zh-CN" dirty="0"/>
@@ -5340,11 +5651,6 @@
         </p:txBody>
       </p:sp>
     </p:spTree>
-    <p:extLst>
-      <p:ext uri="{BB962C8B-B14F-4D97-AF65-F5344CB8AC3E}">
-        <p14:creationId xmlns:p14="http://schemas.microsoft.com/office/powerpoint/2010/main" val="3322039454"/>
-      </p:ext>
-    </p:extLst>
   </p:cSld>
   <p:clrMapOvr>
     <a:masterClrMapping/>
@@ -5413,7 +5719,7 @@
           <p:nvPr/>
         </p:nvPicPr>
         <p:blipFill>
-          <a:blip r:embed="rId2">
+          <a:blip r:embed="rId1">
             <a:extLst>
               <a:ext uri="{28A0092B-C50C-407E-A947-70E740481C1C}">
                 <a14:useLocalDpi xmlns:a14="http://schemas.microsoft.com/office/drawing/2010/main" val="0"/>
@@ -5446,11 +5752,6 @@
         </p:spPr>
       </p:pic>
     </p:spTree>
-    <p:extLst>
-      <p:ext uri="{BB962C8B-B14F-4D97-AF65-F5344CB8AC3E}">
-        <p14:creationId xmlns:p14="http://schemas.microsoft.com/office/powerpoint/2010/main" val="4118090218"/>
-      </p:ext>
-    </p:extLst>
   </p:cSld>
   <p:clrMapOvr>
     <a:masterClrMapping/>
@@ -5544,6 +5845,7 @@
               <a:rPr lang="en-US" altLang="zh-CN" dirty="0" smtClean="0"/>
               <a:t>JIT Compiler</a:t>
             </a:r>
+            <a:endParaRPr lang="en-US" altLang="zh-CN" dirty="0" smtClean="0"/>
           </a:p>
           <a:p>
             <a:r>
@@ -5566,6 +5868,7 @@
               <a:rPr lang="en-US" altLang="zh-CN" dirty="0" smtClean="0"/>
               <a:t>…)</a:t>
             </a:r>
+            <a:endParaRPr lang="en-US" altLang="zh-CN" dirty="0" smtClean="0"/>
           </a:p>
           <a:p>
             <a:r>
@@ -5602,11 +5905,7 @@
             </a:r>
             <a:r>
               <a:rPr lang="en-US" altLang="zh-CN" dirty="0" smtClean="0"/>
-              <a:t>JIT(Just-In-Time) </a:t>
-            </a:r>
-            <a:r>
-              <a:rPr lang="en-US" altLang="zh-CN" dirty="0" smtClean="0"/>
-              <a:t>compiler</a:t>
+              <a:t>JIT(Just-In-Time) compiler</a:t>
             </a:r>
             <a:r>
               <a:rPr lang="en-US" altLang="zh-CN" dirty="0"/>
@@ -5614,15 +5913,7 @@
             </a:r>
             <a:r>
               <a:rPr lang="zh-CN" altLang="en-US" dirty="0" smtClean="0"/>
-              <a:t>一</a:t>
-            </a:r>
-            <a:r>
-              <a:rPr lang="zh-CN" altLang="en-US" dirty="0" smtClean="0"/>
-              <a:t>个实时的</a:t>
-            </a:r>
-            <a:r>
-              <a:rPr lang="zh-CN" altLang="en-US" dirty="0" smtClean="0"/>
-              <a:t>编译器</a:t>
+              <a:t>一个实时的编译器</a:t>
             </a:r>
             <a:r>
               <a:rPr lang="en-US" altLang="zh-CN" dirty="0" smtClean="0"/>
@@ -5630,11 +5921,7 @@
             </a:r>
             <a:r>
               <a:rPr lang="zh-CN" altLang="en-US" dirty="0" smtClean="0"/>
-              <a:t>在</a:t>
-            </a:r>
-            <a:r>
-              <a:rPr lang="zh-CN" altLang="en-US" dirty="0" smtClean="0"/>
-              <a:t>运行时将</a:t>
+              <a:t>在运行时将</a:t>
             </a:r>
             <a:r>
               <a:rPr lang="en-US" altLang="zh-CN" dirty="0" err="1" smtClean="0"/>
@@ -5730,6 +6017,7 @@
               <a:rPr lang="en-US" altLang="zh-CN" dirty="0" smtClean="0"/>
               <a:t>)</a:t>
             </a:r>
+            <a:endParaRPr lang="en-US" altLang="zh-CN" dirty="0" smtClean="0"/>
           </a:p>
         </p:txBody>
       </p:sp>
@@ -5739,6 +6027,12 @@
     <a:masterClrMapping/>
   </p:clrMapOvr>
 </p:sld>
+</file>
+
+<file path=ppt/tags/tag1.xml><?xml version="1.0" encoding="utf-8"?>
+<p:tagLst xmlns:p="http://schemas.openxmlformats.org/presentationml/2006/main">
+  <p:tag name="KSO_WM_SLIDE_MODEL_TYPE" val="cover"/>
+</p:tagLst>
 </file>
 
 <file path=ppt/theme/theme1.xml><?xml version="1.0" encoding="utf-8"?>
@@ -5992,8 +6286,6 @@
       </a:bgFillStyleLst>
     </a:fmtScheme>
   </a:themeElements>
-  <a:objectDefaults/>
-  <a:extraClrSchemeLst/>
   <a:extLst>
     <a:ext uri="{05A4C25C-085E-4340-85A3-A5531E510DB2}">
       <thm15:themeFamily xmlns:thm15="http://schemas.microsoft.com/office/thememl/2012/main" name="Office Theme" id="{62F939B6-93AF-4DB8-9C6B-D6C7DFDC589F}" vid="{4A3C46E8-61CC-4603-A589-7422A47A8E4A}"/>
